--- a/Riid.pptx
+++ b/Riid.pptx
@@ -67,7 +67,7 @@
       </p:grpSpPr>
       <p:sp>
         <p:nvSpPr>
-          <p:cNvPr id="30" name="PlaceHolder 1"/>
+          <p:cNvPr id="27" name="PlaceHolder 1"/>
           <p:cNvSpPr>
             <a:spLocks noGrp="1"/>
           </p:cNvSpPr>
@@ -78,27 +78,27 @@
         <p:spPr>
           <a:xfrm>
             <a:off x="1915200" y="1788480"/>
-            <a:ext cx="8361000" cy="2097720"/>
-          </a:xfrm>
-          <a:prstGeom prst="rect">
-            <a:avLst/>
-          </a:prstGeom>
-        </p:spPr>
-        <p:txBody>
-          <a:bodyPr lIns="0" rIns="0" tIns="0" bIns="0" anchor="ctr"/>
-          <a:p>
-            <a:endParaRPr b="0" lang="en-US" sz="1800" spc="-1" strike="noStrike">
-              <a:solidFill>
-                <a:srgbClr val="000000"/>
-              </a:solidFill>
-              <a:latin typeface="Franklin Gothic Book"/>
-            </a:endParaRPr>
-          </a:p>
-        </p:txBody>
-      </p:sp>
-      <p:sp>
-        <p:nvSpPr>
-          <p:cNvPr id="31" name="PlaceHolder 2"/>
+            <a:ext cx="8360640" cy="2097360"/>
+          </a:xfrm>
+          <a:prstGeom prst="rect">
+            <a:avLst/>
+          </a:prstGeom>
+        </p:spPr>
+        <p:txBody>
+          <a:bodyPr lIns="0" rIns="0" tIns="0" bIns="0" anchor="ctr">
+            <a:noAutofit/>
+          </a:bodyPr>
+          <a:p>
+            <a:pPr algn="ctr"/>
+            <a:endParaRPr b="0" lang="ru-RU" sz="4400" spc="-1" strike="noStrike">
+              <a:latin typeface="Arial"/>
+            </a:endParaRPr>
+          </a:p>
+        </p:txBody>
+      </p:sp>
+      <p:sp>
+        <p:nvSpPr>
+          <p:cNvPr id="28" name="PlaceHolder 2"/>
           <p:cNvSpPr>
             <a:spLocks noGrp="1"/>
           </p:cNvSpPr>
@@ -120,18 +120,15 @@
             <a:normAutofit/>
           </a:bodyPr>
           <a:p>
-            <a:endParaRPr b="0" lang="en-US" sz="2000" spc="-1" strike="noStrike">
-              <a:solidFill>
-                <a:srgbClr val="432a30"/>
-              </a:solidFill>
-              <a:latin typeface="Franklin Gothic Book"/>
-            </a:endParaRPr>
-          </a:p>
-        </p:txBody>
-      </p:sp>
-      <p:sp>
-        <p:nvSpPr>
-          <p:cNvPr id="32" name="PlaceHolder 3"/>
+            <a:endParaRPr b="0" lang="ru-RU" sz="3200" spc="-1" strike="noStrike">
+              <a:latin typeface="Arial"/>
+            </a:endParaRPr>
+          </a:p>
+        </p:txBody>
+      </p:sp>
+      <p:sp>
+        <p:nvSpPr>
+          <p:cNvPr id="29" name="PlaceHolder 3"/>
           <p:cNvSpPr>
             <a:spLocks noGrp="1"/>
           </p:cNvSpPr>
@@ -153,11 +150,8 @@
             <a:normAutofit/>
           </a:bodyPr>
           <a:p>
-            <a:endParaRPr b="0" lang="en-US" sz="2000" spc="-1" strike="noStrike">
-              <a:solidFill>
-                <a:srgbClr val="432a30"/>
-              </a:solidFill>
-              <a:latin typeface="Franklin Gothic Book"/>
+            <a:endParaRPr b="0" lang="ru-RU" sz="3200" spc="-1" strike="noStrike">
+              <a:latin typeface="Arial"/>
             </a:endParaRPr>
           </a:p>
         </p:txBody>
@@ -186,7 +180,7 @@
       </p:grpSpPr>
       <p:sp>
         <p:nvSpPr>
-          <p:cNvPr id="33" name="PlaceHolder 1"/>
+          <p:cNvPr id="30" name="PlaceHolder 1"/>
           <p:cNvSpPr>
             <a:spLocks noGrp="1"/>
           </p:cNvSpPr>
@@ -197,27 +191,27 @@
         <p:spPr>
           <a:xfrm>
             <a:off x="1915200" y="1788480"/>
-            <a:ext cx="8361000" cy="2097720"/>
-          </a:xfrm>
-          <a:prstGeom prst="rect">
-            <a:avLst/>
-          </a:prstGeom>
-        </p:spPr>
-        <p:txBody>
-          <a:bodyPr lIns="0" rIns="0" tIns="0" bIns="0" anchor="ctr"/>
-          <a:p>
-            <a:endParaRPr b="0" lang="en-US" sz="1800" spc="-1" strike="noStrike">
-              <a:solidFill>
-                <a:srgbClr val="000000"/>
-              </a:solidFill>
-              <a:latin typeface="Franklin Gothic Book"/>
-            </a:endParaRPr>
-          </a:p>
-        </p:txBody>
-      </p:sp>
-      <p:sp>
-        <p:nvSpPr>
-          <p:cNvPr id="34" name="PlaceHolder 2"/>
+            <a:ext cx="8360640" cy="2097360"/>
+          </a:xfrm>
+          <a:prstGeom prst="rect">
+            <a:avLst/>
+          </a:prstGeom>
+        </p:spPr>
+        <p:txBody>
+          <a:bodyPr lIns="0" rIns="0" tIns="0" bIns="0" anchor="ctr">
+            <a:noAutofit/>
+          </a:bodyPr>
+          <a:p>
+            <a:pPr algn="ctr"/>
+            <a:endParaRPr b="0" lang="ru-RU" sz="4400" spc="-1" strike="noStrike">
+              <a:latin typeface="Arial"/>
+            </a:endParaRPr>
+          </a:p>
+        </p:txBody>
+      </p:sp>
+      <p:sp>
+        <p:nvSpPr>
+          <p:cNvPr id="31" name="PlaceHolder 2"/>
           <p:cNvSpPr>
             <a:spLocks noGrp="1"/>
           </p:cNvSpPr>
@@ -239,18 +233,15 @@
             <a:normAutofit/>
           </a:bodyPr>
           <a:p>
-            <a:endParaRPr b="0" lang="en-US" sz="2000" spc="-1" strike="noStrike">
-              <a:solidFill>
-                <a:srgbClr val="432a30"/>
-              </a:solidFill>
-              <a:latin typeface="Franklin Gothic Book"/>
-            </a:endParaRPr>
-          </a:p>
-        </p:txBody>
-      </p:sp>
-      <p:sp>
-        <p:nvSpPr>
-          <p:cNvPr id="35" name="PlaceHolder 3"/>
+            <a:endParaRPr b="0" lang="ru-RU" sz="3200" spc="-1" strike="noStrike">
+              <a:latin typeface="Arial"/>
+            </a:endParaRPr>
+          </a:p>
+        </p:txBody>
+      </p:sp>
+      <p:sp>
+        <p:nvSpPr>
+          <p:cNvPr id="32" name="PlaceHolder 3"/>
           <p:cNvSpPr>
             <a:spLocks noGrp="1"/>
           </p:cNvSpPr>
@@ -272,18 +263,15 @@
             <a:normAutofit/>
           </a:bodyPr>
           <a:p>
-            <a:endParaRPr b="0" lang="en-US" sz="2000" spc="-1" strike="noStrike">
-              <a:solidFill>
-                <a:srgbClr val="432a30"/>
-              </a:solidFill>
-              <a:latin typeface="Franklin Gothic Book"/>
-            </a:endParaRPr>
-          </a:p>
-        </p:txBody>
-      </p:sp>
-      <p:sp>
-        <p:nvSpPr>
-          <p:cNvPr id="36" name="PlaceHolder 4"/>
+            <a:endParaRPr b="0" lang="ru-RU" sz="3200" spc="-1" strike="noStrike">
+              <a:latin typeface="Arial"/>
+            </a:endParaRPr>
+          </a:p>
+        </p:txBody>
+      </p:sp>
+      <p:sp>
+        <p:nvSpPr>
+          <p:cNvPr id="33" name="PlaceHolder 4"/>
           <p:cNvSpPr>
             <a:spLocks noGrp="1"/>
           </p:cNvSpPr>
@@ -305,18 +293,15 @@
             <a:normAutofit/>
           </a:bodyPr>
           <a:p>
-            <a:endParaRPr b="0" lang="en-US" sz="2000" spc="-1" strike="noStrike">
-              <a:solidFill>
-                <a:srgbClr val="432a30"/>
-              </a:solidFill>
-              <a:latin typeface="Franklin Gothic Book"/>
-            </a:endParaRPr>
-          </a:p>
-        </p:txBody>
-      </p:sp>
-      <p:sp>
-        <p:nvSpPr>
-          <p:cNvPr id="37" name="PlaceHolder 5"/>
+            <a:endParaRPr b="0" lang="ru-RU" sz="3200" spc="-1" strike="noStrike">
+              <a:latin typeface="Arial"/>
+            </a:endParaRPr>
+          </a:p>
+        </p:txBody>
+      </p:sp>
+      <p:sp>
+        <p:nvSpPr>
+          <p:cNvPr id="34" name="PlaceHolder 5"/>
           <p:cNvSpPr>
             <a:spLocks noGrp="1"/>
           </p:cNvSpPr>
@@ -338,11 +323,8 @@
             <a:normAutofit/>
           </a:bodyPr>
           <a:p>
-            <a:endParaRPr b="0" lang="en-US" sz="2000" spc="-1" strike="noStrike">
-              <a:solidFill>
-                <a:srgbClr val="432a30"/>
-              </a:solidFill>
-              <a:latin typeface="Franklin Gothic Book"/>
+            <a:endParaRPr b="0" lang="ru-RU" sz="3200" spc="-1" strike="noStrike">
+              <a:latin typeface="Arial"/>
             </a:endParaRPr>
           </a:p>
         </p:txBody>
@@ -371,7 +353,7 @@
       </p:grpSpPr>
       <p:sp>
         <p:nvSpPr>
-          <p:cNvPr id="38" name="PlaceHolder 1"/>
+          <p:cNvPr id="35" name="PlaceHolder 1"/>
           <p:cNvSpPr>
             <a:spLocks noGrp="1"/>
           </p:cNvSpPr>
@@ -382,27 +364,27 @@
         <p:spPr>
           <a:xfrm>
             <a:off x="1915200" y="1788480"/>
-            <a:ext cx="8361000" cy="2097720"/>
-          </a:xfrm>
-          <a:prstGeom prst="rect">
-            <a:avLst/>
-          </a:prstGeom>
-        </p:spPr>
-        <p:txBody>
-          <a:bodyPr lIns="0" rIns="0" tIns="0" bIns="0" anchor="ctr"/>
-          <a:p>
-            <a:endParaRPr b="0" lang="en-US" sz="1800" spc="-1" strike="noStrike">
-              <a:solidFill>
-                <a:srgbClr val="000000"/>
-              </a:solidFill>
-              <a:latin typeface="Franklin Gothic Book"/>
-            </a:endParaRPr>
-          </a:p>
-        </p:txBody>
-      </p:sp>
-      <p:sp>
-        <p:nvSpPr>
-          <p:cNvPr id="39" name="PlaceHolder 2"/>
+            <a:ext cx="8360640" cy="2097360"/>
+          </a:xfrm>
+          <a:prstGeom prst="rect">
+            <a:avLst/>
+          </a:prstGeom>
+        </p:spPr>
+        <p:txBody>
+          <a:bodyPr lIns="0" rIns="0" tIns="0" bIns="0" anchor="ctr">
+            <a:noAutofit/>
+          </a:bodyPr>
+          <a:p>
+            <a:pPr algn="ctr"/>
+            <a:endParaRPr b="0" lang="ru-RU" sz="4400" spc="-1" strike="noStrike">
+              <a:latin typeface="Arial"/>
+            </a:endParaRPr>
+          </a:p>
+        </p:txBody>
+      </p:sp>
+      <p:sp>
+        <p:nvSpPr>
+          <p:cNvPr id="36" name="PlaceHolder 2"/>
           <p:cNvSpPr>
             <a:spLocks noGrp="1"/>
           </p:cNvSpPr>
@@ -424,18 +406,15 @@
             <a:normAutofit/>
           </a:bodyPr>
           <a:p>
-            <a:endParaRPr b="0" lang="en-US" sz="2000" spc="-1" strike="noStrike">
-              <a:solidFill>
-                <a:srgbClr val="432a30"/>
-              </a:solidFill>
-              <a:latin typeface="Franklin Gothic Book"/>
-            </a:endParaRPr>
-          </a:p>
-        </p:txBody>
-      </p:sp>
-      <p:sp>
-        <p:nvSpPr>
-          <p:cNvPr id="40" name="PlaceHolder 3"/>
+            <a:endParaRPr b="0" lang="ru-RU" sz="3200" spc="-1" strike="noStrike">
+              <a:latin typeface="Arial"/>
+            </a:endParaRPr>
+          </a:p>
+        </p:txBody>
+      </p:sp>
+      <p:sp>
+        <p:nvSpPr>
+          <p:cNvPr id="37" name="PlaceHolder 3"/>
           <p:cNvSpPr>
             <a:spLocks noGrp="1"/>
           </p:cNvSpPr>
@@ -457,18 +436,15 @@
             <a:normAutofit/>
           </a:bodyPr>
           <a:p>
-            <a:endParaRPr b="0" lang="en-US" sz="2000" spc="-1" strike="noStrike">
-              <a:solidFill>
-                <a:srgbClr val="432a30"/>
-              </a:solidFill>
-              <a:latin typeface="Franklin Gothic Book"/>
-            </a:endParaRPr>
-          </a:p>
-        </p:txBody>
-      </p:sp>
-      <p:sp>
-        <p:nvSpPr>
-          <p:cNvPr id="41" name="PlaceHolder 4"/>
+            <a:endParaRPr b="0" lang="ru-RU" sz="3200" spc="-1" strike="noStrike">
+              <a:latin typeface="Arial"/>
+            </a:endParaRPr>
+          </a:p>
+        </p:txBody>
+      </p:sp>
+      <p:sp>
+        <p:nvSpPr>
+          <p:cNvPr id="38" name="PlaceHolder 4"/>
           <p:cNvSpPr>
             <a:spLocks noGrp="1"/>
           </p:cNvSpPr>
@@ -490,18 +466,15 @@
             <a:normAutofit/>
           </a:bodyPr>
           <a:p>
-            <a:endParaRPr b="0" lang="en-US" sz="2000" spc="-1" strike="noStrike">
-              <a:solidFill>
-                <a:srgbClr val="432a30"/>
-              </a:solidFill>
-              <a:latin typeface="Franklin Gothic Book"/>
-            </a:endParaRPr>
-          </a:p>
-        </p:txBody>
-      </p:sp>
-      <p:sp>
-        <p:nvSpPr>
-          <p:cNvPr id="42" name="PlaceHolder 5"/>
+            <a:endParaRPr b="0" lang="ru-RU" sz="3200" spc="-1" strike="noStrike">
+              <a:latin typeface="Arial"/>
+            </a:endParaRPr>
+          </a:p>
+        </p:txBody>
+      </p:sp>
+      <p:sp>
+        <p:nvSpPr>
+          <p:cNvPr id="39" name="PlaceHolder 5"/>
           <p:cNvSpPr>
             <a:spLocks noGrp="1"/>
           </p:cNvSpPr>
@@ -523,18 +496,15 @@
             <a:normAutofit/>
           </a:bodyPr>
           <a:p>
-            <a:endParaRPr b="0" lang="en-US" sz="2000" spc="-1" strike="noStrike">
-              <a:solidFill>
-                <a:srgbClr val="432a30"/>
-              </a:solidFill>
-              <a:latin typeface="Franklin Gothic Book"/>
-            </a:endParaRPr>
-          </a:p>
-        </p:txBody>
-      </p:sp>
-      <p:sp>
-        <p:nvSpPr>
-          <p:cNvPr id="43" name="PlaceHolder 6"/>
+            <a:endParaRPr b="0" lang="ru-RU" sz="3200" spc="-1" strike="noStrike">
+              <a:latin typeface="Arial"/>
+            </a:endParaRPr>
+          </a:p>
+        </p:txBody>
+      </p:sp>
+      <p:sp>
+        <p:nvSpPr>
+          <p:cNvPr id="40" name="PlaceHolder 6"/>
           <p:cNvSpPr>
             <a:spLocks noGrp="1"/>
           </p:cNvSpPr>
@@ -556,18 +526,15 @@
             <a:normAutofit/>
           </a:bodyPr>
           <a:p>
-            <a:endParaRPr b="0" lang="en-US" sz="2000" spc="-1" strike="noStrike">
-              <a:solidFill>
-                <a:srgbClr val="432a30"/>
-              </a:solidFill>
-              <a:latin typeface="Franklin Gothic Book"/>
-            </a:endParaRPr>
-          </a:p>
-        </p:txBody>
-      </p:sp>
-      <p:sp>
-        <p:nvSpPr>
-          <p:cNvPr id="44" name="PlaceHolder 7"/>
+            <a:endParaRPr b="0" lang="ru-RU" sz="3200" spc="-1" strike="noStrike">
+              <a:latin typeface="Arial"/>
+            </a:endParaRPr>
+          </a:p>
+        </p:txBody>
+      </p:sp>
+      <p:sp>
+        <p:nvSpPr>
+          <p:cNvPr id="41" name="PlaceHolder 7"/>
           <p:cNvSpPr>
             <a:spLocks noGrp="1"/>
           </p:cNvSpPr>
@@ -589,11 +556,8 @@
             <a:normAutofit/>
           </a:bodyPr>
           <a:p>
-            <a:endParaRPr b="0" lang="en-US" sz="2000" spc="-1" strike="noStrike">
-              <a:solidFill>
-                <a:srgbClr val="432a30"/>
-              </a:solidFill>
-              <a:latin typeface="Franklin Gothic Book"/>
+            <a:endParaRPr b="0" lang="ru-RU" sz="3200" spc="-1" strike="noStrike">
+              <a:latin typeface="Arial"/>
             </a:endParaRPr>
           </a:p>
         </p:txBody>
@@ -644,7 +608,7 @@
       </p:grpSpPr>
       <p:sp>
         <p:nvSpPr>
-          <p:cNvPr id="54" name="PlaceHolder 1"/>
+          <p:cNvPr id="47" name="PlaceHolder 1"/>
           <p:cNvSpPr>
             <a:spLocks noGrp="1"/>
           </p:cNvSpPr>
@@ -655,27 +619,27 @@
         <p:spPr>
           <a:xfrm>
             <a:off x="1915200" y="1788480"/>
-            <a:ext cx="8361000" cy="2097720"/>
-          </a:xfrm>
-          <a:prstGeom prst="rect">
-            <a:avLst/>
-          </a:prstGeom>
-        </p:spPr>
-        <p:txBody>
-          <a:bodyPr lIns="0" rIns="0" tIns="0" bIns="0" anchor="ctr"/>
-          <a:p>
-            <a:endParaRPr b="0" lang="en-US" sz="1800" spc="-1" strike="noStrike">
-              <a:solidFill>
-                <a:srgbClr val="000000"/>
-              </a:solidFill>
-              <a:latin typeface="Franklin Gothic Book"/>
-            </a:endParaRPr>
-          </a:p>
-        </p:txBody>
-      </p:sp>
-      <p:sp>
-        <p:nvSpPr>
-          <p:cNvPr id="55" name="PlaceHolder 2"/>
+            <a:ext cx="8360640" cy="2097360"/>
+          </a:xfrm>
+          <a:prstGeom prst="rect">
+            <a:avLst/>
+          </a:prstGeom>
+        </p:spPr>
+        <p:txBody>
+          <a:bodyPr lIns="0" rIns="0" tIns="0" bIns="0" anchor="ctr">
+            <a:noAutofit/>
+          </a:bodyPr>
+          <a:p>
+            <a:pPr algn="ctr"/>
+            <a:endParaRPr b="0" lang="ru-RU" sz="4400" spc="-1" strike="noStrike">
+              <a:latin typeface="Arial"/>
+            </a:endParaRPr>
+          </a:p>
+        </p:txBody>
+      </p:sp>
+      <p:sp>
+        <p:nvSpPr>
+          <p:cNvPr id="48" name="PlaceHolder 2"/>
           <p:cNvSpPr>
             <a:spLocks noGrp="1"/>
           </p:cNvSpPr>
@@ -693,7 +657,9 @@
           </a:prstGeom>
         </p:spPr>
         <p:txBody>
-          <a:bodyPr lIns="0" rIns="0" tIns="0" bIns="0" anchor="ctr"/>
+          <a:bodyPr lIns="0" rIns="0" tIns="0" bIns="0" anchor="ctr">
+            <a:noAutofit/>
+          </a:bodyPr>
           <a:p>
             <a:pPr algn="ctr"/>
             <a:endParaRPr b="0" lang="ru-RU" sz="3200" spc="-1" strike="noStrike">
@@ -726,7 +692,7 @@
       </p:grpSpPr>
       <p:sp>
         <p:nvSpPr>
-          <p:cNvPr id="56" name="PlaceHolder 1"/>
+          <p:cNvPr id="49" name="PlaceHolder 1"/>
           <p:cNvSpPr>
             <a:spLocks noGrp="1"/>
           </p:cNvSpPr>
@@ -737,27 +703,27 @@
         <p:spPr>
           <a:xfrm>
             <a:off x="1915200" y="1788480"/>
-            <a:ext cx="8361000" cy="2097720"/>
-          </a:xfrm>
-          <a:prstGeom prst="rect">
-            <a:avLst/>
-          </a:prstGeom>
-        </p:spPr>
-        <p:txBody>
-          <a:bodyPr lIns="0" rIns="0" tIns="0" bIns="0" anchor="ctr"/>
-          <a:p>
-            <a:endParaRPr b="0" lang="en-US" sz="1800" spc="-1" strike="noStrike">
-              <a:solidFill>
-                <a:srgbClr val="000000"/>
-              </a:solidFill>
-              <a:latin typeface="Franklin Gothic Book"/>
-            </a:endParaRPr>
-          </a:p>
-        </p:txBody>
-      </p:sp>
-      <p:sp>
-        <p:nvSpPr>
-          <p:cNvPr id="57" name="PlaceHolder 2"/>
+            <a:ext cx="8360640" cy="2097360"/>
+          </a:xfrm>
+          <a:prstGeom prst="rect">
+            <a:avLst/>
+          </a:prstGeom>
+        </p:spPr>
+        <p:txBody>
+          <a:bodyPr lIns="0" rIns="0" tIns="0" bIns="0" anchor="ctr">
+            <a:noAutofit/>
+          </a:bodyPr>
+          <a:p>
+            <a:pPr algn="ctr"/>
+            <a:endParaRPr b="0" lang="ru-RU" sz="4400" spc="-1" strike="noStrike">
+              <a:latin typeface="Arial"/>
+            </a:endParaRPr>
+          </a:p>
+        </p:txBody>
+      </p:sp>
+      <p:sp>
+        <p:nvSpPr>
+          <p:cNvPr id="50" name="PlaceHolder 2"/>
           <p:cNvSpPr>
             <a:spLocks noGrp="1"/>
           </p:cNvSpPr>
@@ -779,11 +745,8 @@
             <a:normAutofit/>
           </a:bodyPr>
           <a:p>
-            <a:endParaRPr b="0" lang="en-US" sz="2000" spc="-1" strike="noStrike">
-              <a:solidFill>
-                <a:srgbClr val="432a30"/>
-              </a:solidFill>
-              <a:latin typeface="Franklin Gothic Book"/>
+            <a:endParaRPr b="0" lang="ru-RU" sz="3200" spc="-1" strike="noStrike">
+              <a:latin typeface="Arial"/>
             </a:endParaRPr>
           </a:p>
         </p:txBody>
@@ -812,7 +775,7 @@
       </p:grpSpPr>
       <p:sp>
         <p:nvSpPr>
-          <p:cNvPr id="58" name="PlaceHolder 1"/>
+          <p:cNvPr id="51" name="PlaceHolder 1"/>
           <p:cNvSpPr>
             <a:spLocks noGrp="1"/>
           </p:cNvSpPr>
@@ -823,27 +786,27 @@
         <p:spPr>
           <a:xfrm>
             <a:off x="1915200" y="1788480"/>
-            <a:ext cx="8361000" cy="2097720"/>
-          </a:xfrm>
-          <a:prstGeom prst="rect">
-            <a:avLst/>
-          </a:prstGeom>
-        </p:spPr>
-        <p:txBody>
-          <a:bodyPr lIns="0" rIns="0" tIns="0" bIns="0" anchor="ctr"/>
-          <a:p>
-            <a:endParaRPr b="0" lang="en-US" sz="1800" spc="-1" strike="noStrike">
-              <a:solidFill>
-                <a:srgbClr val="000000"/>
-              </a:solidFill>
-              <a:latin typeface="Franklin Gothic Book"/>
-            </a:endParaRPr>
-          </a:p>
-        </p:txBody>
-      </p:sp>
-      <p:sp>
-        <p:nvSpPr>
-          <p:cNvPr id="59" name="PlaceHolder 2"/>
+            <a:ext cx="8360640" cy="2097360"/>
+          </a:xfrm>
+          <a:prstGeom prst="rect">
+            <a:avLst/>
+          </a:prstGeom>
+        </p:spPr>
+        <p:txBody>
+          <a:bodyPr lIns="0" rIns="0" tIns="0" bIns="0" anchor="ctr">
+            <a:noAutofit/>
+          </a:bodyPr>
+          <a:p>
+            <a:pPr algn="ctr"/>
+            <a:endParaRPr b="0" lang="ru-RU" sz="4400" spc="-1" strike="noStrike">
+              <a:latin typeface="Arial"/>
+            </a:endParaRPr>
+          </a:p>
+        </p:txBody>
+      </p:sp>
+      <p:sp>
+        <p:nvSpPr>
+          <p:cNvPr id="52" name="PlaceHolder 2"/>
           <p:cNvSpPr>
             <a:spLocks noGrp="1"/>
           </p:cNvSpPr>
@@ -865,18 +828,15 @@
             <a:normAutofit/>
           </a:bodyPr>
           <a:p>
-            <a:endParaRPr b="0" lang="en-US" sz="2000" spc="-1" strike="noStrike">
-              <a:solidFill>
-                <a:srgbClr val="432a30"/>
-              </a:solidFill>
-              <a:latin typeface="Franklin Gothic Book"/>
-            </a:endParaRPr>
-          </a:p>
-        </p:txBody>
-      </p:sp>
-      <p:sp>
-        <p:nvSpPr>
-          <p:cNvPr id="60" name="PlaceHolder 3"/>
+            <a:endParaRPr b="0" lang="ru-RU" sz="3200" spc="-1" strike="noStrike">
+              <a:latin typeface="Arial"/>
+            </a:endParaRPr>
+          </a:p>
+        </p:txBody>
+      </p:sp>
+      <p:sp>
+        <p:nvSpPr>
+          <p:cNvPr id="53" name="PlaceHolder 3"/>
           <p:cNvSpPr>
             <a:spLocks noGrp="1"/>
           </p:cNvSpPr>
@@ -898,11 +858,8 @@
             <a:normAutofit/>
           </a:bodyPr>
           <a:p>
-            <a:endParaRPr b="0" lang="en-US" sz="2000" spc="-1" strike="noStrike">
-              <a:solidFill>
-                <a:srgbClr val="432a30"/>
-              </a:solidFill>
-              <a:latin typeface="Franklin Gothic Book"/>
+            <a:endParaRPr b="0" lang="ru-RU" sz="3200" spc="-1" strike="noStrike">
+              <a:latin typeface="Arial"/>
             </a:endParaRPr>
           </a:p>
         </p:txBody>
@@ -931,7 +888,7 @@
       </p:grpSpPr>
       <p:sp>
         <p:nvSpPr>
-          <p:cNvPr id="61" name="PlaceHolder 1"/>
+          <p:cNvPr id="54" name="PlaceHolder 1"/>
           <p:cNvSpPr>
             <a:spLocks noGrp="1"/>
           </p:cNvSpPr>
@@ -942,20 +899,20 @@
         <p:spPr>
           <a:xfrm>
             <a:off x="1915200" y="1788480"/>
-            <a:ext cx="8361000" cy="2097720"/>
-          </a:xfrm>
-          <a:prstGeom prst="rect">
-            <a:avLst/>
-          </a:prstGeom>
-        </p:spPr>
-        <p:txBody>
-          <a:bodyPr lIns="0" rIns="0" tIns="0" bIns="0" anchor="ctr"/>
-          <a:p>
-            <a:endParaRPr b="0" lang="en-US" sz="1800" spc="-1" strike="noStrike">
-              <a:solidFill>
-                <a:srgbClr val="000000"/>
-              </a:solidFill>
-              <a:latin typeface="Franklin Gothic Book"/>
+            <a:ext cx="8360640" cy="2097360"/>
+          </a:xfrm>
+          <a:prstGeom prst="rect">
+            <a:avLst/>
+          </a:prstGeom>
+        </p:spPr>
+        <p:txBody>
+          <a:bodyPr lIns="0" rIns="0" tIns="0" bIns="0" anchor="ctr">
+            <a:noAutofit/>
+          </a:bodyPr>
+          <a:p>
+            <a:pPr algn="ctr"/>
+            <a:endParaRPr b="0" lang="ru-RU" sz="4400" spc="-1" strike="noStrike">
+              <a:latin typeface="Arial"/>
             </a:endParaRPr>
           </a:p>
         </p:txBody>
@@ -984,7 +941,7 @@
       </p:grpSpPr>
       <p:sp>
         <p:nvSpPr>
-          <p:cNvPr id="62" name="PlaceHolder 1"/>
+          <p:cNvPr id="55" name="PlaceHolder 1"/>
           <p:cNvSpPr>
             <a:spLocks noGrp="1"/>
           </p:cNvSpPr>
@@ -995,14 +952,16 @@
         <p:spPr>
           <a:xfrm>
             <a:off x="1915200" y="1788480"/>
-            <a:ext cx="8361000" cy="9725040"/>
-          </a:xfrm>
-          <a:prstGeom prst="rect">
-            <a:avLst/>
-          </a:prstGeom>
-        </p:spPr>
-        <p:txBody>
-          <a:bodyPr lIns="0" rIns="0" tIns="0" bIns="0" anchor="ctr"/>
+            <a:ext cx="8360640" cy="9723240"/>
+          </a:xfrm>
+          <a:prstGeom prst="rect">
+            <a:avLst/>
+          </a:prstGeom>
+        </p:spPr>
+        <p:txBody>
+          <a:bodyPr lIns="0" rIns="0" tIns="0" bIns="0" anchor="ctr">
+            <a:noAutofit/>
+          </a:bodyPr>
           <a:p>
             <a:pPr algn="ctr"/>
             <a:endParaRPr b="0" lang="ru-RU" sz="3200" spc="-1" strike="noStrike">
@@ -1035,7 +994,7 @@
       </p:grpSpPr>
       <p:sp>
         <p:nvSpPr>
-          <p:cNvPr id="63" name="PlaceHolder 1"/>
+          <p:cNvPr id="56" name="PlaceHolder 1"/>
           <p:cNvSpPr>
             <a:spLocks noGrp="1"/>
           </p:cNvSpPr>
@@ -1046,27 +1005,27 @@
         <p:spPr>
           <a:xfrm>
             <a:off x="1915200" y="1788480"/>
-            <a:ext cx="8361000" cy="2097720"/>
-          </a:xfrm>
-          <a:prstGeom prst="rect">
-            <a:avLst/>
-          </a:prstGeom>
-        </p:spPr>
-        <p:txBody>
-          <a:bodyPr lIns="0" rIns="0" tIns="0" bIns="0" anchor="ctr"/>
-          <a:p>
-            <a:endParaRPr b="0" lang="en-US" sz="1800" spc="-1" strike="noStrike">
-              <a:solidFill>
-                <a:srgbClr val="000000"/>
-              </a:solidFill>
-              <a:latin typeface="Franklin Gothic Book"/>
-            </a:endParaRPr>
-          </a:p>
-        </p:txBody>
-      </p:sp>
-      <p:sp>
-        <p:nvSpPr>
-          <p:cNvPr id="64" name="PlaceHolder 2"/>
+            <a:ext cx="8360640" cy="2097360"/>
+          </a:xfrm>
+          <a:prstGeom prst="rect">
+            <a:avLst/>
+          </a:prstGeom>
+        </p:spPr>
+        <p:txBody>
+          <a:bodyPr lIns="0" rIns="0" tIns="0" bIns="0" anchor="ctr">
+            <a:noAutofit/>
+          </a:bodyPr>
+          <a:p>
+            <a:pPr algn="ctr"/>
+            <a:endParaRPr b="0" lang="ru-RU" sz="4400" spc="-1" strike="noStrike">
+              <a:latin typeface="Arial"/>
+            </a:endParaRPr>
+          </a:p>
+        </p:txBody>
+      </p:sp>
+      <p:sp>
+        <p:nvSpPr>
+          <p:cNvPr id="57" name="PlaceHolder 2"/>
           <p:cNvSpPr>
             <a:spLocks noGrp="1"/>
           </p:cNvSpPr>
@@ -1088,18 +1047,15 @@
             <a:normAutofit/>
           </a:bodyPr>
           <a:p>
-            <a:endParaRPr b="0" lang="en-US" sz="2000" spc="-1" strike="noStrike">
-              <a:solidFill>
-                <a:srgbClr val="432a30"/>
-              </a:solidFill>
-              <a:latin typeface="Franklin Gothic Book"/>
-            </a:endParaRPr>
-          </a:p>
-        </p:txBody>
-      </p:sp>
-      <p:sp>
-        <p:nvSpPr>
-          <p:cNvPr id="65" name="PlaceHolder 3"/>
+            <a:endParaRPr b="0" lang="ru-RU" sz="3200" spc="-1" strike="noStrike">
+              <a:latin typeface="Arial"/>
+            </a:endParaRPr>
+          </a:p>
+        </p:txBody>
+      </p:sp>
+      <p:sp>
+        <p:nvSpPr>
+          <p:cNvPr id="58" name="PlaceHolder 3"/>
           <p:cNvSpPr>
             <a:spLocks noGrp="1"/>
           </p:cNvSpPr>
@@ -1121,18 +1077,15 @@
             <a:normAutofit/>
           </a:bodyPr>
           <a:p>
-            <a:endParaRPr b="0" lang="en-US" sz="2000" spc="-1" strike="noStrike">
-              <a:solidFill>
-                <a:srgbClr val="432a30"/>
-              </a:solidFill>
-              <a:latin typeface="Franklin Gothic Book"/>
-            </a:endParaRPr>
-          </a:p>
-        </p:txBody>
-      </p:sp>
-      <p:sp>
-        <p:nvSpPr>
-          <p:cNvPr id="66" name="PlaceHolder 4"/>
+            <a:endParaRPr b="0" lang="ru-RU" sz="3200" spc="-1" strike="noStrike">
+              <a:latin typeface="Arial"/>
+            </a:endParaRPr>
+          </a:p>
+        </p:txBody>
+      </p:sp>
+      <p:sp>
+        <p:nvSpPr>
+          <p:cNvPr id="59" name="PlaceHolder 4"/>
           <p:cNvSpPr>
             <a:spLocks noGrp="1"/>
           </p:cNvSpPr>
@@ -1154,11 +1107,8 @@
             <a:normAutofit/>
           </a:bodyPr>
           <a:p>
-            <a:endParaRPr b="0" lang="en-US" sz="2000" spc="-1" strike="noStrike">
-              <a:solidFill>
-                <a:srgbClr val="432a30"/>
-              </a:solidFill>
-              <a:latin typeface="Franklin Gothic Book"/>
+            <a:endParaRPr b="0" lang="ru-RU" sz="3200" spc="-1" strike="noStrike">
+              <a:latin typeface="Arial"/>
             </a:endParaRPr>
           </a:p>
         </p:txBody>
@@ -1187,7 +1137,7 @@
       </p:grpSpPr>
       <p:sp>
         <p:nvSpPr>
-          <p:cNvPr id="9" name="PlaceHolder 1"/>
+          <p:cNvPr id="6" name="PlaceHolder 1"/>
           <p:cNvSpPr>
             <a:spLocks noGrp="1"/>
           </p:cNvSpPr>
@@ -1198,27 +1148,27 @@
         <p:spPr>
           <a:xfrm>
             <a:off x="1915200" y="1788480"/>
-            <a:ext cx="8361000" cy="2097720"/>
-          </a:xfrm>
-          <a:prstGeom prst="rect">
-            <a:avLst/>
-          </a:prstGeom>
-        </p:spPr>
-        <p:txBody>
-          <a:bodyPr lIns="0" rIns="0" tIns="0" bIns="0" anchor="ctr"/>
-          <a:p>
-            <a:endParaRPr b="0" lang="en-US" sz="1800" spc="-1" strike="noStrike">
-              <a:solidFill>
-                <a:srgbClr val="000000"/>
-              </a:solidFill>
-              <a:latin typeface="Franklin Gothic Book"/>
-            </a:endParaRPr>
-          </a:p>
-        </p:txBody>
-      </p:sp>
-      <p:sp>
-        <p:nvSpPr>
-          <p:cNvPr id="10" name="PlaceHolder 2"/>
+            <a:ext cx="8360640" cy="2097360"/>
+          </a:xfrm>
+          <a:prstGeom prst="rect">
+            <a:avLst/>
+          </a:prstGeom>
+        </p:spPr>
+        <p:txBody>
+          <a:bodyPr lIns="0" rIns="0" tIns="0" bIns="0" anchor="ctr">
+            <a:noAutofit/>
+          </a:bodyPr>
+          <a:p>
+            <a:pPr algn="ctr"/>
+            <a:endParaRPr b="0" lang="ru-RU" sz="4400" spc="-1" strike="noStrike">
+              <a:latin typeface="Arial"/>
+            </a:endParaRPr>
+          </a:p>
+        </p:txBody>
+      </p:sp>
+      <p:sp>
+        <p:nvSpPr>
+          <p:cNvPr id="7" name="PlaceHolder 2"/>
           <p:cNvSpPr>
             <a:spLocks noGrp="1"/>
           </p:cNvSpPr>
@@ -1236,7 +1186,9 @@
           </a:prstGeom>
         </p:spPr>
         <p:txBody>
-          <a:bodyPr lIns="0" rIns="0" tIns="0" bIns="0" anchor="ctr"/>
+          <a:bodyPr lIns="0" rIns="0" tIns="0" bIns="0" anchor="ctr">
+            <a:noAutofit/>
+          </a:bodyPr>
           <a:p>
             <a:pPr algn="ctr"/>
             <a:endParaRPr b="0" lang="ru-RU" sz="3200" spc="-1" strike="noStrike">
@@ -1269,7 +1221,7 @@
       </p:grpSpPr>
       <p:sp>
         <p:nvSpPr>
-          <p:cNvPr id="67" name="PlaceHolder 1"/>
+          <p:cNvPr id="60" name="PlaceHolder 1"/>
           <p:cNvSpPr>
             <a:spLocks noGrp="1"/>
           </p:cNvSpPr>
@@ -1280,27 +1232,27 @@
         <p:spPr>
           <a:xfrm>
             <a:off x="1915200" y="1788480"/>
-            <a:ext cx="8361000" cy="2097720"/>
-          </a:xfrm>
-          <a:prstGeom prst="rect">
-            <a:avLst/>
-          </a:prstGeom>
-        </p:spPr>
-        <p:txBody>
-          <a:bodyPr lIns="0" rIns="0" tIns="0" bIns="0" anchor="ctr"/>
-          <a:p>
-            <a:endParaRPr b="0" lang="en-US" sz="1800" spc="-1" strike="noStrike">
-              <a:solidFill>
-                <a:srgbClr val="000000"/>
-              </a:solidFill>
-              <a:latin typeface="Franklin Gothic Book"/>
-            </a:endParaRPr>
-          </a:p>
-        </p:txBody>
-      </p:sp>
-      <p:sp>
-        <p:nvSpPr>
-          <p:cNvPr id="68" name="PlaceHolder 2"/>
+            <a:ext cx="8360640" cy="2097360"/>
+          </a:xfrm>
+          <a:prstGeom prst="rect">
+            <a:avLst/>
+          </a:prstGeom>
+        </p:spPr>
+        <p:txBody>
+          <a:bodyPr lIns="0" rIns="0" tIns="0" bIns="0" anchor="ctr">
+            <a:noAutofit/>
+          </a:bodyPr>
+          <a:p>
+            <a:pPr algn="ctr"/>
+            <a:endParaRPr b="0" lang="ru-RU" sz="4400" spc="-1" strike="noStrike">
+              <a:latin typeface="Arial"/>
+            </a:endParaRPr>
+          </a:p>
+        </p:txBody>
+      </p:sp>
+      <p:sp>
+        <p:nvSpPr>
+          <p:cNvPr id="61" name="PlaceHolder 2"/>
           <p:cNvSpPr>
             <a:spLocks noGrp="1"/>
           </p:cNvSpPr>
@@ -1322,18 +1274,15 @@
             <a:normAutofit/>
           </a:bodyPr>
           <a:p>
-            <a:endParaRPr b="0" lang="en-US" sz="2000" spc="-1" strike="noStrike">
-              <a:solidFill>
-                <a:srgbClr val="432a30"/>
-              </a:solidFill>
-              <a:latin typeface="Franklin Gothic Book"/>
-            </a:endParaRPr>
-          </a:p>
-        </p:txBody>
-      </p:sp>
-      <p:sp>
-        <p:nvSpPr>
-          <p:cNvPr id="69" name="PlaceHolder 3"/>
+            <a:endParaRPr b="0" lang="ru-RU" sz="3200" spc="-1" strike="noStrike">
+              <a:latin typeface="Arial"/>
+            </a:endParaRPr>
+          </a:p>
+        </p:txBody>
+      </p:sp>
+      <p:sp>
+        <p:nvSpPr>
+          <p:cNvPr id="62" name="PlaceHolder 3"/>
           <p:cNvSpPr>
             <a:spLocks noGrp="1"/>
           </p:cNvSpPr>
@@ -1355,18 +1304,15 @@
             <a:normAutofit/>
           </a:bodyPr>
           <a:p>
-            <a:endParaRPr b="0" lang="en-US" sz="2000" spc="-1" strike="noStrike">
-              <a:solidFill>
-                <a:srgbClr val="432a30"/>
-              </a:solidFill>
-              <a:latin typeface="Franklin Gothic Book"/>
-            </a:endParaRPr>
-          </a:p>
-        </p:txBody>
-      </p:sp>
-      <p:sp>
-        <p:nvSpPr>
-          <p:cNvPr id="70" name="PlaceHolder 4"/>
+            <a:endParaRPr b="0" lang="ru-RU" sz="3200" spc="-1" strike="noStrike">
+              <a:latin typeface="Arial"/>
+            </a:endParaRPr>
+          </a:p>
+        </p:txBody>
+      </p:sp>
+      <p:sp>
+        <p:nvSpPr>
+          <p:cNvPr id="63" name="PlaceHolder 4"/>
           <p:cNvSpPr>
             <a:spLocks noGrp="1"/>
           </p:cNvSpPr>
@@ -1388,11 +1334,8 @@
             <a:normAutofit/>
           </a:bodyPr>
           <a:p>
-            <a:endParaRPr b="0" lang="en-US" sz="2000" spc="-1" strike="noStrike">
-              <a:solidFill>
-                <a:srgbClr val="432a30"/>
-              </a:solidFill>
-              <a:latin typeface="Franklin Gothic Book"/>
+            <a:endParaRPr b="0" lang="ru-RU" sz="3200" spc="-1" strike="noStrike">
+              <a:latin typeface="Arial"/>
             </a:endParaRPr>
           </a:p>
         </p:txBody>
@@ -1421,7 +1364,7 @@
       </p:grpSpPr>
       <p:sp>
         <p:nvSpPr>
-          <p:cNvPr id="71" name="PlaceHolder 1"/>
+          <p:cNvPr id="64" name="PlaceHolder 1"/>
           <p:cNvSpPr>
             <a:spLocks noGrp="1"/>
           </p:cNvSpPr>
@@ -1432,27 +1375,27 @@
         <p:spPr>
           <a:xfrm>
             <a:off x="1915200" y="1788480"/>
-            <a:ext cx="8361000" cy="2097720"/>
-          </a:xfrm>
-          <a:prstGeom prst="rect">
-            <a:avLst/>
-          </a:prstGeom>
-        </p:spPr>
-        <p:txBody>
-          <a:bodyPr lIns="0" rIns="0" tIns="0" bIns="0" anchor="ctr"/>
-          <a:p>
-            <a:endParaRPr b="0" lang="en-US" sz="1800" spc="-1" strike="noStrike">
-              <a:solidFill>
-                <a:srgbClr val="000000"/>
-              </a:solidFill>
-              <a:latin typeface="Franklin Gothic Book"/>
-            </a:endParaRPr>
-          </a:p>
-        </p:txBody>
-      </p:sp>
-      <p:sp>
-        <p:nvSpPr>
-          <p:cNvPr id="72" name="PlaceHolder 2"/>
+            <a:ext cx="8360640" cy="2097360"/>
+          </a:xfrm>
+          <a:prstGeom prst="rect">
+            <a:avLst/>
+          </a:prstGeom>
+        </p:spPr>
+        <p:txBody>
+          <a:bodyPr lIns="0" rIns="0" tIns="0" bIns="0" anchor="ctr">
+            <a:noAutofit/>
+          </a:bodyPr>
+          <a:p>
+            <a:pPr algn="ctr"/>
+            <a:endParaRPr b="0" lang="ru-RU" sz="4400" spc="-1" strike="noStrike">
+              <a:latin typeface="Arial"/>
+            </a:endParaRPr>
+          </a:p>
+        </p:txBody>
+      </p:sp>
+      <p:sp>
+        <p:nvSpPr>
+          <p:cNvPr id="65" name="PlaceHolder 2"/>
           <p:cNvSpPr>
             <a:spLocks noGrp="1"/>
           </p:cNvSpPr>
@@ -1474,18 +1417,15 @@
             <a:normAutofit/>
           </a:bodyPr>
           <a:p>
-            <a:endParaRPr b="0" lang="en-US" sz="2000" spc="-1" strike="noStrike">
-              <a:solidFill>
-                <a:srgbClr val="432a30"/>
-              </a:solidFill>
-              <a:latin typeface="Franklin Gothic Book"/>
-            </a:endParaRPr>
-          </a:p>
-        </p:txBody>
-      </p:sp>
-      <p:sp>
-        <p:nvSpPr>
-          <p:cNvPr id="73" name="PlaceHolder 3"/>
+            <a:endParaRPr b="0" lang="ru-RU" sz="3200" spc="-1" strike="noStrike">
+              <a:latin typeface="Arial"/>
+            </a:endParaRPr>
+          </a:p>
+        </p:txBody>
+      </p:sp>
+      <p:sp>
+        <p:nvSpPr>
+          <p:cNvPr id="66" name="PlaceHolder 3"/>
           <p:cNvSpPr>
             <a:spLocks noGrp="1"/>
           </p:cNvSpPr>
@@ -1507,18 +1447,15 @@
             <a:normAutofit/>
           </a:bodyPr>
           <a:p>
-            <a:endParaRPr b="0" lang="en-US" sz="2000" spc="-1" strike="noStrike">
-              <a:solidFill>
-                <a:srgbClr val="432a30"/>
-              </a:solidFill>
-              <a:latin typeface="Franklin Gothic Book"/>
-            </a:endParaRPr>
-          </a:p>
-        </p:txBody>
-      </p:sp>
-      <p:sp>
-        <p:nvSpPr>
-          <p:cNvPr id="74" name="PlaceHolder 4"/>
+            <a:endParaRPr b="0" lang="ru-RU" sz="3200" spc="-1" strike="noStrike">
+              <a:latin typeface="Arial"/>
+            </a:endParaRPr>
+          </a:p>
+        </p:txBody>
+      </p:sp>
+      <p:sp>
+        <p:nvSpPr>
+          <p:cNvPr id="67" name="PlaceHolder 4"/>
           <p:cNvSpPr>
             <a:spLocks noGrp="1"/>
           </p:cNvSpPr>
@@ -1540,11 +1477,8 @@
             <a:normAutofit/>
           </a:bodyPr>
           <a:p>
-            <a:endParaRPr b="0" lang="en-US" sz="2000" spc="-1" strike="noStrike">
-              <a:solidFill>
-                <a:srgbClr val="432a30"/>
-              </a:solidFill>
-              <a:latin typeface="Franklin Gothic Book"/>
+            <a:endParaRPr b="0" lang="ru-RU" sz="3200" spc="-1" strike="noStrike">
+              <a:latin typeface="Arial"/>
             </a:endParaRPr>
           </a:p>
         </p:txBody>
@@ -1573,7 +1507,7 @@
       </p:grpSpPr>
       <p:sp>
         <p:nvSpPr>
-          <p:cNvPr id="75" name="PlaceHolder 1"/>
+          <p:cNvPr id="68" name="PlaceHolder 1"/>
           <p:cNvSpPr>
             <a:spLocks noGrp="1"/>
           </p:cNvSpPr>
@@ -1584,27 +1518,27 @@
         <p:spPr>
           <a:xfrm>
             <a:off x="1915200" y="1788480"/>
-            <a:ext cx="8361000" cy="2097720"/>
-          </a:xfrm>
-          <a:prstGeom prst="rect">
-            <a:avLst/>
-          </a:prstGeom>
-        </p:spPr>
-        <p:txBody>
-          <a:bodyPr lIns="0" rIns="0" tIns="0" bIns="0" anchor="ctr"/>
-          <a:p>
-            <a:endParaRPr b="0" lang="en-US" sz="1800" spc="-1" strike="noStrike">
-              <a:solidFill>
-                <a:srgbClr val="000000"/>
-              </a:solidFill>
-              <a:latin typeface="Franklin Gothic Book"/>
-            </a:endParaRPr>
-          </a:p>
-        </p:txBody>
-      </p:sp>
-      <p:sp>
-        <p:nvSpPr>
-          <p:cNvPr id="76" name="PlaceHolder 2"/>
+            <a:ext cx="8360640" cy="2097360"/>
+          </a:xfrm>
+          <a:prstGeom prst="rect">
+            <a:avLst/>
+          </a:prstGeom>
+        </p:spPr>
+        <p:txBody>
+          <a:bodyPr lIns="0" rIns="0" tIns="0" bIns="0" anchor="ctr">
+            <a:noAutofit/>
+          </a:bodyPr>
+          <a:p>
+            <a:pPr algn="ctr"/>
+            <a:endParaRPr b="0" lang="ru-RU" sz="4400" spc="-1" strike="noStrike">
+              <a:latin typeface="Arial"/>
+            </a:endParaRPr>
+          </a:p>
+        </p:txBody>
+      </p:sp>
+      <p:sp>
+        <p:nvSpPr>
+          <p:cNvPr id="69" name="PlaceHolder 2"/>
           <p:cNvSpPr>
             <a:spLocks noGrp="1"/>
           </p:cNvSpPr>
@@ -1626,18 +1560,15 @@
             <a:normAutofit/>
           </a:bodyPr>
           <a:p>
-            <a:endParaRPr b="0" lang="en-US" sz="2000" spc="-1" strike="noStrike">
-              <a:solidFill>
-                <a:srgbClr val="432a30"/>
-              </a:solidFill>
-              <a:latin typeface="Franklin Gothic Book"/>
-            </a:endParaRPr>
-          </a:p>
-        </p:txBody>
-      </p:sp>
-      <p:sp>
-        <p:nvSpPr>
-          <p:cNvPr id="77" name="PlaceHolder 3"/>
+            <a:endParaRPr b="0" lang="ru-RU" sz="3200" spc="-1" strike="noStrike">
+              <a:latin typeface="Arial"/>
+            </a:endParaRPr>
+          </a:p>
+        </p:txBody>
+      </p:sp>
+      <p:sp>
+        <p:nvSpPr>
+          <p:cNvPr id="70" name="PlaceHolder 3"/>
           <p:cNvSpPr>
             <a:spLocks noGrp="1"/>
           </p:cNvSpPr>
@@ -1659,11 +1590,8 @@
             <a:normAutofit/>
           </a:bodyPr>
           <a:p>
-            <a:endParaRPr b="0" lang="en-US" sz="2000" spc="-1" strike="noStrike">
-              <a:solidFill>
-                <a:srgbClr val="432a30"/>
-              </a:solidFill>
-              <a:latin typeface="Franklin Gothic Book"/>
+            <a:endParaRPr b="0" lang="ru-RU" sz="3200" spc="-1" strike="noStrike">
+              <a:latin typeface="Arial"/>
             </a:endParaRPr>
           </a:p>
         </p:txBody>
@@ -1692,7 +1620,7 @@
       </p:grpSpPr>
       <p:sp>
         <p:nvSpPr>
-          <p:cNvPr id="78" name="PlaceHolder 1"/>
+          <p:cNvPr id="71" name="PlaceHolder 1"/>
           <p:cNvSpPr>
             <a:spLocks noGrp="1"/>
           </p:cNvSpPr>
@@ -1703,27 +1631,27 @@
         <p:spPr>
           <a:xfrm>
             <a:off x="1915200" y="1788480"/>
-            <a:ext cx="8361000" cy="2097720"/>
-          </a:xfrm>
-          <a:prstGeom prst="rect">
-            <a:avLst/>
-          </a:prstGeom>
-        </p:spPr>
-        <p:txBody>
-          <a:bodyPr lIns="0" rIns="0" tIns="0" bIns="0" anchor="ctr"/>
-          <a:p>
-            <a:endParaRPr b="0" lang="en-US" sz="1800" spc="-1" strike="noStrike">
-              <a:solidFill>
-                <a:srgbClr val="000000"/>
-              </a:solidFill>
-              <a:latin typeface="Franklin Gothic Book"/>
-            </a:endParaRPr>
-          </a:p>
-        </p:txBody>
-      </p:sp>
-      <p:sp>
-        <p:nvSpPr>
-          <p:cNvPr id="79" name="PlaceHolder 2"/>
+            <a:ext cx="8360640" cy="2097360"/>
+          </a:xfrm>
+          <a:prstGeom prst="rect">
+            <a:avLst/>
+          </a:prstGeom>
+        </p:spPr>
+        <p:txBody>
+          <a:bodyPr lIns="0" rIns="0" tIns="0" bIns="0" anchor="ctr">
+            <a:noAutofit/>
+          </a:bodyPr>
+          <a:p>
+            <a:pPr algn="ctr"/>
+            <a:endParaRPr b="0" lang="ru-RU" sz="4400" spc="-1" strike="noStrike">
+              <a:latin typeface="Arial"/>
+            </a:endParaRPr>
+          </a:p>
+        </p:txBody>
+      </p:sp>
+      <p:sp>
+        <p:nvSpPr>
+          <p:cNvPr id="72" name="PlaceHolder 2"/>
           <p:cNvSpPr>
             <a:spLocks noGrp="1"/>
           </p:cNvSpPr>
@@ -1745,18 +1673,15 @@
             <a:normAutofit/>
           </a:bodyPr>
           <a:p>
-            <a:endParaRPr b="0" lang="en-US" sz="2000" spc="-1" strike="noStrike">
-              <a:solidFill>
-                <a:srgbClr val="432a30"/>
-              </a:solidFill>
-              <a:latin typeface="Franklin Gothic Book"/>
-            </a:endParaRPr>
-          </a:p>
-        </p:txBody>
-      </p:sp>
-      <p:sp>
-        <p:nvSpPr>
-          <p:cNvPr id="80" name="PlaceHolder 3"/>
+            <a:endParaRPr b="0" lang="ru-RU" sz="3200" spc="-1" strike="noStrike">
+              <a:latin typeface="Arial"/>
+            </a:endParaRPr>
+          </a:p>
+        </p:txBody>
+      </p:sp>
+      <p:sp>
+        <p:nvSpPr>
+          <p:cNvPr id="73" name="PlaceHolder 3"/>
           <p:cNvSpPr>
             <a:spLocks noGrp="1"/>
           </p:cNvSpPr>
@@ -1778,18 +1703,15 @@
             <a:normAutofit/>
           </a:bodyPr>
           <a:p>
-            <a:endParaRPr b="0" lang="en-US" sz="2000" spc="-1" strike="noStrike">
-              <a:solidFill>
-                <a:srgbClr val="432a30"/>
-              </a:solidFill>
-              <a:latin typeface="Franklin Gothic Book"/>
-            </a:endParaRPr>
-          </a:p>
-        </p:txBody>
-      </p:sp>
-      <p:sp>
-        <p:nvSpPr>
-          <p:cNvPr id="81" name="PlaceHolder 4"/>
+            <a:endParaRPr b="0" lang="ru-RU" sz="3200" spc="-1" strike="noStrike">
+              <a:latin typeface="Arial"/>
+            </a:endParaRPr>
+          </a:p>
+        </p:txBody>
+      </p:sp>
+      <p:sp>
+        <p:nvSpPr>
+          <p:cNvPr id="74" name="PlaceHolder 4"/>
           <p:cNvSpPr>
             <a:spLocks noGrp="1"/>
           </p:cNvSpPr>
@@ -1811,18 +1733,15 @@
             <a:normAutofit/>
           </a:bodyPr>
           <a:p>
-            <a:endParaRPr b="0" lang="en-US" sz="2000" spc="-1" strike="noStrike">
-              <a:solidFill>
-                <a:srgbClr val="432a30"/>
-              </a:solidFill>
-              <a:latin typeface="Franklin Gothic Book"/>
-            </a:endParaRPr>
-          </a:p>
-        </p:txBody>
-      </p:sp>
-      <p:sp>
-        <p:nvSpPr>
-          <p:cNvPr id="82" name="PlaceHolder 5"/>
+            <a:endParaRPr b="0" lang="ru-RU" sz="3200" spc="-1" strike="noStrike">
+              <a:latin typeface="Arial"/>
+            </a:endParaRPr>
+          </a:p>
+        </p:txBody>
+      </p:sp>
+      <p:sp>
+        <p:nvSpPr>
+          <p:cNvPr id="75" name="PlaceHolder 5"/>
           <p:cNvSpPr>
             <a:spLocks noGrp="1"/>
           </p:cNvSpPr>
@@ -1844,11 +1763,8 @@
             <a:normAutofit/>
           </a:bodyPr>
           <a:p>
-            <a:endParaRPr b="0" lang="en-US" sz="2000" spc="-1" strike="noStrike">
-              <a:solidFill>
-                <a:srgbClr val="432a30"/>
-              </a:solidFill>
-              <a:latin typeface="Franklin Gothic Book"/>
+            <a:endParaRPr b="0" lang="ru-RU" sz="3200" spc="-1" strike="noStrike">
+              <a:latin typeface="Arial"/>
             </a:endParaRPr>
           </a:p>
         </p:txBody>
@@ -1877,7 +1793,7 @@
       </p:grpSpPr>
       <p:sp>
         <p:nvSpPr>
-          <p:cNvPr id="83" name="PlaceHolder 1"/>
+          <p:cNvPr id="76" name="PlaceHolder 1"/>
           <p:cNvSpPr>
             <a:spLocks noGrp="1"/>
           </p:cNvSpPr>
@@ -1888,27 +1804,27 @@
         <p:spPr>
           <a:xfrm>
             <a:off x="1915200" y="1788480"/>
-            <a:ext cx="8361000" cy="2097720"/>
-          </a:xfrm>
-          <a:prstGeom prst="rect">
-            <a:avLst/>
-          </a:prstGeom>
-        </p:spPr>
-        <p:txBody>
-          <a:bodyPr lIns="0" rIns="0" tIns="0" bIns="0" anchor="ctr"/>
-          <a:p>
-            <a:endParaRPr b="0" lang="en-US" sz="1800" spc="-1" strike="noStrike">
-              <a:solidFill>
-                <a:srgbClr val="000000"/>
-              </a:solidFill>
-              <a:latin typeface="Franklin Gothic Book"/>
-            </a:endParaRPr>
-          </a:p>
-        </p:txBody>
-      </p:sp>
-      <p:sp>
-        <p:nvSpPr>
-          <p:cNvPr id="84" name="PlaceHolder 2"/>
+            <a:ext cx="8360640" cy="2097360"/>
+          </a:xfrm>
+          <a:prstGeom prst="rect">
+            <a:avLst/>
+          </a:prstGeom>
+        </p:spPr>
+        <p:txBody>
+          <a:bodyPr lIns="0" rIns="0" tIns="0" bIns="0" anchor="ctr">
+            <a:noAutofit/>
+          </a:bodyPr>
+          <a:p>
+            <a:pPr algn="ctr"/>
+            <a:endParaRPr b="0" lang="ru-RU" sz="4400" spc="-1" strike="noStrike">
+              <a:latin typeface="Arial"/>
+            </a:endParaRPr>
+          </a:p>
+        </p:txBody>
+      </p:sp>
+      <p:sp>
+        <p:nvSpPr>
+          <p:cNvPr id="77" name="PlaceHolder 2"/>
           <p:cNvSpPr>
             <a:spLocks noGrp="1"/>
           </p:cNvSpPr>
@@ -1930,18 +1846,15 @@
             <a:normAutofit/>
           </a:bodyPr>
           <a:p>
-            <a:endParaRPr b="0" lang="en-US" sz="2000" spc="-1" strike="noStrike">
-              <a:solidFill>
-                <a:srgbClr val="432a30"/>
-              </a:solidFill>
-              <a:latin typeface="Franklin Gothic Book"/>
-            </a:endParaRPr>
-          </a:p>
-        </p:txBody>
-      </p:sp>
-      <p:sp>
-        <p:nvSpPr>
-          <p:cNvPr id="85" name="PlaceHolder 3"/>
+            <a:endParaRPr b="0" lang="ru-RU" sz="3200" spc="-1" strike="noStrike">
+              <a:latin typeface="Arial"/>
+            </a:endParaRPr>
+          </a:p>
+        </p:txBody>
+      </p:sp>
+      <p:sp>
+        <p:nvSpPr>
+          <p:cNvPr id="78" name="PlaceHolder 3"/>
           <p:cNvSpPr>
             <a:spLocks noGrp="1"/>
           </p:cNvSpPr>
@@ -1963,18 +1876,15 @@
             <a:normAutofit/>
           </a:bodyPr>
           <a:p>
-            <a:endParaRPr b="0" lang="en-US" sz="2000" spc="-1" strike="noStrike">
-              <a:solidFill>
-                <a:srgbClr val="432a30"/>
-              </a:solidFill>
-              <a:latin typeface="Franklin Gothic Book"/>
-            </a:endParaRPr>
-          </a:p>
-        </p:txBody>
-      </p:sp>
-      <p:sp>
-        <p:nvSpPr>
-          <p:cNvPr id="86" name="PlaceHolder 4"/>
+            <a:endParaRPr b="0" lang="ru-RU" sz="3200" spc="-1" strike="noStrike">
+              <a:latin typeface="Arial"/>
+            </a:endParaRPr>
+          </a:p>
+        </p:txBody>
+      </p:sp>
+      <p:sp>
+        <p:nvSpPr>
+          <p:cNvPr id="79" name="PlaceHolder 4"/>
           <p:cNvSpPr>
             <a:spLocks noGrp="1"/>
           </p:cNvSpPr>
@@ -1996,18 +1906,15 @@
             <a:normAutofit/>
           </a:bodyPr>
           <a:p>
-            <a:endParaRPr b="0" lang="en-US" sz="2000" spc="-1" strike="noStrike">
-              <a:solidFill>
-                <a:srgbClr val="432a30"/>
-              </a:solidFill>
-              <a:latin typeface="Franklin Gothic Book"/>
-            </a:endParaRPr>
-          </a:p>
-        </p:txBody>
-      </p:sp>
-      <p:sp>
-        <p:nvSpPr>
-          <p:cNvPr id="87" name="PlaceHolder 5"/>
+            <a:endParaRPr b="0" lang="ru-RU" sz="3200" spc="-1" strike="noStrike">
+              <a:latin typeface="Arial"/>
+            </a:endParaRPr>
+          </a:p>
+        </p:txBody>
+      </p:sp>
+      <p:sp>
+        <p:nvSpPr>
+          <p:cNvPr id="80" name="PlaceHolder 5"/>
           <p:cNvSpPr>
             <a:spLocks noGrp="1"/>
           </p:cNvSpPr>
@@ -2029,18 +1936,15 @@
             <a:normAutofit/>
           </a:bodyPr>
           <a:p>
-            <a:endParaRPr b="0" lang="en-US" sz="2000" spc="-1" strike="noStrike">
-              <a:solidFill>
-                <a:srgbClr val="432a30"/>
-              </a:solidFill>
-              <a:latin typeface="Franklin Gothic Book"/>
-            </a:endParaRPr>
-          </a:p>
-        </p:txBody>
-      </p:sp>
-      <p:sp>
-        <p:nvSpPr>
-          <p:cNvPr id="88" name="PlaceHolder 6"/>
+            <a:endParaRPr b="0" lang="ru-RU" sz="3200" spc="-1" strike="noStrike">
+              <a:latin typeface="Arial"/>
+            </a:endParaRPr>
+          </a:p>
+        </p:txBody>
+      </p:sp>
+      <p:sp>
+        <p:nvSpPr>
+          <p:cNvPr id="81" name="PlaceHolder 6"/>
           <p:cNvSpPr>
             <a:spLocks noGrp="1"/>
           </p:cNvSpPr>
@@ -2062,18 +1966,15 @@
             <a:normAutofit/>
           </a:bodyPr>
           <a:p>
-            <a:endParaRPr b="0" lang="en-US" sz="2000" spc="-1" strike="noStrike">
-              <a:solidFill>
-                <a:srgbClr val="432a30"/>
-              </a:solidFill>
-              <a:latin typeface="Franklin Gothic Book"/>
-            </a:endParaRPr>
-          </a:p>
-        </p:txBody>
-      </p:sp>
-      <p:sp>
-        <p:nvSpPr>
-          <p:cNvPr id="89" name="PlaceHolder 7"/>
+            <a:endParaRPr b="0" lang="ru-RU" sz="3200" spc="-1" strike="noStrike">
+              <a:latin typeface="Arial"/>
+            </a:endParaRPr>
+          </a:p>
+        </p:txBody>
+      </p:sp>
+      <p:sp>
+        <p:nvSpPr>
+          <p:cNvPr id="82" name="PlaceHolder 7"/>
           <p:cNvSpPr>
             <a:spLocks noGrp="1"/>
           </p:cNvSpPr>
@@ -2095,11 +1996,8 @@
             <a:normAutofit/>
           </a:bodyPr>
           <a:p>
-            <a:endParaRPr b="0" lang="en-US" sz="2000" spc="-1" strike="noStrike">
-              <a:solidFill>
-                <a:srgbClr val="432a30"/>
-              </a:solidFill>
-              <a:latin typeface="Franklin Gothic Book"/>
+            <a:endParaRPr b="0" lang="ru-RU" sz="3200" spc="-1" strike="noStrike">
+              <a:latin typeface="Arial"/>
             </a:endParaRPr>
           </a:p>
         </p:txBody>
@@ -2150,7 +2048,7 @@
       </p:grpSpPr>
       <p:sp>
         <p:nvSpPr>
-          <p:cNvPr id="96" name="PlaceHolder 1"/>
+          <p:cNvPr id="86" name="PlaceHolder 1"/>
           <p:cNvSpPr>
             <a:spLocks noGrp="1"/>
           </p:cNvSpPr>
@@ -2161,27 +2059,27 @@
         <p:spPr>
           <a:xfrm>
             <a:off x="1915200" y="1788480"/>
-            <a:ext cx="8361000" cy="2097720"/>
-          </a:xfrm>
-          <a:prstGeom prst="rect">
-            <a:avLst/>
-          </a:prstGeom>
-        </p:spPr>
-        <p:txBody>
-          <a:bodyPr lIns="0" rIns="0" tIns="0" bIns="0" anchor="ctr"/>
-          <a:p>
-            <a:endParaRPr b="0" lang="en-US" sz="1800" spc="-1" strike="noStrike">
-              <a:solidFill>
-                <a:srgbClr val="000000"/>
-              </a:solidFill>
-              <a:latin typeface="Franklin Gothic Book"/>
-            </a:endParaRPr>
-          </a:p>
-        </p:txBody>
-      </p:sp>
-      <p:sp>
-        <p:nvSpPr>
-          <p:cNvPr id="97" name="PlaceHolder 2"/>
+            <a:ext cx="8360640" cy="2097360"/>
+          </a:xfrm>
+          <a:prstGeom prst="rect">
+            <a:avLst/>
+          </a:prstGeom>
+        </p:spPr>
+        <p:txBody>
+          <a:bodyPr lIns="0" rIns="0" tIns="0" bIns="0" anchor="ctr">
+            <a:noAutofit/>
+          </a:bodyPr>
+          <a:p>
+            <a:pPr algn="ctr"/>
+            <a:endParaRPr b="0" lang="ru-RU" sz="4400" spc="-1" strike="noStrike">
+              <a:latin typeface="Arial"/>
+            </a:endParaRPr>
+          </a:p>
+        </p:txBody>
+      </p:sp>
+      <p:sp>
+        <p:nvSpPr>
+          <p:cNvPr id="87" name="PlaceHolder 2"/>
           <p:cNvSpPr>
             <a:spLocks noGrp="1"/>
           </p:cNvSpPr>
@@ -2199,7 +2097,9 @@
           </a:prstGeom>
         </p:spPr>
         <p:txBody>
-          <a:bodyPr lIns="0" rIns="0" tIns="0" bIns="0" anchor="ctr"/>
+          <a:bodyPr lIns="0" rIns="0" tIns="0" bIns="0" anchor="ctr">
+            <a:noAutofit/>
+          </a:bodyPr>
           <a:p>
             <a:pPr algn="ctr"/>
             <a:endParaRPr b="0" lang="ru-RU" sz="3200" spc="-1" strike="noStrike">
@@ -2232,7 +2132,7 @@
       </p:grpSpPr>
       <p:sp>
         <p:nvSpPr>
-          <p:cNvPr id="98" name="PlaceHolder 1"/>
+          <p:cNvPr id="88" name="PlaceHolder 1"/>
           <p:cNvSpPr>
             <a:spLocks noGrp="1"/>
           </p:cNvSpPr>
@@ -2243,27 +2143,27 @@
         <p:spPr>
           <a:xfrm>
             <a:off x="1915200" y="1788480"/>
-            <a:ext cx="8361000" cy="2097720"/>
-          </a:xfrm>
-          <a:prstGeom prst="rect">
-            <a:avLst/>
-          </a:prstGeom>
-        </p:spPr>
-        <p:txBody>
-          <a:bodyPr lIns="0" rIns="0" tIns="0" bIns="0" anchor="ctr"/>
-          <a:p>
-            <a:endParaRPr b="0" lang="en-US" sz="1800" spc="-1" strike="noStrike">
-              <a:solidFill>
-                <a:srgbClr val="000000"/>
-              </a:solidFill>
-              <a:latin typeface="Franklin Gothic Book"/>
-            </a:endParaRPr>
-          </a:p>
-        </p:txBody>
-      </p:sp>
-      <p:sp>
-        <p:nvSpPr>
-          <p:cNvPr id="99" name="PlaceHolder 2"/>
+            <a:ext cx="8360640" cy="2097360"/>
+          </a:xfrm>
+          <a:prstGeom prst="rect">
+            <a:avLst/>
+          </a:prstGeom>
+        </p:spPr>
+        <p:txBody>
+          <a:bodyPr lIns="0" rIns="0" tIns="0" bIns="0" anchor="ctr">
+            <a:noAutofit/>
+          </a:bodyPr>
+          <a:p>
+            <a:pPr algn="ctr"/>
+            <a:endParaRPr b="0" lang="ru-RU" sz="4400" spc="-1" strike="noStrike">
+              <a:latin typeface="Arial"/>
+            </a:endParaRPr>
+          </a:p>
+        </p:txBody>
+      </p:sp>
+      <p:sp>
+        <p:nvSpPr>
+          <p:cNvPr id="89" name="PlaceHolder 2"/>
           <p:cNvSpPr>
             <a:spLocks noGrp="1"/>
           </p:cNvSpPr>
@@ -2285,11 +2185,8 @@
             <a:normAutofit/>
           </a:bodyPr>
           <a:p>
-            <a:endParaRPr b="0" lang="en-US" sz="2000" spc="-1" strike="noStrike">
-              <a:solidFill>
-                <a:srgbClr val="432a30"/>
-              </a:solidFill>
-              <a:latin typeface="Franklin Gothic Book"/>
+            <a:endParaRPr b="0" lang="ru-RU" sz="3200" spc="-1" strike="noStrike">
+              <a:latin typeface="Arial"/>
             </a:endParaRPr>
           </a:p>
         </p:txBody>
@@ -2318,7 +2215,7 @@
       </p:grpSpPr>
       <p:sp>
         <p:nvSpPr>
-          <p:cNvPr id="100" name="PlaceHolder 1"/>
+          <p:cNvPr id="90" name="PlaceHolder 1"/>
           <p:cNvSpPr>
             <a:spLocks noGrp="1"/>
           </p:cNvSpPr>
@@ -2329,27 +2226,27 @@
         <p:spPr>
           <a:xfrm>
             <a:off x="1915200" y="1788480"/>
-            <a:ext cx="8361000" cy="2097720"/>
-          </a:xfrm>
-          <a:prstGeom prst="rect">
-            <a:avLst/>
-          </a:prstGeom>
-        </p:spPr>
-        <p:txBody>
-          <a:bodyPr lIns="0" rIns="0" tIns="0" bIns="0" anchor="ctr"/>
-          <a:p>
-            <a:endParaRPr b="0" lang="en-US" sz="1800" spc="-1" strike="noStrike">
-              <a:solidFill>
-                <a:srgbClr val="000000"/>
-              </a:solidFill>
-              <a:latin typeface="Franklin Gothic Book"/>
-            </a:endParaRPr>
-          </a:p>
-        </p:txBody>
-      </p:sp>
-      <p:sp>
-        <p:nvSpPr>
-          <p:cNvPr id="101" name="PlaceHolder 2"/>
+            <a:ext cx="8360640" cy="2097360"/>
+          </a:xfrm>
+          <a:prstGeom prst="rect">
+            <a:avLst/>
+          </a:prstGeom>
+        </p:spPr>
+        <p:txBody>
+          <a:bodyPr lIns="0" rIns="0" tIns="0" bIns="0" anchor="ctr">
+            <a:noAutofit/>
+          </a:bodyPr>
+          <a:p>
+            <a:pPr algn="ctr"/>
+            <a:endParaRPr b="0" lang="ru-RU" sz="4400" spc="-1" strike="noStrike">
+              <a:latin typeface="Arial"/>
+            </a:endParaRPr>
+          </a:p>
+        </p:txBody>
+      </p:sp>
+      <p:sp>
+        <p:nvSpPr>
+          <p:cNvPr id="91" name="PlaceHolder 2"/>
           <p:cNvSpPr>
             <a:spLocks noGrp="1"/>
           </p:cNvSpPr>
@@ -2371,18 +2268,15 @@
             <a:normAutofit/>
           </a:bodyPr>
           <a:p>
-            <a:endParaRPr b="0" lang="en-US" sz="2000" spc="-1" strike="noStrike">
-              <a:solidFill>
-                <a:srgbClr val="432a30"/>
-              </a:solidFill>
-              <a:latin typeface="Franklin Gothic Book"/>
-            </a:endParaRPr>
-          </a:p>
-        </p:txBody>
-      </p:sp>
-      <p:sp>
-        <p:nvSpPr>
-          <p:cNvPr id="102" name="PlaceHolder 3"/>
+            <a:endParaRPr b="0" lang="ru-RU" sz="3200" spc="-1" strike="noStrike">
+              <a:latin typeface="Arial"/>
+            </a:endParaRPr>
+          </a:p>
+        </p:txBody>
+      </p:sp>
+      <p:sp>
+        <p:nvSpPr>
+          <p:cNvPr id="92" name="PlaceHolder 3"/>
           <p:cNvSpPr>
             <a:spLocks noGrp="1"/>
           </p:cNvSpPr>
@@ -2404,11 +2298,8 @@
             <a:normAutofit/>
           </a:bodyPr>
           <a:p>
-            <a:endParaRPr b="0" lang="en-US" sz="2000" spc="-1" strike="noStrike">
-              <a:solidFill>
-                <a:srgbClr val="432a30"/>
-              </a:solidFill>
-              <a:latin typeface="Franklin Gothic Book"/>
+            <a:endParaRPr b="0" lang="ru-RU" sz="3200" spc="-1" strike="noStrike">
+              <a:latin typeface="Arial"/>
             </a:endParaRPr>
           </a:p>
         </p:txBody>
@@ -2437,7 +2328,7 @@
       </p:grpSpPr>
       <p:sp>
         <p:nvSpPr>
-          <p:cNvPr id="103" name="PlaceHolder 1"/>
+          <p:cNvPr id="93" name="PlaceHolder 1"/>
           <p:cNvSpPr>
             <a:spLocks noGrp="1"/>
           </p:cNvSpPr>
@@ -2448,20 +2339,20 @@
         <p:spPr>
           <a:xfrm>
             <a:off x="1915200" y="1788480"/>
-            <a:ext cx="8361000" cy="2097720"/>
-          </a:xfrm>
-          <a:prstGeom prst="rect">
-            <a:avLst/>
-          </a:prstGeom>
-        </p:spPr>
-        <p:txBody>
-          <a:bodyPr lIns="0" rIns="0" tIns="0" bIns="0" anchor="ctr"/>
-          <a:p>
-            <a:endParaRPr b="0" lang="en-US" sz="1800" spc="-1" strike="noStrike">
-              <a:solidFill>
-                <a:srgbClr val="000000"/>
-              </a:solidFill>
-              <a:latin typeface="Franklin Gothic Book"/>
+            <a:ext cx="8360640" cy="2097360"/>
+          </a:xfrm>
+          <a:prstGeom prst="rect">
+            <a:avLst/>
+          </a:prstGeom>
+        </p:spPr>
+        <p:txBody>
+          <a:bodyPr lIns="0" rIns="0" tIns="0" bIns="0" anchor="ctr">
+            <a:noAutofit/>
+          </a:bodyPr>
+          <a:p>
+            <a:pPr algn="ctr"/>
+            <a:endParaRPr b="0" lang="ru-RU" sz="4400" spc="-1" strike="noStrike">
+              <a:latin typeface="Arial"/>
             </a:endParaRPr>
           </a:p>
         </p:txBody>
@@ -2490,7 +2381,7 @@
       </p:grpSpPr>
       <p:sp>
         <p:nvSpPr>
-          <p:cNvPr id="11" name="PlaceHolder 1"/>
+          <p:cNvPr id="8" name="PlaceHolder 1"/>
           <p:cNvSpPr>
             <a:spLocks noGrp="1"/>
           </p:cNvSpPr>
@@ -2501,27 +2392,27 @@
         <p:spPr>
           <a:xfrm>
             <a:off x="1915200" y="1788480"/>
-            <a:ext cx="8361000" cy="2097720"/>
-          </a:xfrm>
-          <a:prstGeom prst="rect">
-            <a:avLst/>
-          </a:prstGeom>
-        </p:spPr>
-        <p:txBody>
-          <a:bodyPr lIns="0" rIns="0" tIns="0" bIns="0" anchor="ctr"/>
-          <a:p>
-            <a:endParaRPr b="0" lang="en-US" sz="1800" spc="-1" strike="noStrike">
-              <a:solidFill>
-                <a:srgbClr val="000000"/>
-              </a:solidFill>
-              <a:latin typeface="Franklin Gothic Book"/>
-            </a:endParaRPr>
-          </a:p>
-        </p:txBody>
-      </p:sp>
-      <p:sp>
-        <p:nvSpPr>
-          <p:cNvPr id="12" name="PlaceHolder 2"/>
+            <a:ext cx="8360640" cy="2097360"/>
+          </a:xfrm>
+          <a:prstGeom prst="rect">
+            <a:avLst/>
+          </a:prstGeom>
+        </p:spPr>
+        <p:txBody>
+          <a:bodyPr lIns="0" rIns="0" tIns="0" bIns="0" anchor="ctr">
+            <a:noAutofit/>
+          </a:bodyPr>
+          <a:p>
+            <a:pPr algn="ctr"/>
+            <a:endParaRPr b="0" lang="ru-RU" sz="4400" spc="-1" strike="noStrike">
+              <a:latin typeface="Arial"/>
+            </a:endParaRPr>
+          </a:p>
+        </p:txBody>
+      </p:sp>
+      <p:sp>
+        <p:nvSpPr>
+          <p:cNvPr id="9" name="PlaceHolder 2"/>
           <p:cNvSpPr>
             <a:spLocks noGrp="1"/>
           </p:cNvSpPr>
@@ -2543,11 +2434,8 @@
             <a:normAutofit/>
           </a:bodyPr>
           <a:p>
-            <a:endParaRPr b="0" lang="en-US" sz="2000" spc="-1" strike="noStrike">
-              <a:solidFill>
-                <a:srgbClr val="432a30"/>
-              </a:solidFill>
-              <a:latin typeface="Franklin Gothic Book"/>
+            <a:endParaRPr b="0" lang="ru-RU" sz="3200" spc="-1" strike="noStrike">
+              <a:latin typeface="Arial"/>
             </a:endParaRPr>
           </a:p>
         </p:txBody>
@@ -2576,7 +2464,7 @@
       </p:grpSpPr>
       <p:sp>
         <p:nvSpPr>
-          <p:cNvPr id="104" name="PlaceHolder 1"/>
+          <p:cNvPr id="94" name="PlaceHolder 1"/>
           <p:cNvSpPr>
             <a:spLocks noGrp="1"/>
           </p:cNvSpPr>
@@ -2587,14 +2475,16 @@
         <p:spPr>
           <a:xfrm>
             <a:off x="1915200" y="1788480"/>
-            <a:ext cx="8361000" cy="9725040"/>
-          </a:xfrm>
-          <a:prstGeom prst="rect">
-            <a:avLst/>
-          </a:prstGeom>
-        </p:spPr>
-        <p:txBody>
-          <a:bodyPr lIns="0" rIns="0" tIns="0" bIns="0" anchor="ctr"/>
+            <a:ext cx="8360640" cy="9723240"/>
+          </a:xfrm>
+          <a:prstGeom prst="rect">
+            <a:avLst/>
+          </a:prstGeom>
+        </p:spPr>
+        <p:txBody>
+          <a:bodyPr lIns="0" rIns="0" tIns="0" bIns="0" anchor="ctr">
+            <a:noAutofit/>
+          </a:bodyPr>
           <a:p>
             <a:pPr algn="ctr"/>
             <a:endParaRPr b="0" lang="ru-RU" sz="3200" spc="-1" strike="noStrike">
@@ -2627,7 +2517,7 @@
       </p:grpSpPr>
       <p:sp>
         <p:nvSpPr>
-          <p:cNvPr id="105" name="PlaceHolder 1"/>
+          <p:cNvPr id="95" name="PlaceHolder 1"/>
           <p:cNvSpPr>
             <a:spLocks noGrp="1"/>
           </p:cNvSpPr>
@@ -2638,27 +2528,27 @@
         <p:spPr>
           <a:xfrm>
             <a:off x="1915200" y="1788480"/>
-            <a:ext cx="8361000" cy="2097720"/>
-          </a:xfrm>
-          <a:prstGeom prst="rect">
-            <a:avLst/>
-          </a:prstGeom>
-        </p:spPr>
-        <p:txBody>
-          <a:bodyPr lIns="0" rIns="0" tIns="0" bIns="0" anchor="ctr"/>
-          <a:p>
-            <a:endParaRPr b="0" lang="en-US" sz="1800" spc="-1" strike="noStrike">
-              <a:solidFill>
-                <a:srgbClr val="000000"/>
-              </a:solidFill>
-              <a:latin typeface="Franklin Gothic Book"/>
-            </a:endParaRPr>
-          </a:p>
-        </p:txBody>
-      </p:sp>
-      <p:sp>
-        <p:nvSpPr>
-          <p:cNvPr id="106" name="PlaceHolder 2"/>
+            <a:ext cx="8360640" cy="2097360"/>
+          </a:xfrm>
+          <a:prstGeom prst="rect">
+            <a:avLst/>
+          </a:prstGeom>
+        </p:spPr>
+        <p:txBody>
+          <a:bodyPr lIns="0" rIns="0" tIns="0" bIns="0" anchor="ctr">
+            <a:noAutofit/>
+          </a:bodyPr>
+          <a:p>
+            <a:pPr algn="ctr"/>
+            <a:endParaRPr b="0" lang="ru-RU" sz="4400" spc="-1" strike="noStrike">
+              <a:latin typeface="Arial"/>
+            </a:endParaRPr>
+          </a:p>
+        </p:txBody>
+      </p:sp>
+      <p:sp>
+        <p:nvSpPr>
+          <p:cNvPr id="96" name="PlaceHolder 2"/>
           <p:cNvSpPr>
             <a:spLocks noGrp="1"/>
           </p:cNvSpPr>
@@ -2680,18 +2570,15 @@
             <a:normAutofit/>
           </a:bodyPr>
           <a:p>
-            <a:endParaRPr b="0" lang="en-US" sz="2000" spc="-1" strike="noStrike">
-              <a:solidFill>
-                <a:srgbClr val="432a30"/>
-              </a:solidFill>
-              <a:latin typeface="Franklin Gothic Book"/>
-            </a:endParaRPr>
-          </a:p>
-        </p:txBody>
-      </p:sp>
-      <p:sp>
-        <p:nvSpPr>
-          <p:cNvPr id="107" name="PlaceHolder 3"/>
+            <a:endParaRPr b="0" lang="ru-RU" sz="3200" spc="-1" strike="noStrike">
+              <a:latin typeface="Arial"/>
+            </a:endParaRPr>
+          </a:p>
+        </p:txBody>
+      </p:sp>
+      <p:sp>
+        <p:nvSpPr>
+          <p:cNvPr id="97" name="PlaceHolder 3"/>
           <p:cNvSpPr>
             <a:spLocks noGrp="1"/>
           </p:cNvSpPr>
@@ -2713,18 +2600,15 @@
             <a:normAutofit/>
           </a:bodyPr>
           <a:p>
-            <a:endParaRPr b="0" lang="en-US" sz="2000" spc="-1" strike="noStrike">
-              <a:solidFill>
-                <a:srgbClr val="432a30"/>
-              </a:solidFill>
-              <a:latin typeface="Franklin Gothic Book"/>
-            </a:endParaRPr>
-          </a:p>
-        </p:txBody>
-      </p:sp>
-      <p:sp>
-        <p:nvSpPr>
-          <p:cNvPr id="108" name="PlaceHolder 4"/>
+            <a:endParaRPr b="0" lang="ru-RU" sz="3200" spc="-1" strike="noStrike">
+              <a:latin typeface="Arial"/>
+            </a:endParaRPr>
+          </a:p>
+        </p:txBody>
+      </p:sp>
+      <p:sp>
+        <p:nvSpPr>
+          <p:cNvPr id="98" name="PlaceHolder 4"/>
           <p:cNvSpPr>
             <a:spLocks noGrp="1"/>
           </p:cNvSpPr>
@@ -2746,11 +2630,8 @@
             <a:normAutofit/>
           </a:bodyPr>
           <a:p>
-            <a:endParaRPr b="0" lang="en-US" sz="2000" spc="-1" strike="noStrike">
-              <a:solidFill>
-                <a:srgbClr val="432a30"/>
-              </a:solidFill>
-              <a:latin typeface="Franklin Gothic Book"/>
+            <a:endParaRPr b="0" lang="ru-RU" sz="3200" spc="-1" strike="noStrike">
+              <a:latin typeface="Arial"/>
             </a:endParaRPr>
           </a:p>
         </p:txBody>
@@ -2779,7 +2660,7 @@
       </p:grpSpPr>
       <p:sp>
         <p:nvSpPr>
-          <p:cNvPr id="109" name="PlaceHolder 1"/>
+          <p:cNvPr id="99" name="PlaceHolder 1"/>
           <p:cNvSpPr>
             <a:spLocks noGrp="1"/>
           </p:cNvSpPr>
@@ -2790,27 +2671,27 @@
         <p:spPr>
           <a:xfrm>
             <a:off x="1915200" y="1788480"/>
-            <a:ext cx="8361000" cy="2097720"/>
-          </a:xfrm>
-          <a:prstGeom prst="rect">
-            <a:avLst/>
-          </a:prstGeom>
-        </p:spPr>
-        <p:txBody>
-          <a:bodyPr lIns="0" rIns="0" tIns="0" bIns="0" anchor="ctr"/>
-          <a:p>
-            <a:endParaRPr b="0" lang="en-US" sz="1800" spc="-1" strike="noStrike">
-              <a:solidFill>
-                <a:srgbClr val="000000"/>
-              </a:solidFill>
-              <a:latin typeface="Franklin Gothic Book"/>
-            </a:endParaRPr>
-          </a:p>
-        </p:txBody>
-      </p:sp>
-      <p:sp>
-        <p:nvSpPr>
-          <p:cNvPr id="110" name="PlaceHolder 2"/>
+            <a:ext cx="8360640" cy="2097360"/>
+          </a:xfrm>
+          <a:prstGeom prst="rect">
+            <a:avLst/>
+          </a:prstGeom>
+        </p:spPr>
+        <p:txBody>
+          <a:bodyPr lIns="0" rIns="0" tIns="0" bIns="0" anchor="ctr">
+            <a:noAutofit/>
+          </a:bodyPr>
+          <a:p>
+            <a:pPr algn="ctr"/>
+            <a:endParaRPr b="0" lang="ru-RU" sz="4400" spc="-1" strike="noStrike">
+              <a:latin typeface="Arial"/>
+            </a:endParaRPr>
+          </a:p>
+        </p:txBody>
+      </p:sp>
+      <p:sp>
+        <p:nvSpPr>
+          <p:cNvPr id="100" name="PlaceHolder 2"/>
           <p:cNvSpPr>
             <a:spLocks noGrp="1"/>
           </p:cNvSpPr>
@@ -2832,18 +2713,15 @@
             <a:normAutofit/>
           </a:bodyPr>
           <a:p>
-            <a:endParaRPr b="0" lang="en-US" sz="2000" spc="-1" strike="noStrike">
-              <a:solidFill>
-                <a:srgbClr val="432a30"/>
-              </a:solidFill>
-              <a:latin typeface="Franklin Gothic Book"/>
-            </a:endParaRPr>
-          </a:p>
-        </p:txBody>
-      </p:sp>
-      <p:sp>
-        <p:nvSpPr>
-          <p:cNvPr id="111" name="PlaceHolder 3"/>
+            <a:endParaRPr b="0" lang="ru-RU" sz="3200" spc="-1" strike="noStrike">
+              <a:latin typeface="Arial"/>
+            </a:endParaRPr>
+          </a:p>
+        </p:txBody>
+      </p:sp>
+      <p:sp>
+        <p:nvSpPr>
+          <p:cNvPr id="101" name="PlaceHolder 3"/>
           <p:cNvSpPr>
             <a:spLocks noGrp="1"/>
           </p:cNvSpPr>
@@ -2865,18 +2743,15 @@
             <a:normAutofit/>
           </a:bodyPr>
           <a:p>
-            <a:endParaRPr b="0" lang="en-US" sz="2000" spc="-1" strike="noStrike">
-              <a:solidFill>
-                <a:srgbClr val="432a30"/>
-              </a:solidFill>
-              <a:latin typeface="Franklin Gothic Book"/>
-            </a:endParaRPr>
-          </a:p>
-        </p:txBody>
-      </p:sp>
-      <p:sp>
-        <p:nvSpPr>
-          <p:cNvPr id="112" name="PlaceHolder 4"/>
+            <a:endParaRPr b="0" lang="ru-RU" sz="3200" spc="-1" strike="noStrike">
+              <a:latin typeface="Arial"/>
+            </a:endParaRPr>
+          </a:p>
+        </p:txBody>
+      </p:sp>
+      <p:sp>
+        <p:nvSpPr>
+          <p:cNvPr id="102" name="PlaceHolder 4"/>
           <p:cNvSpPr>
             <a:spLocks noGrp="1"/>
           </p:cNvSpPr>
@@ -2898,11 +2773,8 @@
             <a:normAutofit/>
           </a:bodyPr>
           <a:p>
-            <a:endParaRPr b="0" lang="en-US" sz="2000" spc="-1" strike="noStrike">
-              <a:solidFill>
-                <a:srgbClr val="432a30"/>
-              </a:solidFill>
-              <a:latin typeface="Franklin Gothic Book"/>
+            <a:endParaRPr b="0" lang="ru-RU" sz="3200" spc="-1" strike="noStrike">
+              <a:latin typeface="Arial"/>
             </a:endParaRPr>
           </a:p>
         </p:txBody>
@@ -2931,7 +2803,7 @@
       </p:grpSpPr>
       <p:sp>
         <p:nvSpPr>
-          <p:cNvPr id="113" name="PlaceHolder 1"/>
+          <p:cNvPr id="103" name="PlaceHolder 1"/>
           <p:cNvSpPr>
             <a:spLocks noGrp="1"/>
           </p:cNvSpPr>
@@ -2942,27 +2814,27 @@
         <p:spPr>
           <a:xfrm>
             <a:off x="1915200" y="1788480"/>
-            <a:ext cx="8361000" cy="2097720"/>
-          </a:xfrm>
-          <a:prstGeom prst="rect">
-            <a:avLst/>
-          </a:prstGeom>
-        </p:spPr>
-        <p:txBody>
-          <a:bodyPr lIns="0" rIns="0" tIns="0" bIns="0" anchor="ctr"/>
-          <a:p>
-            <a:endParaRPr b="0" lang="en-US" sz="1800" spc="-1" strike="noStrike">
-              <a:solidFill>
-                <a:srgbClr val="000000"/>
-              </a:solidFill>
-              <a:latin typeface="Franklin Gothic Book"/>
-            </a:endParaRPr>
-          </a:p>
-        </p:txBody>
-      </p:sp>
-      <p:sp>
-        <p:nvSpPr>
-          <p:cNvPr id="114" name="PlaceHolder 2"/>
+            <a:ext cx="8360640" cy="2097360"/>
+          </a:xfrm>
+          <a:prstGeom prst="rect">
+            <a:avLst/>
+          </a:prstGeom>
+        </p:spPr>
+        <p:txBody>
+          <a:bodyPr lIns="0" rIns="0" tIns="0" bIns="0" anchor="ctr">
+            <a:noAutofit/>
+          </a:bodyPr>
+          <a:p>
+            <a:pPr algn="ctr"/>
+            <a:endParaRPr b="0" lang="ru-RU" sz="4400" spc="-1" strike="noStrike">
+              <a:latin typeface="Arial"/>
+            </a:endParaRPr>
+          </a:p>
+        </p:txBody>
+      </p:sp>
+      <p:sp>
+        <p:nvSpPr>
+          <p:cNvPr id="104" name="PlaceHolder 2"/>
           <p:cNvSpPr>
             <a:spLocks noGrp="1"/>
           </p:cNvSpPr>
@@ -2984,18 +2856,15 @@
             <a:normAutofit/>
           </a:bodyPr>
           <a:p>
-            <a:endParaRPr b="0" lang="en-US" sz="2000" spc="-1" strike="noStrike">
-              <a:solidFill>
-                <a:srgbClr val="432a30"/>
-              </a:solidFill>
-              <a:latin typeface="Franklin Gothic Book"/>
-            </a:endParaRPr>
-          </a:p>
-        </p:txBody>
-      </p:sp>
-      <p:sp>
-        <p:nvSpPr>
-          <p:cNvPr id="115" name="PlaceHolder 3"/>
+            <a:endParaRPr b="0" lang="ru-RU" sz="3200" spc="-1" strike="noStrike">
+              <a:latin typeface="Arial"/>
+            </a:endParaRPr>
+          </a:p>
+        </p:txBody>
+      </p:sp>
+      <p:sp>
+        <p:nvSpPr>
+          <p:cNvPr id="105" name="PlaceHolder 3"/>
           <p:cNvSpPr>
             <a:spLocks noGrp="1"/>
           </p:cNvSpPr>
@@ -3017,18 +2886,15 @@
             <a:normAutofit/>
           </a:bodyPr>
           <a:p>
-            <a:endParaRPr b="0" lang="en-US" sz="2000" spc="-1" strike="noStrike">
-              <a:solidFill>
-                <a:srgbClr val="432a30"/>
-              </a:solidFill>
-              <a:latin typeface="Franklin Gothic Book"/>
-            </a:endParaRPr>
-          </a:p>
-        </p:txBody>
-      </p:sp>
-      <p:sp>
-        <p:nvSpPr>
-          <p:cNvPr id="116" name="PlaceHolder 4"/>
+            <a:endParaRPr b="0" lang="ru-RU" sz="3200" spc="-1" strike="noStrike">
+              <a:latin typeface="Arial"/>
+            </a:endParaRPr>
+          </a:p>
+        </p:txBody>
+      </p:sp>
+      <p:sp>
+        <p:nvSpPr>
+          <p:cNvPr id="106" name="PlaceHolder 4"/>
           <p:cNvSpPr>
             <a:spLocks noGrp="1"/>
           </p:cNvSpPr>
@@ -3050,11 +2916,8 @@
             <a:normAutofit/>
           </a:bodyPr>
           <a:p>
-            <a:endParaRPr b="0" lang="en-US" sz="2000" spc="-1" strike="noStrike">
-              <a:solidFill>
-                <a:srgbClr val="432a30"/>
-              </a:solidFill>
-              <a:latin typeface="Franklin Gothic Book"/>
+            <a:endParaRPr b="0" lang="ru-RU" sz="3200" spc="-1" strike="noStrike">
+              <a:latin typeface="Arial"/>
             </a:endParaRPr>
           </a:p>
         </p:txBody>
@@ -3083,7 +2946,7 @@
       </p:grpSpPr>
       <p:sp>
         <p:nvSpPr>
-          <p:cNvPr id="117" name="PlaceHolder 1"/>
+          <p:cNvPr id="107" name="PlaceHolder 1"/>
           <p:cNvSpPr>
             <a:spLocks noGrp="1"/>
           </p:cNvSpPr>
@@ -3094,27 +2957,27 @@
         <p:spPr>
           <a:xfrm>
             <a:off x="1915200" y="1788480"/>
-            <a:ext cx="8361000" cy="2097720"/>
-          </a:xfrm>
-          <a:prstGeom prst="rect">
-            <a:avLst/>
-          </a:prstGeom>
-        </p:spPr>
-        <p:txBody>
-          <a:bodyPr lIns="0" rIns="0" tIns="0" bIns="0" anchor="ctr"/>
-          <a:p>
-            <a:endParaRPr b="0" lang="en-US" sz="1800" spc="-1" strike="noStrike">
-              <a:solidFill>
-                <a:srgbClr val="000000"/>
-              </a:solidFill>
-              <a:latin typeface="Franklin Gothic Book"/>
-            </a:endParaRPr>
-          </a:p>
-        </p:txBody>
-      </p:sp>
-      <p:sp>
-        <p:nvSpPr>
-          <p:cNvPr id="118" name="PlaceHolder 2"/>
+            <a:ext cx="8360640" cy="2097360"/>
+          </a:xfrm>
+          <a:prstGeom prst="rect">
+            <a:avLst/>
+          </a:prstGeom>
+        </p:spPr>
+        <p:txBody>
+          <a:bodyPr lIns="0" rIns="0" tIns="0" bIns="0" anchor="ctr">
+            <a:noAutofit/>
+          </a:bodyPr>
+          <a:p>
+            <a:pPr algn="ctr"/>
+            <a:endParaRPr b="0" lang="ru-RU" sz="4400" spc="-1" strike="noStrike">
+              <a:latin typeface="Arial"/>
+            </a:endParaRPr>
+          </a:p>
+        </p:txBody>
+      </p:sp>
+      <p:sp>
+        <p:nvSpPr>
+          <p:cNvPr id="108" name="PlaceHolder 2"/>
           <p:cNvSpPr>
             <a:spLocks noGrp="1"/>
           </p:cNvSpPr>
@@ -3136,18 +2999,15 @@
             <a:normAutofit/>
           </a:bodyPr>
           <a:p>
-            <a:endParaRPr b="0" lang="en-US" sz="2000" spc="-1" strike="noStrike">
-              <a:solidFill>
-                <a:srgbClr val="432a30"/>
-              </a:solidFill>
-              <a:latin typeface="Franklin Gothic Book"/>
-            </a:endParaRPr>
-          </a:p>
-        </p:txBody>
-      </p:sp>
-      <p:sp>
-        <p:nvSpPr>
-          <p:cNvPr id="119" name="PlaceHolder 3"/>
+            <a:endParaRPr b="0" lang="ru-RU" sz="3200" spc="-1" strike="noStrike">
+              <a:latin typeface="Arial"/>
+            </a:endParaRPr>
+          </a:p>
+        </p:txBody>
+      </p:sp>
+      <p:sp>
+        <p:nvSpPr>
+          <p:cNvPr id="109" name="PlaceHolder 3"/>
           <p:cNvSpPr>
             <a:spLocks noGrp="1"/>
           </p:cNvSpPr>
@@ -3169,11 +3029,8 @@
             <a:normAutofit/>
           </a:bodyPr>
           <a:p>
-            <a:endParaRPr b="0" lang="en-US" sz="2000" spc="-1" strike="noStrike">
-              <a:solidFill>
-                <a:srgbClr val="432a30"/>
-              </a:solidFill>
-              <a:latin typeface="Franklin Gothic Book"/>
+            <a:endParaRPr b="0" lang="ru-RU" sz="3200" spc="-1" strike="noStrike">
+              <a:latin typeface="Arial"/>
             </a:endParaRPr>
           </a:p>
         </p:txBody>
@@ -3202,7 +3059,7 @@
       </p:grpSpPr>
       <p:sp>
         <p:nvSpPr>
-          <p:cNvPr id="120" name="PlaceHolder 1"/>
+          <p:cNvPr id="110" name="PlaceHolder 1"/>
           <p:cNvSpPr>
             <a:spLocks noGrp="1"/>
           </p:cNvSpPr>
@@ -3213,27 +3070,27 @@
         <p:spPr>
           <a:xfrm>
             <a:off x="1915200" y="1788480"/>
-            <a:ext cx="8361000" cy="2097720"/>
-          </a:xfrm>
-          <a:prstGeom prst="rect">
-            <a:avLst/>
-          </a:prstGeom>
-        </p:spPr>
-        <p:txBody>
-          <a:bodyPr lIns="0" rIns="0" tIns="0" bIns="0" anchor="ctr"/>
-          <a:p>
-            <a:endParaRPr b="0" lang="en-US" sz="1800" spc="-1" strike="noStrike">
-              <a:solidFill>
-                <a:srgbClr val="000000"/>
-              </a:solidFill>
-              <a:latin typeface="Franklin Gothic Book"/>
-            </a:endParaRPr>
-          </a:p>
-        </p:txBody>
-      </p:sp>
-      <p:sp>
-        <p:nvSpPr>
-          <p:cNvPr id="121" name="PlaceHolder 2"/>
+            <a:ext cx="8360640" cy="2097360"/>
+          </a:xfrm>
+          <a:prstGeom prst="rect">
+            <a:avLst/>
+          </a:prstGeom>
+        </p:spPr>
+        <p:txBody>
+          <a:bodyPr lIns="0" rIns="0" tIns="0" bIns="0" anchor="ctr">
+            <a:noAutofit/>
+          </a:bodyPr>
+          <a:p>
+            <a:pPr algn="ctr"/>
+            <a:endParaRPr b="0" lang="ru-RU" sz="4400" spc="-1" strike="noStrike">
+              <a:latin typeface="Arial"/>
+            </a:endParaRPr>
+          </a:p>
+        </p:txBody>
+      </p:sp>
+      <p:sp>
+        <p:nvSpPr>
+          <p:cNvPr id="111" name="PlaceHolder 2"/>
           <p:cNvSpPr>
             <a:spLocks noGrp="1"/>
           </p:cNvSpPr>
@@ -3255,18 +3112,15 @@
             <a:normAutofit/>
           </a:bodyPr>
           <a:p>
-            <a:endParaRPr b="0" lang="en-US" sz="2000" spc="-1" strike="noStrike">
-              <a:solidFill>
-                <a:srgbClr val="432a30"/>
-              </a:solidFill>
-              <a:latin typeface="Franklin Gothic Book"/>
-            </a:endParaRPr>
-          </a:p>
-        </p:txBody>
-      </p:sp>
-      <p:sp>
-        <p:nvSpPr>
-          <p:cNvPr id="122" name="PlaceHolder 3"/>
+            <a:endParaRPr b="0" lang="ru-RU" sz="3200" spc="-1" strike="noStrike">
+              <a:latin typeface="Arial"/>
+            </a:endParaRPr>
+          </a:p>
+        </p:txBody>
+      </p:sp>
+      <p:sp>
+        <p:nvSpPr>
+          <p:cNvPr id="112" name="PlaceHolder 3"/>
           <p:cNvSpPr>
             <a:spLocks noGrp="1"/>
           </p:cNvSpPr>
@@ -3288,18 +3142,15 @@
             <a:normAutofit/>
           </a:bodyPr>
           <a:p>
-            <a:endParaRPr b="0" lang="en-US" sz="2000" spc="-1" strike="noStrike">
-              <a:solidFill>
-                <a:srgbClr val="432a30"/>
-              </a:solidFill>
-              <a:latin typeface="Franklin Gothic Book"/>
-            </a:endParaRPr>
-          </a:p>
-        </p:txBody>
-      </p:sp>
-      <p:sp>
-        <p:nvSpPr>
-          <p:cNvPr id="123" name="PlaceHolder 4"/>
+            <a:endParaRPr b="0" lang="ru-RU" sz="3200" spc="-1" strike="noStrike">
+              <a:latin typeface="Arial"/>
+            </a:endParaRPr>
+          </a:p>
+        </p:txBody>
+      </p:sp>
+      <p:sp>
+        <p:nvSpPr>
+          <p:cNvPr id="113" name="PlaceHolder 4"/>
           <p:cNvSpPr>
             <a:spLocks noGrp="1"/>
           </p:cNvSpPr>
@@ -3321,18 +3172,15 @@
             <a:normAutofit/>
           </a:bodyPr>
           <a:p>
-            <a:endParaRPr b="0" lang="en-US" sz="2000" spc="-1" strike="noStrike">
-              <a:solidFill>
-                <a:srgbClr val="432a30"/>
-              </a:solidFill>
-              <a:latin typeface="Franklin Gothic Book"/>
-            </a:endParaRPr>
-          </a:p>
-        </p:txBody>
-      </p:sp>
-      <p:sp>
-        <p:nvSpPr>
-          <p:cNvPr id="124" name="PlaceHolder 5"/>
+            <a:endParaRPr b="0" lang="ru-RU" sz="3200" spc="-1" strike="noStrike">
+              <a:latin typeface="Arial"/>
+            </a:endParaRPr>
+          </a:p>
+        </p:txBody>
+      </p:sp>
+      <p:sp>
+        <p:nvSpPr>
+          <p:cNvPr id="114" name="PlaceHolder 5"/>
           <p:cNvSpPr>
             <a:spLocks noGrp="1"/>
           </p:cNvSpPr>
@@ -3354,11 +3202,8 @@
             <a:normAutofit/>
           </a:bodyPr>
           <a:p>
-            <a:endParaRPr b="0" lang="en-US" sz="2000" spc="-1" strike="noStrike">
-              <a:solidFill>
-                <a:srgbClr val="432a30"/>
-              </a:solidFill>
-              <a:latin typeface="Franklin Gothic Book"/>
+            <a:endParaRPr b="0" lang="ru-RU" sz="3200" spc="-1" strike="noStrike">
+              <a:latin typeface="Arial"/>
             </a:endParaRPr>
           </a:p>
         </p:txBody>
@@ -3387,7 +3232,7 @@
       </p:grpSpPr>
       <p:sp>
         <p:nvSpPr>
-          <p:cNvPr id="125" name="PlaceHolder 1"/>
+          <p:cNvPr id="115" name="PlaceHolder 1"/>
           <p:cNvSpPr>
             <a:spLocks noGrp="1"/>
           </p:cNvSpPr>
@@ -3398,27 +3243,27 @@
         <p:spPr>
           <a:xfrm>
             <a:off x="1915200" y="1788480"/>
-            <a:ext cx="8361000" cy="2097720"/>
-          </a:xfrm>
-          <a:prstGeom prst="rect">
-            <a:avLst/>
-          </a:prstGeom>
-        </p:spPr>
-        <p:txBody>
-          <a:bodyPr lIns="0" rIns="0" tIns="0" bIns="0" anchor="ctr"/>
-          <a:p>
-            <a:endParaRPr b="0" lang="en-US" sz="1800" spc="-1" strike="noStrike">
-              <a:solidFill>
-                <a:srgbClr val="000000"/>
-              </a:solidFill>
-              <a:latin typeface="Franklin Gothic Book"/>
-            </a:endParaRPr>
-          </a:p>
-        </p:txBody>
-      </p:sp>
-      <p:sp>
-        <p:nvSpPr>
-          <p:cNvPr id="126" name="PlaceHolder 2"/>
+            <a:ext cx="8360640" cy="2097360"/>
+          </a:xfrm>
+          <a:prstGeom prst="rect">
+            <a:avLst/>
+          </a:prstGeom>
+        </p:spPr>
+        <p:txBody>
+          <a:bodyPr lIns="0" rIns="0" tIns="0" bIns="0" anchor="ctr">
+            <a:noAutofit/>
+          </a:bodyPr>
+          <a:p>
+            <a:pPr algn="ctr"/>
+            <a:endParaRPr b="0" lang="ru-RU" sz="4400" spc="-1" strike="noStrike">
+              <a:latin typeface="Arial"/>
+            </a:endParaRPr>
+          </a:p>
+        </p:txBody>
+      </p:sp>
+      <p:sp>
+        <p:nvSpPr>
+          <p:cNvPr id="116" name="PlaceHolder 2"/>
           <p:cNvSpPr>
             <a:spLocks noGrp="1"/>
           </p:cNvSpPr>
@@ -3440,18 +3285,15 @@
             <a:normAutofit/>
           </a:bodyPr>
           <a:p>
-            <a:endParaRPr b="0" lang="en-US" sz="2000" spc="-1" strike="noStrike">
-              <a:solidFill>
-                <a:srgbClr val="432a30"/>
-              </a:solidFill>
-              <a:latin typeface="Franklin Gothic Book"/>
-            </a:endParaRPr>
-          </a:p>
-        </p:txBody>
-      </p:sp>
-      <p:sp>
-        <p:nvSpPr>
-          <p:cNvPr id="127" name="PlaceHolder 3"/>
+            <a:endParaRPr b="0" lang="ru-RU" sz="3200" spc="-1" strike="noStrike">
+              <a:latin typeface="Arial"/>
+            </a:endParaRPr>
+          </a:p>
+        </p:txBody>
+      </p:sp>
+      <p:sp>
+        <p:nvSpPr>
+          <p:cNvPr id="117" name="PlaceHolder 3"/>
           <p:cNvSpPr>
             <a:spLocks noGrp="1"/>
           </p:cNvSpPr>
@@ -3473,18 +3315,15 @@
             <a:normAutofit/>
           </a:bodyPr>
           <a:p>
-            <a:endParaRPr b="0" lang="en-US" sz="2000" spc="-1" strike="noStrike">
-              <a:solidFill>
-                <a:srgbClr val="432a30"/>
-              </a:solidFill>
-              <a:latin typeface="Franklin Gothic Book"/>
-            </a:endParaRPr>
-          </a:p>
-        </p:txBody>
-      </p:sp>
-      <p:sp>
-        <p:nvSpPr>
-          <p:cNvPr id="128" name="PlaceHolder 4"/>
+            <a:endParaRPr b="0" lang="ru-RU" sz="3200" spc="-1" strike="noStrike">
+              <a:latin typeface="Arial"/>
+            </a:endParaRPr>
+          </a:p>
+        </p:txBody>
+      </p:sp>
+      <p:sp>
+        <p:nvSpPr>
+          <p:cNvPr id="118" name="PlaceHolder 4"/>
           <p:cNvSpPr>
             <a:spLocks noGrp="1"/>
           </p:cNvSpPr>
@@ -3506,18 +3345,15 @@
             <a:normAutofit/>
           </a:bodyPr>
           <a:p>
-            <a:endParaRPr b="0" lang="en-US" sz="2000" spc="-1" strike="noStrike">
-              <a:solidFill>
-                <a:srgbClr val="432a30"/>
-              </a:solidFill>
-              <a:latin typeface="Franklin Gothic Book"/>
-            </a:endParaRPr>
-          </a:p>
-        </p:txBody>
-      </p:sp>
-      <p:sp>
-        <p:nvSpPr>
-          <p:cNvPr id="129" name="PlaceHolder 5"/>
+            <a:endParaRPr b="0" lang="ru-RU" sz="3200" spc="-1" strike="noStrike">
+              <a:latin typeface="Arial"/>
+            </a:endParaRPr>
+          </a:p>
+        </p:txBody>
+      </p:sp>
+      <p:sp>
+        <p:nvSpPr>
+          <p:cNvPr id="119" name="PlaceHolder 5"/>
           <p:cNvSpPr>
             <a:spLocks noGrp="1"/>
           </p:cNvSpPr>
@@ -3539,18 +3375,15 @@
             <a:normAutofit/>
           </a:bodyPr>
           <a:p>
-            <a:endParaRPr b="0" lang="en-US" sz="2000" spc="-1" strike="noStrike">
-              <a:solidFill>
-                <a:srgbClr val="432a30"/>
-              </a:solidFill>
-              <a:latin typeface="Franklin Gothic Book"/>
-            </a:endParaRPr>
-          </a:p>
-        </p:txBody>
-      </p:sp>
-      <p:sp>
-        <p:nvSpPr>
-          <p:cNvPr id="130" name="PlaceHolder 6"/>
+            <a:endParaRPr b="0" lang="ru-RU" sz="3200" spc="-1" strike="noStrike">
+              <a:latin typeface="Arial"/>
+            </a:endParaRPr>
+          </a:p>
+        </p:txBody>
+      </p:sp>
+      <p:sp>
+        <p:nvSpPr>
+          <p:cNvPr id="120" name="PlaceHolder 6"/>
           <p:cNvSpPr>
             <a:spLocks noGrp="1"/>
           </p:cNvSpPr>
@@ -3572,18 +3405,15 @@
             <a:normAutofit/>
           </a:bodyPr>
           <a:p>
-            <a:endParaRPr b="0" lang="en-US" sz="2000" spc="-1" strike="noStrike">
-              <a:solidFill>
-                <a:srgbClr val="432a30"/>
-              </a:solidFill>
-              <a:latin typeface="Franklin Gothic Book"/>
-            </a:endParaRPr>
-          </a:p>
-        </p:txBody>
-      </p:sp>
-      <p:sp>
-        <p:nvSpPr>
-          <p:cNvPr id="131" name="PlaceHolder 7"/>
+            <a:endParaRPr b="0" lang="ru-RU" sz="3200" spc="-1" strike="noStrike">
+              <a:latin typeface="Arial"/>
+            </a:endParaRPr>
+          </a:p>
+        </p:txBody>
+      </p:sp>
+      <p:sp>
+        <p:nvSpPr>
+          <p:cNvPr id="121" name="PlaceHolder 7"/>
           <p:cNvSpPr>
             <a:spLocks noGrp="1"/>
           </p:cNvSpPr>
@@ -3605,11 +3435,8 @@
             <a:normAutofit/>
           </a:bodyPr>
           <a:p>
-            <a:endParaRPr b="0" lang="en-US" sz="2000" spc="-1" strike="noStrike">
-              <a:solidFill>
-                <a:srgbClr val="432a30"/>
-              </a:solidFill>
-              <a:latin typeface="Franklin Gothic Book"/>
+            <a:endParaRPr b="0" lang="ru-RU" sz="3200" spc="-1" strike="noStrike">
+              <a:latin typeface="Arial"/>
             </a:endParaRPr>
           </a:p>
         </p:txBody>
@@ -3638,7 +3465,7 @@
       </p:grpSpPr>
       <p:sp>
         <p:nvSpPr>
-          <p:cNvPr id="13" name="PlaceHolder 1"/>
+          <p:cNvPr id="10" name="PlaceHolder 1"/>
           <p:cNvSpPr>
             <a:spLocks noGrp="1"/>
           </p:cNvSpPr>
@@ -3649,27 +3476,27 @@
         <p:spPr>
           <a:xfrm>
             <a:off x="1915200" y="1788480"/>
-            <a:ext cx="8361000" cy="2097720"/>
-          </a:xfrm>
-          <a:prstGeom prst="rect">
-            <a:avLst/>
-          </a:prstGeom>
-        </p:spPr>
-        <p:txBody>
-          <a:bodyPr lIns="0" rIns="0" tIns="0" bIns="0" anchor="ctr"/>
-          <a:p>
-            <a:endParaRPr b="0" lang="en-US" sz="1800" spc="-1" strike="noStrike">
-              <a:solidFill>
-                <a:srgbClr val="000000"/>
-              </a:solidFill>
-              <a:latin typeface="Franklin Gothic Book"/>
-            </a:endParaRPr>
-          </a:p>
-        </p:txBody>
-      </p:sp>
-      <p:sp>
-        <p:nvSpPr>
-          <p:cNvPr id="14" name="PlaceHolder 2"/>
+            <a:ext cx="8360640" cy="2097360"/>
+          </a:xfrm>
+          <a:prstGeom prst="rect">
+            <a:avLst/>
+          </a:prstGeom>
+        </p:spPr>
+        <p:txBody>
+          <a:bodyPr lIns="0" rIns="0" tIns="0" bIns="0" anchor="ctr">
+            <a:noAutofit/>
+          </a:bodyPr>
+          <a:p>
+            <a:pPr algn="ctr"/>
+            <a:endParaRPr b="0" lang="ru-RU" sz="4400" spc="-1" strike="noStrike">
+              <a:latin typeface="Arial"/>
+            </a:endParaRPr>
+          </a:p>
+        </p:txBody>
+      </p:sp>
+      <p:sp>
+        <p:nvSpPr>
+          <p:cNvPr id="11" name="PlaceHolder 2"/>
           <p:cNvSpPr>
             <a:spLocks noGrp="1"/>
           </p:cNvSpPr>
@@ -3691,18 +3518,15 @@
             <a:normAutofit/>
           </a:bodyPr>
           <a:p>
-            <a:endParaRPr b="0" lang="en-US" sz="2000" spc="-1" strike="noStrike">
-              <a:solidFill>
-                <a:srgbClr val="432a30"/>
-              </a:solidFill>
-              <a:latin typeface="Franklin Gothic Book"/>
-            </a:endParaRPr>
-          </a:p>
-        </p:txBody>
-      </p:sp>
-      <p:sp>
-        <p:nvSpPr>
-          <p:cNvPr id="15" name="PlaceHolder 3"/>
+            <a:endParaRPr b="0" lang="ru-RU" sz="3200" spc="-1" strike="noStrike">
+              <a:latin typeface="Arial"/>
+            </a:endParaRPr>
+          </a:p>
+        </p:txBody>
+      </p:sp>
+      <p:sp>
+        <p:nvSpPr>
+          <p:cNvPr id="12" name="PlaceHolder 3"/>
           <p:cNvSpPr>
             <a:spLocks noGrp="1"/>
           </p:cNvSpPr>
@@ -3724,11 +3548,8 @@
             <a:normAutofit/>
           </a:bodyPr>
           <a:p>
-            <a:endParaRPr b="0" lang="en-US" sz="2000" spc="-1" strike="noStrike">
-              <a:solidFill>
-                <a:srgbClr val="432a30"/>
-              </a:solidFill>
-              <a:latin typeface="Franklin Gothic Book"/>
+            <a:endParaRPr b="0" lang="ru-RU" sz="3200" spc="-1" strike="noStrike">
+              <a:latin typeface="Arial"/>
             </a:endParaRPr>
           </a:p>
         </p:txBody>
@@ -3757,7 +3578,7 @@
       </p:grpSpPr>
       <p:sp>
         <p:nvSpPr>
-          <p:cNvPr id="16" name="PlaceHolder 1"/>
+          <p:cNvPr id="13" name="PlaceHolder 1"/>
           <p:cNvSpPr>
             <a:spLocks noGrp="1"/>
           </p:cNvSpPr>
@@ -3768,20 +3589,20 @@
         <p:spPr>
           <a:xfrm>
             <a:off x="1915200" y="1788480"/>
-            <a:ext cx="8361000" cy="2097720"/>
-          </a:xfrm>
-          <a:prstGeom prst="rect">
-            <a:avLst/>
-          </a:prstGeom>
-        </p:spPr>
-        <p:txBody>
-          <a:bodyPr lIns="0" rIns="0" tIns="0" bIns="0" anchor="ctr"/>
-          <a:p>
-            <a:endParaRPr b="0" lang="en-US" sz="1800" spc="-1" strike="noStrike">
-              <a:solidFill>
-                <a:srgbClr val="000000"/>
-              </a:solidFill>
-              <a:latin typeface="Franklin Gothic Book"/>
+            <a:ext cx="8360640" cy="2097360"/>
+          </a:xfrm>
+          <a:prstGeom prst="rect">
+            <a:avLst/>
+          </a:prstGeom>
+        </p:spPr>
+        <p:txBody>
+          <a:bodyPr lIns="0" rIns="0" tIns="0" bIns="0" anchor="ctr">
+            <a:noAutofit/>
+          </a:bodyPr>
+          <a:p>
+            <a:pPr algn="ctr"/>
+            <a:endParaRPr b="0" lang="ru-RU" sz="4400" spc="-1" strike="noStrike">
+              <a:latin typeface="Arial"/>
             </a:endParaRPr>
           </a:p>
         </p:txBody>
@@ -3810,7 +3631,7 @@
       </p:grpSpPr>
       <p:sp>
         <p:nvSpPr>
-          <p:cNvPr id="17" name="PlaceHolder 1"/>
+          <p:cNvPr id="14" name="PlaceHolder 1"/>
           <p:cNvSpPr>
             <a:spLocks noGrp="1"/>
           </p:cNvSpPr>
@@ -3821,14 +3642,16 @@
         <p:spPr>
           <a:xfrm>
             <a:off x="1915200" y="1788480"/>
-            <a:ext cx="8361000" cy="9725040"/>
-          </a:xfrm>
-          <a:prstGeom prst="rect">
-            <a:avLst/>
-          </a:prstGeom>
-        </p:spPr>
-        <p:txBody>
-          <a:bodyPr lIns="0" rIns="0" tIns="0" bIns="0" anchor="ctr"/>
+            <a:ext cx="8360640" cy="9723240"/>
+          </a:xfrm>
+          <a:prstGeom prst="rect">
+            <a:avLst/>
+          </a:prstGeom>
+        </p:spPr>
+        <p:txBody>
+          <a:bodyPr lIns="0" rIns="0" tIns="0" bIns="0" anchor="ctr">
+            <a:noAutofit/>
+          </a:bodyPr>
           <a:p>
             <a:pPr algn="ctr"/>
             <a:endParaRPr b="0" lang="ru-RU" sz="3200" spc="-1" strike="noStrike">
@@ -3861,7 +3684,7 @@
       </p:grpSpPr>
       <p:sp>
         <p:nvSpPr>
-          <p:cNvPr id="18" name="PlaceHolder 1"/>
+          <p:cNvPr id="15" name="PlaceHolder 1"/>
           <p:cNvSpPr>
             <a:spLocks noGrp="1"/>
           </p:cNvSpPr>
@@ -3872,27 +3695,27 @@
         <p:spPr>
           <a:xfrm>
             <a:off x="1915200" y="1788480"/>
-            <a:ext cx="8361000" cy="2097720"/>
-          </a:xfrm>
-          <a:prstGeom prst="rect">
-            <a:avLst/>
-          </a:prstGeom>
-        </p:spPr>
-        <p:txBody>
-          <a:bodyPr lIns="0" rIns="0" tIns="0" bIns="0" anchor="ctr"/>
-          <a:p>
-            <a:endParaRPr b="0" lang="en-US" sz="1800" spc="-1" strike="noStrike">
-              <a:solidFill>
-                <a:srgbClr val="000000"/>
-              </a:solidFill>
-              <a:latin typeface="Franklin Gothic Book"/>
-            </a:endParaRPr>
-          </a:p>
-        </p:txBody>
-      </p:sp>
-      <p:sp>
-        <p:nvSpPr>
-          <p:cNvPr id="19" name="PlaceHolder 2"/>
+            <a:ext cx="8360640" cy="2097360"/>
+          </a:xfrm>
+          <a:prstGeom prst="rect">
+            <a:avLst/>
+          </a:prstGeom>
+        </p:spPr>
+        <p:txBody>
+          <a:bodyPr lIns="0" rIns="0" tIns="0" bIns="0" anchor="ctr">
+            <a:noAutofit/>
+          </a:bodyPr>
+          <a:p>
+            <a:pPr algn="ctr"/>
+            <a:endParaRPr b="0" lang="ru-RU" sz="4400" spc="-1" strike="noStrike">
+              <a:latin typeface="Arial"/>
+            </a:endParaRPr>
+          </a:p>
+        </p:txBody>
+      </p:sp>
+      <p:sp>
+        <p:nvSpPr>
+          <p:cNvPr id="16" name="PlaceHolder 2"/>
           <p:cNvSpPr>
             <a:spLocks noGrp="1"/>
           </p:cNvSpPr>
@@ -3914,18 +3737,15 @@
             <a:normAutofit/>
           </a:bodyPr>
           <a:p>
-            <a:endParaRPr b="0" lang="en-US" sz="2000" spc="-1" strike="noStrike">
-              <a:solidFill>
-                <a:srgbClr val="432a30"/>
-              </a:solidFill>
-              <a:latin typeface="Franklin Gothic Book"/>
-            </a:endParaRPr>
-          </a:p>
-        </p:txBody>
-      </p:sp>
-      <p:sp>
-        <p:nvSpPr>
-          <p:cNvPr id="20" name="PlaceHolder 3"/>
+            <a:endParaRPr b="0" lang="ru-RU" sz="3200" spc="-1" strike="noStrike">
+              <a:latin typeface="Arial"/>
+            </a:endParaRPr>
+          </a:p>
+        </p:txBody>
+      </p:sp>
+      <p:sp>
+        <p:nvSpPr>
+          <p:cNvPr id="17" name="PlaceHolder 3"/>
           <p:cNvSpPr>
             <a:spLocks noGrp="1"/>
           </p:cNvSpPr>
@@ -3947,18 +3767,15 @@
             <a:normAutofit/>
           </a:bodyPr>
           <a:p>
-            <a:endParaRPr b="0" lang="en-US" sz="2000" spc="-1" strike="noStrike">
-              <a:solidFill>
-                <a:srgbClr val="432a30"/>
-              </a:solidFill>
-              <a:latin typeface="Franklin Gothic Book"/>
-            </a:endParaRPr>
-          </a:p>
-        </p:txBody>
-      </p:sp>
-      <p:sp>
-        <p:nvSpPr>
-          <p:cNvPr id="21" name="PlaceHolder 4"/>
+            <a:endParaRPr b="0" lang="ru-RU" sz="3200" spc="-1" strike="noStrike">
+              <a:latin typeface="Arial"/>
+            </a:endParaRPr>
+          </a:p>
+        </p:txBody>
+      </p:sp>
+      <p:sp>
+        <p:nvSpPr>
+          <p:cNvPr id="18" name="PlaceHolder 4"/>
           <p:cNvSpPr>
             <a:spLocks noGrp="1"/>
           </p:cNvSpPr>
@@ -3980,11 +3797,8 @@
             <a:normAutofit/>
           </a:bodyPr>
           <a:p>
-            <a:endParaRPr b="0" lang="en-US" sz="2000" spc="-1" strike="noStrike">
-              <a:solidFill>
-                <a:srgbClr val="432a30"/>
-              </a:solidFill>
-              <a:latin typeface="Franklin Gothic Book"/>
+            <a:endParaRPr b="0" lang="ru-RU" sz="3200" spc="-1" strike="noStrike">
+              <a:latin typeface="Arial"/>
             </a:endParaRPr>
           </a:p>
         </p:txBody>
@@ -4013,7 +3827,7 @@
       </p:grpSpPr>
       <p:sp>
         <p:nvSpPr>
-          <p:cNvPr id="22" name="PlaceHolder 1"/>
+          <p:cNvPr id="19" name="PlaceHolder 1"/>
           <p:cNvSpPr>
             <a:spLocks noGrp="1"/>
           </p:cNvSpPr>
@@ -4024,27 +3838,27 @@
         <p:spPr>
           <a:xfrm>
             <a:off x="1915200" y="1788480"/>
-            <a:ext cx="8361000" cy="2097720"/>
-          </a:xfrm>
-          <a:prstGeom prst="rect">
-            <a:avLst/>
-          </a:prstGeom>
-        </p:spPr>
-        <p:txBody>
-          <a:bodyPr lIns="0" rIns="0" tIns="0" bIns="0" anchor="ctr"/>
-          <a:p>
-            <a:endParaRPr b="0" lang="en-US" sz="1800" spc="-1" strike="noStrike">
-              <a:solidFill>
-                <a:srgbClr val="000000"/>
-              </a:solidFill>
-              <a:latin typeface="Franklin Gothic Book"/>
-            </a:endParaRPr>
-          </a:p>
-        </p:txBody>
-      </p:sp>
-      <p:sp>
-        <p:nvSpPr>
-          <p:cNvPr id="23" name="PlaceHolder 2"/>
+            <a:ext cx="8360640" cy="2097360"/>
+          </a:xfrm>
+          <a:prstGeom prst="rect">
+            <a:avLst/>
+          </a:prstGeom>
+        </p:spPr>
+        <p:txBody>
+          <a:bodyPr lIns="0" rIns="0" tIns="0" bIns="0" anchor="ctr">
+            <a:noAutofit/>
+          </a:bodyPr>
+          <a:p>
+            <a:pPr algn="ctr"/>
+            <a:endParaRPr b="0" lang="ru-RU" sz="4400" spc="-1" strike="noStrike">
+              <a:latin typeface="Arial"/>
+            </a:endParaRPr>
+          </a:p>
+        </p:txBody>
+      </p:sp>
+      <p:sp>
+        <p:nvSpPr>
+          <p:cNvPr id="20" name="PlaceHolder 2"/>
           <p:cNvSpPr>
             <a:spLocks noGrp="1"/>
           </p:cNvSpPr>
@@ -4066,18 +3880,15 @@
             <a:normAutofit/>
           </a:bodyPr>
           <a:p>
-            <a:endParaRPr b="0" lang="en-US" sz="2000" spc="-1" strike="noStrike">
-              <a:solidFill>
-                <a:srgbClr val="432a30"/>
-              </a:solidFill>
-              <a:latin typeface="Franklin Gothic Book"/>
-            </a:endParaRPr>
-          </a:p>
-        </p:txBody>
-      </p:sp>
-      <p:sp>
-        <p:nvSpPr>
-          <p:cNvPr id="24" name="PlaceHolder 3"/>
+            <a:endParaRPr b="0" lang="ru-RU" sz="3200" spc="-1" strike="noStrike">
+              <a:latin typeface="Arial"/>
+            </a:endParaRPr>
+          </a:p>
+        </p:txBody>
+      </p:sp>
+      <p:sp>
+        <p:nvSpPr>
+          <p:cNvPr id="21" name="PlaceHolder 3"/>
           <p:cNvSpPr>
             <a:spLocks noGrp="1"/>
           </p:cNvSpPr>
@@ -4099,18 +3910,15 @@
             <a:normAutofit/>
           </a:bodyPr>
           <a:p>
-            <a:endParaRPr b="0" lang="en-US" sz="2000" spc="-1" strike="noStrike">
-              <a:solidFill>
-                <a:srgbClr val="432a30"/>
-              </a:solidFill>
-              <a:latin typeface="Franklin Gothic Book"/>
-            </a:endParaRPr>
-          </a:p>
-        </p:txBody>
-      </p:sp>
-      <p:sp>
-        <p:nvSpPr>
-          <p:cNvPr id="25" name="PlaceHolder 4"/>
+            <a:endParaRPr b="0" lang="ru-RU" sz="3200" spc="-1" strike="noStrike">
+              <a:latin typeface="Arial"/>
+            </a:endParaRPr>
+          </a:p>
+        </p:txBody>
+      </p:sp>
+      <p:sp>
+        <p:nvSpPr>
+          <p:cNvPr id="22" name="PlaceHolder 4"/>
           <p:cNvSpPr>
             <a:spLocks noGrp="1"/>
           </p:cNvSpPr>
@@ -4132,11 +3940,8 @@
             <a:normAutofit/>
           </a:bodyPr>
           <a:p>
-            <a:endParaRPr b="0" lang="en-US" sz="2000" spc="-1" strike="noStrike">
-              <a:solidFill>
-                <a:srgbClr val="432a30"/>
-              </a:solidFill>
-              <a:latin typeface="Franklin Gothic Book"/>
+            <a:endParaRPr b="0" lang="ru-RU" sz="3200" spc="-1" strike="noStrike">
+              <a:latin typeface="Arial"/>
             </a:endParaRPr>
           </a:p>
         </p:txBody>
@@ -4165,7 +3970,7 @@
       </p:grpSpPr>
       <p:sp>
         <p:nvSpPr>
-          <p:cNvPr id="26" name="PlaceHolder 1"/>
+          <p:cNvPr id="23" name="PlaceHolder 1"/>
           <p:cNvSpPr>
             <a:spLocks noGrp="1"/>
           </p:cNvSpPr>
@@ -4176,27 +3981,27 @@
         <p:spPr>
           <a:xfrm>
             <a:off x="1915200" y="1788480"/>
-            <a:ext cx="8361000" cy="2097720"/>
-          </a:xfrm>
-          <a:prstGeom prst="rect">
-            <a:avLst/>
-          </a:prstGeom>
-        </p:spPr>
-        <p:txBody>
-          <a:bodyPr lIns="0" rIns="0" tIns="0" bIns="0" anchor="ctr"/>
-          <a:p>
-            <a:endParaRPr b="0" lang="en-US" sz="1800" spc="-1" strike="noStrike">
-              <a:solidFill>
-                <a:srgbClr val="000000"/>
-              </a:solidFill>
-              <a:latin typeface="Franklin Gothic Book"/>
-            </a:endParaRPr>
-          </a:p>
-        </p:txBody>
-      </p:sp>
-      <p:sp>
-        <p:nvSpPr>
-          <p:cNvPr id="27" name="PlaceHolder 2"/>
+            <a:ext cx="8360640" cy="2097360"/>
+          </a:xfrm>
+          <a:prstGeom prst="rect">
+            <a:avLst/>
+          </a:prstGeom>
+        </p:spPr>
+        <p:txBody>
+          <a:bodyPr lIns="0" rIns="0" tIns="0" bIns="0" anchor="ctr">
+            <a:noAutofit/>
+          </a:bodyPr>
+          <a:p>
+            <a:pPr algn="ctr"/>
+            <a:endParaRPr b="0" lang="ru-RU" sz="4400" spc="-1" strike="noStrike">
+              <a:latin typeface="Arial"/>
+            </a:endParaRPr>
+          </a:p>
+        </p:txBody>
+      </p:sp>
+      <p:sp>
+        <p:nvSpPr>
+          <p:cNvPr id="24" name="PlaceHolder 2"/>
           <p:cNvSpPr>
             <a:spLocks noGrp="1"/>
           </p:cNvSpPr>
@@ -4218,18 +4023,15 @@
             <a:normAutofit/>
           </a:bodyPr>
           <a:p>
-            <a:endParaRPr b="0" lang="en-US" sz="2000" spc="-1" strike="noStrike">
-              <a:solidFill>
-                <a:srgbClr val="432a30"/>
-              </a:solidFill>
-              <a:latin typeface="Franklin Gothic Book"/>
-            </a:endParaRPr>
-          </a:p>
-        </p:txBody>
-      </p:sp>
-      <p:sp>
-        <p:nvSpPr>
-          <p:cNvPr id="28" name="PlaceHolder 3"/>
+            <a:endParaRPr b="0" lang="ru-RU" sz="3200" spc="-1" strike="noStrike">
+              <a:latin typeface="Arial"/>
+            </a:endParaRPr>
+          </a:p>
+        </p:txBody>
+      </p:sp>
+      <p:sp>
+        <p:nvSpPr>
+          <p:cNvPr id="25" name="PlaceHolder 3"/>
           <p:cNvSpPr>
             <a:spLocks noGrp="1"/>
           </p:cNvSpPr>
@@ -4251,18 +4053,15 @@
             <a:normAutofit/>
           </a:bodyPr>
           <a:p>
-            <a:endParaRPr b="0" lang="en-US" sz="2000" spc="-1" strike="noStrike">
-              <a:solidFill>
-                <a:srgbClr val="432a30"/>
-              </a:solidFill>
-              <a:latin typeface="Franklin Gothic Book"/>
-            </a:endParaRPr>
-          </a:p>
-        </p:txBody>
-      </p:sp>
-      <p:sp>
-        <p:nvSpPr>
-          <p:cNvPr id="29" name="PlaceHolder 4"/>
+            <a:endParaRPr b="0" lang="ru-RU" sz="3200" spc="-1" strike="noStrike">
+              <a:latin typeface="Arial"/>
+            </a:endParaRPr>
+          </a:p>
+        </p:txBody>
+      </p:sp>
+      <p:sp>
+        <p:nvSpPr>
+          <p:cNvPr id="26" name="PlaceHolder 4"/>
           <p:cNvSpPr>
             <a:spLocks noGrp="1"/>
           </p:cNvSpPr>
@@ -4284,11 +4083,8 @@
             <a:normAutofit/>
           </a:bodyPr>
           <a:p>
-            <a:endParaRPr b="0" lang="en-US" sz="2000" spc="-1" strike="noStrike">
-              <a:solidFill>
-                <a:srgbClr val="432a30"/>
-              </a:solidFill>
-              <a:latin typeface="Franklin Gothic Book"/>
+            <a:endParaRPr b="0" lang="ru-RU" sz="3200" spc="-1" strike="noStrike">
+              <a:latin typeface="Arial"/>
             </a:endParaRPr>
           </a:p>
         </p:txBody>
@@ -4331,7 +4127,7 @@
         <p:spPr>
           <a:xfrm>
             <a:off x="478080" y="360"/>
-            <a:ext cx="228240" cy="6857640"/>
+            <a:ext cx="227880" cy="6857280"/>
           </a:xfrm>
           <a:prstGeom prst="rect">
             <a:avLst/>
@@ -4358,196 +4154,30 @@
           <a:fontRef idx="minor"/>
         </p:style>
       </p:sp>
-      <p:sp>
-        <p:nvSpPr>
-          <p:cNvPr id="1" name="PlaceHolder 2"/>
-          <p:cNvSpPr>
-            <a:spLocks noGrp="1"/>
-          </p:cNvSpPr>
-          <p:nvPr>
-            <p:ph type="title"/>
-          </p:nvPr>
-        </p:nvSpPr>
-        <p:spPr>
-          <a:xfrm>
-            <a:off x="1915200" y="1788480"/>
-            <a:ext cx="8361000" cy="2097720"/>
-          </a:xfrm>
-          <a:prstGeom prst="rect">
-            <a:avLst/>
-          </a:prstGeom>
-        </p:spPr>
-        <p:txBody>
-          <a:bodyPr anchor="b"/>
-          <a:p>
-            <a:pPr algn="ctr">
-              <a:lnSpc>
-                <a:spcPct val="89000"/>
-              </a:lnSpc>
-            </a:pPr>
-            <a:r>
-              <a:rPr b="0" lang="en-US" sz="7200" spc="-1" strike="noStrike" cap="all">
-                <a:solidFill>
-                  <a:srgbClr val="432a30"/>
-                </a:solidFill>
-                <a:latin typeface="Franklin Gothic Book"/>
-              </a:rPr>
-              <a:t>Образец </a:t>
-            </a:r>
-            <a:r>
-              <a:rPr b="0" lang="en-US" sz="7200" spc="-1" strike="noStrike" cap="all">
-                <a:solidFill>
-                  <a:srgbClr val="432a30"/>
-                </a:solidFill>
-                <a:latin typeface="Franklin Gothic Book"/>
-              </a:rPr>
-              <a:t>заголовка</a:t>
-            </a:r>
-            <a:endParaRPr b="0" lang="en-US" sz="7200" spc="-1" strike="noStrike">
-              <a:solidFill>
-                <a:srgbClr val="000000"/>
-              </a:solidFill>
-              <a:latin typeface="Franklin Gothic Book"/>
-            </a:endParaRPr>
-          </a:p>
-        </p:txBody>
-      </p:sp>
-      <p:sp>
-        <p:nvSpPr>
-          <p:cNvPr id="2" name="PlaceHolder 3"/>
-          <p:cNvSpPr>
-            <a:spLocks noGrp="1"/>
-          </p:cNvSpPr>
-          <p:nvPr>
-            <p:ph type="dt"/>
-          </p:nvPr>
-        </p:nvSpPr>
-        <p:spPr>
-          <a:xfrm>
-            <a:off x="752760" y="6453360"/>
-            <a:ext cx="1607760" cy="404280"/>
-          </a:xfrm>
-          <a:prstGeom prst="rect">
-            <a:avLst/>
-          </a:prstGeom>
-        </p:spPr>
-        <p:txBody>
-          <a:bodyPr anchor="ctr"/>
-          <a:p>
-            <a:pPr>
-              <a:lnSpc>
-                <a:spcPct val="100000"/>
-              </a:lnSpc>
-            </a:pPr>
-            <a:fld id="{CD757572-DC19-4018-AD7E-D19632A343D8}" type="datetime">
-              <a:rPr b="0" lang="ru-RU" sz="1200" spc="-1" strike="noStrike">
-                <a:solidFill>
-                  <a:srgbClr val="432a30"/>
-                </a:solidFill>
-                <a:latin typeface="Franklin Gothic Book"/>
-              </a:rPr>
-              <a:t>11.1.21</a:t>
-            </a:fld>
-            <a:endParaRPr b="0" lang="ru-RU" sz="1200" spc="-1" strike="noStrike">
-              <a:latin typeface="Times New Roman"/>
-            </a:endParaRPr>
-          </a:p>
-        </p:txBody>
-      </p:sp>
-      <p:sp>
-        <p:nvSpPr>
-          <p:cNvPr id="3" name="PlaceHolder 4"/>
-          <p:cNvSpPr>
-            <a:spLocks noGrp="1"/>
-          </p:cNvSpPr>
-          <p:nvPr>
-            <p:ph type="ftr"/>
-          </p:nvPr>
-        </p:nvSpPr>
-        <p:spPr>
-          <a:xfrm>
-            <a:off x="2584080" y="6453360"/>
-            <a:ext cx="7022880" cy="404280"/>
-          </a:xfrm>
-          <a:prstGeom prst="rect">
-            <a:avLst/>
-          </a:prstGeom>
-        </p:spPr>
-        <p:txBody>
-          <a:bodyPr anchor="ctr"/>
-          <a:p>
-            <a:endParaRPr b="0" lang="ru-RU" sz="2400" spc="-1" strike="noStrike">
-              <a:latin typeface="Times New Roman"/>
-            </a:endParaRPr>
-          </a:p>
-        </p:txBody>
-      </p:sp>
-      <p:sp>
-        <p:nvSpPr>
-          <p:cNvPr id="4" name="PlaceHolder 5"/>
-          <p:cNvSpPr>
-            <a:spLocks noGrp="1"/>
-          </p:cNvSpPr>
-          <p:nvPr>
-            <p:ph type="sldNum"/>
-          </p:nvPr>
-        </p:nvSpPr>
-        <p:spPr>
-          <a:xfrm>
-            <a:off x="9830520" y="6453360"/>
-            <a:ext cx="1595880" cy="404280"/>
-          </a:xfrm>
-          <a:prstGeom prst="rect">
-            <a:avLst/>
-          </a:prstGeom>
-        </p:spPr>
-        <p:txBody>
-          <a:bodyPr anchor="ctr"/>
-          <a:p>
-            <a:pPr algn="r">
-              <a:lnSpc>
-                <a:spcPct val="100000"/>
-              </a:lnSpc>
-            </a:pPr>
-            <a:fld id="{0575A56F-3F76-47FF-90EC-67EA8627E449}" type="slidenum">
-              <a:rPr b="0" lang="ru-RU" sz="1200" spc="-1" strike="noStrike">
-                <a:solidFill>
-                  <a:srgbClr val="432a30"/>
-                </a:solidFill>
-                <a:latin typeface="Franklin Gothic Book"/>
-              </a:rPr>
-              <a:t>&lt;номер&gt;</a:t>
-            </a:fld>
-            <a:endParaRPr b="0" lang="ru-RU" sz="1200" spc="-1" strike="noStrike">
-              <a:latin typeface="Times New Roman"/>
-            </a:endParaRPr>
-          </a:p>
-        </p:txBody>
-      </p:sp>
       <p:grpSp>
         <p:nvGrpSpPr>
-          <p:cNvPr id="5" name="Group 6"/>
+          <p:cNvPr id="1" name="Group 2"/>
           <p:cNvGrpSpPr/>
           <p:nvPr/>
         </p:nvGrpSpPr>
         <p:grpSpPr>
           <a:xfrm>
-            <a:off x="752760" y="744120"/>
+            <a:off x="752400" y="743760"/>
             <a:ext cx="10673640" cy="5349600"/>
-            <a:chOff x="752760" y="744120"/>
+            <a:chOff x="752400" y="743760"/>
             <a:chExt cx="10673640" cy="5349600"/>
           </a:xfrm>
         </p:grpSpPr>
         <p:sp>
           <p:nvSpPr>
-            <p:cNvPr id="6" name="CustomShape 7"/>
+            <p:cNvPr id="2" name="CustomShape 3"/>
             <p:cNvSpPr/>
             <p:nvPr/>
           </p:nvSpPr>
           <p:spPr>
             <a:xfrm>
               <a:off x="8151840" y="1685520"/>
-              <a:ext cx="3274560" cy="4408200"/>
+              <a:ext cx="3274200" cy="4407840"/>
             </a:xfrm>
             <a:custGeom>
               <a:avLst/>
@@ -4584,7 +4214,7 @@
             <a:solidFill>
               <a:schemeClr val="tx2"/>
             </a:solidFill>
-            <a:ln>
+            <a:ln w="0">
               <a:noFill/>
             </a:ln>
           </p:spPr>
@@ -4597,14 +4227,14 @@
         </p:sp>
         <p:sp>
           <p:nvSpPr>
-            <p:cNvPr id="7" name="CustomShape 8"/>
+            <p:cNvPr id="3" name="CustomShape 4"/>
             <p:cNvSpPr/>
             <p:nvPr/>
           </p:nvSpPr>
           <p:spPr>
             <a:xfrm flipH="1" flipV="1">
-              <a:off x="752760" y="743760"/>
-              <a:ext cx="3275280" cy="4408200"/>
+              <a:off x="751680" y="743760"/>
+              <a:ext cx="3274920" cy="4407840"/>
             </a:xfrm>
             <a:custGeom>
               <a:avLst/>
@@ -4643,7 +4273,7 @@
             <a:solidFill>
               <a:schemeClr val="tx2"/>
             </a:solidFill>
-            <a:ln>
+            <a:ln w="0">
               <a:noFill/>
             </a:ln>
           </p:spPr>
@@ -4657,7 +4287,43 @@
       </p:grpSp>
       <p:sp>
         <p:nvSpPr>
-          <p:cNvPr id="8" name="PlaceHolder 9"/>
+          <p:cNvPr id="4" name="PlaceHolder 5"/>
+          <p:cNvSpPr>
+            <a:spLocks noGrp="1"/>
+          </p:cNvSpPr>
+          <p:nvPr>
+            <p:ph type="title"/>
+          </p:nvPr>
+        </p:nvSpPr>
+        <p:spPr>
+          <a:xfrm>
+            <a:off x="1915200" y="1788480"/>
+            <a:ext cx="8360640" cy="2097360"/>
+          </a:xfrm>
+          <a:prstGeom prst="rect">
+            <a:avLst/>
+          </a:prstGeom>
+        </p:spPr>
+        <p:txBody>
+          <a:bodyPr lIns="0" rIns="0" tIns="0" bIns="0" anchor="ctr">
+            <a:noAutofit/>
+          </a:bodyPr>
+          <a:p>
+            <a:r>
+              <a:rPr b="0" lang="ru-RU" sz="1800" spc="-1" strike="noStrike">
+                <a:latin typeface="Arial"/>
+              </a:rPr>
+              <a:t>Для правки текста заглавия щёлкните мышью</a:t>
+            </a:r>
+            <a:endParaRPr b="0" lang="ru-RU" sz="1800" spc="-1" strike="noStrike">
+              <a:latin typeface="Arial"/>
+            </a:endParaRPr>
+          </a:p>
+        </p:txBody>
+      </p:sp>
+      <p:sp>
+        <p:nvSpPr>
+          <p:cNvPr id="5" name="PlaceHolder 6"/>
           <p:cNvSpPr>
             <a:spLocks noGrp="1"/>
           </p:cNvSpPr>
@@ -4691,19 +4357,13 @@
               <a:buChar char=""/>
             </a:pPr>
             <a:r>
-              <a:rPr b="0" lang="en-US" sz="2000" spc="-1" strike="noStrike">
-                <a:solidFill>
-                  <a:srgbClr val="432a30"/>
-                </a:solidFill>
-                <a:latin typeface="Franklin Gothic Book"/>
+              <a:rPr b="0" lang="ru-RU" sz="3200" spc="-1" strike="noStrike">
+                <a:latin typeface="Arial"/>
               </a:rPr>
               <a:t>Для правки структуры щёлкните мышью</a:t>
             </a:r>
-            <a:endParaRPr b="0" lang="en-US" sz="2000" spc="-1" strike="noStrike">
-              <a:solidFill>
-                <a:srgbClr val="432a30"/>
-              </a:solidFill>
-              <a:latin typeface="Franklin Gothic Book"/>
+            <a:endParaRPr b="0" lang="ru-RU" sz="3200" spc="-1" strike="noStrike">
+              <a:latin typeface="Arial"/>
             </a:endParaRPr>
           </a:p>
           <a:p>
@@ -4719,19 +4379,13 @@
               <a:buChar char=""/>
             </a:pPr>
             <a:r>
-              <a:rPr b="0" lang="en-US" sz="1800" spc="-1" strike="noStrike">
-                <a:solidFill>
-                  <a:srgbClr val="432a30"/>
-                </a:solidFill>
-                <a:latin typeface="Franklin Gothic Book"/>
+              <a:rPr b="0" lang="ru-RU" sz="2800" spc="-1" strike="noStrike">
+                <a:latin typeface="Arial"/>
               </a:rPr>
               <a:t>Второй уровень структуры</a:t>
             </a:r>
-            <a:endParaRPr b="0" lang="en-US" sz="1800" spc="-1" strike="noStrike">
-              <a:solidFill>
-                <a:srgbClr val="432a30"/>
-              </a:solidFill>
-              <a:latin typeface="Franklin Gothic Book"/>
+            <a:endParaRPr b="0" lang="ru-RU" sz="2800" spc="-1" strike="noStrike">
+              <a:latin typeface="Arial"/>
             </a:endParaRPr>
           </a:p>
           <a:p>
@@ -4747,19 +4401,13 @@
               <a:buChar char=""/>
             </a:pPr>
             <a:r>
-              <a:rPr b="0" i="1" lang="en-US" sz="1800" spc="-1" strike="noStrike">
-                <a:solidFill>
-                  <a:srgbClr val="432a30"/>
-                </a:solidFill>
-                <a:latin typeface="Franklin Gothic Book"/>
+              <a:rPr b="0" lang="ru-RU" sz="2400" spc="-1" strike="noStrike">
+                <a:latin typeface="Arial"/>
               </a:rPr>
               <a:t>Третий уровень структуры</a:t>
             </a:r>
-            <a:endParaRPr b="0" i="1" lang="en-US" sz="1800" spc="-1" strike="noStrike">
-              <a:solidFill>
-                <a:srgbClr val="432a30"/>
-              </a:solidFill>
-              <a:latin typeface="Franklin Gothic Book"/>
+            <a:endParaRPr b="0" lang="ru-RU" sz="2400" spc="-1" strike="noStrike">
+              <a:latin typeface="Arial"/>
             </a:endParaRPr>
           </a:p>
           <a:p>
@@ -4775,19 +4423,13 @@
               <a:buChar char=""/>
             </a:pPr>
             <a:r>
-              <a:rPr b="0" lang="en-US" sz="1600" spc="-1" strike="noStrike">
-                <a:solidFill>
-                  <a:srgbClr val="432a30"/>
-                </a:solidFill>
-                <a:latin typeface="Franklin Gothic Book"/>
+              <a:rPr b="0" lang="ru-RU" sz="2000" spc="-1" strike="noStrike">
+                <a:latin typeface="Arial"/>
               </a:rPr>
               <a:t>Четвёртый уровень структуры</a:t>
             </a:r>
-            <a:endParaRPr b="0" lang="en-US" sz="1600" spc="-1" strike="noStrike">
-              <a:solidFill>
-                <a:srgbClr val="432a30"/>
-              </a:solidFill>
-              <a:latin typeface="Franklin Gothic Book"/>
+            <a:endParaRPr b="0" lang="ru-RU" sz="2000" spc="-1" strike="noStrike">
+              <a:latin typeface="Arial"/>
             </a:endParaRPr>
           </a:p>
           <a:p>
@@ -4803,19 +4445,13 @@
               <a:buChar char=""/>
             </a:pPr>
             <a:r>
-              <a:rPr b="0" lang="en-US" sz="2000" spc="-1" strike="noStrike">
-                <a:solidFill>
-                  <a:srgbClr val="432a30"/>
-                </a:solidFill>
-                <a:latin typeface="Franklin Gothic Book"/>
+              <a:rPr b="0" lang="ru-RU" sz="2000" spc="-1" strike="noStrike">
+                <a:latin typeface="Arial"/>
               </a:rPr>
               <a:t>Пятый уровень структуры</a:t>
             </a:r>
-            <a:endParaRPr b="0" lang="en-US" sz="2000" spc="-1" strike="noStrike">
-              <a:solidFill>
-                <a:srgbClr val="432a30"/>
-              </a:solidFill>
-              <a:latin typeface="Franklin Gothic Book"/>
+            <a:endParaRPr b="0" lang="ru-RU" sz="2000" spc="-1" strike="noStrike">
+              <a:latin typeface="Arial"/>
             </a:endParaRPr>
           </a:p>
           <a:p>
@@ -4831,19 +4467,13 @@
               <a:buChar char=""/>
             </a:pPr>
             <a:r>
-              <a:rPr b="0" lang="en-US" sz="2000" spc="-1" strike="noStrike">
-                <a:solidFill>
-                  <a:srgbClr val="432a30"/>
-                </a:solidFill>
-                <a:latin typeface="Franklin Gothic Book"/>
+              <a:rPr b="0" lang="ru-RU" sz="2000" spc="-1" strike="noStrike">
+                <a:latin typeface="Arial"/>
               </a:rPr>
               <a:t>Шестой уровень структуры</a:t>
             </a:r>
-            <a:endParaRPr b="0" lang="en-US" sz="2000" spc="-1" strike="noStrike">
-              <a:solidFill>
-                <a:srgbClr val="432a30"/>
-              </a:solidFill>
-              <a:latin typeface="Franklin Gothic Book"/>
+            <a:endParaRPr b="0" lang="ru-RU" sz="2000" spc="-1" strike="noStrike">
+              <a:latin typeface="Arial"/>
             </a:endParaRPr>
           </a:p>
           <a:p>
@@ -4859,19 +4489,13 @@
               <a:buChar char=""/>
             </a:pPr>
             <a:r>
-              <a:rPr b="0" lang="en-US" sz="2000" spc="-1" strike="noStrike">
-                <a:solidFill>
-                  <a:srgbClr val="432a30"/>
-                </a:solidFill>
-                <a:latin typeface="Franklin Gothic Book"/>
+              <a:rPr b="0" lang="ru-RU" sz="2000" spc="-1" strike="noStrike">
+                <a:latin typeface="Arial"/>
               </a:rPr>
               <a:t>Седьмой уровень структуры</a:t>
             </a:r>
-            <a:endParaRPr b="0" lang="en-US" sz="2000" spc="-1" strike="noStrike">
-              <a:solidFill>
-                <a:srgbClr val="432a30"/>
-              </a:solidFill>
-              <a:latin typeface="Franklin Gothic Book"/>
+            <a:endParaRPr b="0" lang="ru-RU" sz="2000" spc="-1" strike="noStrike">
+              <a:latin typeface="Arial"/>
             </a:endParaRPr>
           </a:p>
         </p:txBody>
@@ -4922,14 +4546,14 @@
       </p:grpSpPr>
       <p:sp>
         <p:nvSpPr>
-          <p:cNvPr id="45" name="CustomShape 1" hidden="1"/>
+          <p:cNvPr id="42" name="CustomShape 1" hidden="1"/>
           <p:cNvSpPr/>
           <p:nvPr/>
         </p:nvSpPr>
         <p:spPr>
           <a:xfrm>
             <a:off x="478080" y="360"/>
-            <a:ext cx="228240" cy="6857640"/>
+            <a:ext cx="227880" cy="6857280"/>
           </a:xfrm>
           <a:prstGeom prst="rect">
             <a:avLst/>
@@ -4958,14 +4582,14 @@
       </p:sp>
       <p:sp>
         <p:nvSpPr>
-          <p:cNvPr id="46" name="CustomShape 2"/>
+          <p:cNvPr id="43" name="CustomShape 2"/>
           <p:cNvSpPr/>
           <p:nvPr/>
         </p:nvSpPr>
         <p:spPr>
           <a:xfrm>
             <a:off x="0" y="360"/>
-            <a:ext cx="5303160" cy="6857280"/>
+            <a:ext cx="5302800" cy="6856920"/>
           </a:xfrm>
           <a:prstGeom prst="rect">
             <a:avLst/>
@@ -4994,407 +4618,14 @@
       </p:sp>
       <p:sp>
         <p:nvSpPr>
-          <p:cNvPr id="47" name="PlaceHolder 3"/>
-          <p:cNvSpPr>
-            <a:spLocks noGrp="1"/>
-          </p:cNvSpPr>
-          <p:nvPr>
-            <p:ph type="title"/>
-          </p:nvPr>
-        </p:nvSpPr>
-        <p:spPr>
-          <a:xfrm>
-            <a:off x="723960" y="685800"/>
-            <a:ext cx="3855240" cy="2157480"/>
-          </a:xfrm>
-          <a:prstGeom prst="rect">
-            <a:avLst/>
-          </a:prstGeom>
-        </p:spPr>
-        <p:txBody>
-          <a:bodyPr/>
-          <a:p>
-            <a:pPr>
-              <a:lnSpc>
-                <a:spcPct val="84000"/>
-              </a:lnSpc>
-            </a:pPr>
-            <a:r>
-              <a:rPr b="0" lang="en-US" sz="4800" spc="-1" strike="noStrike">
-                <a:solidFill>
-                  <a:srgbClr val="432a30"/>
-                </a:solidFill>
-                <a:latin typeface="Franklin Gothic Book"/>
-              </a:rPr>
-              <a:t>Образец заголовка</a:t>
-            </a:r>
-            <a:endParaRPr b="0" lang="en-US" sz="4800" spc="-1" strike="noStrike">
-              <a:solidFill>
-                <a:srgbClr val="000000"/>
-              </a:solidFill>
-              <a:latin typeface="Franklin Gothic Book"/>
-            </a:endParaRPr>
-          </a:p>
-        </p:txBody>
-      </p:sp>
-      <p:sp>
-        <p:nvSpPr>
-          <p:cNvPr id="48" name="PlaceHolder 4"/>
-          <p:cNvSpPr>
-            <a:spLocks noGrp="1"/>
-          </p:cNvSpPr>
-          <p:nvPr>
-            <p:ph type="body"/>
-          </p:nvPr>
-        </p:nvSpPr>
-        <p:spPr>
-          <a:xfrm>
-            <a:off x="6256080" y="685800"/>
-            <a:ext cx="5211720" cy="5175000"/>
-          </a:xfrm>
-          <a:prstGeom prst="rect">
-            <a:avLst/>
-          </a:prstGeom>
-        </p:spPr>
-        <p:txBody>
-          <a:bodyPr/>
-          <a:p>
-            <a:pPr marL="384120" indent="-383760">
-              <a:lnSpc>
-                <a:spcPct val="94000"/>
-              </a:lnSpc>
-              <a:spcBef>
-                <a:spcPts val="1001"/>
-              </a:spcBef>
-              <a:spcAft>
-                <a:spcPts val="201"/>
-              </a:spcAft>
-              <a:buClr>
-                <a:srgbClr val="432a30"/>
-              </a:buClr>
-              <a:buFont typeface="Franklin Gothic Book"/>
-              <a:buChar char="■"/>
-            </a:pPr>
-            <a:r>
-              <a:rPr b="0" lang="en-US" sz="2000" spc="-1" strike="noStrike">
-                <a:solidFill>
-                  <a:srgbClr val="432a30"/>
-                </a:solidFill>
-                <a:latin typeface="Franklin Gothic Book"/>
-              </a:rPr>
-              <a:t>Образец текста</a:t>
-            </a:r>
-            <a:endParaRPr b="0" lang="en-US" sz="2000" spc="-1" strike="noStrike">
-              <a:solidFill>
-                <a:srgbClr val="432a30"/>
-              </a:solidFill>
-              <a:latin typeface="Franklin Gothic Book"/>
-            </a:endParaRPr>
-          </a:p>
-          <a:p>
-            <a:pPr lvl="1" marL="914400" indent="-383760">
-              <a:lnSpc>
-                <a:spcPct val="94000"/>
-              </a:lnSpc>
-              <a:spcBef>
-                <a:spcPts val="499"/>
-              </a:spcBef>
-              <a:spcAft>
-                <a:spcPts val="201"/>
-              </a:spcAft>
-              <a:buClr>
-                <a:srgbClr val="432a30"/>
-              </a:buClr>
-              <a:buFont typeface="Franklin Gothic Book"/>
-              <a:buChar char="–"/>
-            </a:pPr>
-            <a:r>
-              <a:rPr b="0" i="1" lang="en-US" sz="2000" spc="-1" strike="noStrike">
-                <a:solidFill>
-                  <a:srgbClr val="432a30"/>
-                </a:solidFill>
-                <a:latin typeface="Franklin Gothic Book"/>
-              </a:rPr>
-              <a:t>Второй уровень</a:t>
-            </a:r>
-            <a:endParaRPr b="0" lang="en-US" sz="2000" spc="-1" strike="noStrike">
-              <a:solidFill>
-                <a:srgbClr val="432a30"/>
-              </a:solidFill>
-              <a:latin typeface="Franklin Gothic Book"/>
-            </a:endParaRPr>
-          </a:p>
-          <a:p>
-            <a:pPr lvl="2" marL="1371600" indent="-383760">
-              <a:lnSpc>
-                <a:spcPct val="94000"/>
-              </a:lnSpc>
-              <a:spcBef>
-                <a:spcPts val="499"/>
-              </a:spcBef>
-              <a:spcAft>
-                <a:spcPts val="201"/>
-              </a:spcAft>
-              <a:buClr>
-                <a:srgbClr val="432a30"/>
-              </a:buClr>
-              <a:buFont typeface="Franklin Gothic Book"/>
-              <a:buChar char="■"/>
-            </a:pPr>
-            <a:r>
-              <a:rPr b="0" lang="en-US" sz="1800" spc="-1" strike="noStrike">
-                <a:solidFill>
-                  <a:srgbClr val="432a30"/>
-                </a:solidFill>
-                <a:latin typeface="Franklin Gothic Book"/>
-              </a:rPr>
-              <a:t>Третий уровень</a:t>
-            </a:r>
-            <a:endParaRPr b="0" i="1" lang="en-US" sz="1800" spc="-1" strike="noStrike">
-              <a:solidFill>
-                <a:srgbClr val="432a30"/>
-              </a:solidFill>
-              <a:latin typeface="Franklin Gothic Book"/>
-            </a:endParaRPr>
-          </a:p>
-          <a:p>
-            <a:pPr lvl="3" marL="1828800" indent="-383760">
-              <a:lnSpc>
-                <a:spcPct val="94000"/>
-              </a:lnSpc>
-              <a:spcBef>
-                <a:spcPts val="499"/>
-              </a:spcBef>
-              <a:spcAft>
-                <a:spcPts val="201"/>
-              </a:spcAft>
-              <a:buClr>
-                <a:srgbClr val="432a30"/>
-              </a:buClr>
-              <a:buFont typeface="Franklin Gothic Book"/>
-              <a:buChar char="–"/>
-            </a:pPr>
-            <a:r>
-              <a:rPr b="0" i="1" lang="en-US" sz="1800" spc="-1" strike="noStrike">
-                <a:solidFill>
-                  <a:srgbClr val="432a30"/>
-                </a:solidFill>
-                <a:latin typeface="Franklin Gothic Book"/>
-              </a:rPr>
-              <a:t>Четвертый уровень</a:t>
-            </a:r>
-            <a:endParaRPr b="0" lang="en-US" sz="1800" spc="-1" strike="noStrike">
-              <a:solidFill>
-                <a:srgbClr val="432a30"/>
-              </a:solidFill>
-              <a:latin typeface="Franklin Gothic Book"/>
-            </a:endParaRPr>
-          </a:p>
-          <a:p>
-            <a:pPr lvl="4" marL="2286000" indent="-383760">
-              <a:lnSpc>
-                <a:spcPct val="94000"/>
-              </a:lnSpc>
-              <a:spcBef>
-                <a:spcPts val="499"/>
-              </a:spcBef>
-              <a:spcAft>
-                <a:spcPts val="201"/>
-              </a:spcAft>
-              <a:buClr>
-                <a:srgbClr val="432a30"/>
-              </a:buClr>
-              <a:buFont typeface="Franklin Gothic Book"/>
-              <a:buChar char="■"/>
-            </a:pPr>
-            <a:r>
-              <a:rPr b="0" lang="en-US" sz="1600" spc="-1" strike="noStrike">
-                <a:solidFill>
-                  <a:srgbClr val="432a30"/>
-                </a:solidFill>
-                <a:latin typeface="Franklin Gothic Book"/>
-              </a:rPr>
-              <a:t>Пятый уровень</a:t>
-            </a:r>
-            <a:endParaRPr b="0" lang="en-US" sz="1600" spc="-1" strike="noStrike">
-              <a:solidFill>
-                <a:srgbClr val="432a30"/>
-              </a:solidFill>
-              <a:latin typeface="Franklin Gothic Book"/>
-            </a:endParaRPr>
-          </a:p>
-        </p:txBody>
-      </p:sp>
-      <p:sp>
-        <p:nvSpPr>
-          <p:cNvPr id="49" name="PlaceHolder 5"/>
-          <p:cNvSpPr>
-            <a:spLocks noGrp="1"/>
-          </p:cNvSpPr>
-          <p:nvPr>
-            <p:ph type="body"/>
-          </p:nvPr>
-        </p:nvSpPr>
-        <p:spPr>
-          <a:xfrm>
-            <a:off x="723960" y="2856240"/>
-            <a:ext cx="3855240" cy="3010680"/>
-          </a:xfrm>
-          <a:prstGeom prst="rect">
-            <a:avLst/>
-          </a:prstGeom>
-        </p:spPr>
-        <p:txBody>
-          <a:bodyPr/>
-          <a:p>
-            <a:pPr>
-              <a:lnSpc>
-                <a:spcPct val="113000"/>
-              </a:lnSpc>
-              <a:spcAft>
-                <a:spcPts val="1500"/>
-              </a:spcAft>
-            </a:pPr>
-            <a:r>
-              <a:rPr b="0" lang="en-US" sz="1600" spc="-1" strike="noStrike">
-                <a:solidFill>
-                  <a:srgbClr val="432a30"/>
-                </a:solidFill>
-                <a:latin typeface="Franklin Gothic Book"/>
-              </a:rPr>
-              <a:t>Образец текста</a:t>
-            </a:r>
-            <a:endParaRPr b="0" lang="en-US" sz="1600" spc="-1" strike="noStrike">
-              <a:solidFill>
-                <a:srgbClr val="432a30"/>
-              </a:solidFill>
-              <a:latin typeface="Franklin Gothic Book"/>
-            </a:endParaRPr>
-          </a:p>
-        </p:txBody>
-      </p:sp>
-      <p:sp>
-        <p:nvSpPr>
-          <p:cNvPr id="50" name="PlaceHolder 6"/>
-          <p:cNvSpPr>
-            <a:spLocks noGrp="1"/>
-          </p:cNvSpPr>
-          <p:nvPr>
-            <p:ph type="dt"/>
-          </p:nvPr>
-        </p:nvSpPr>
-        <p:spPr>
-          <a:xfrm>
-            <a:off x="723960" y="6453360"/>
-            <a:ext cx="1204200" cy="404280"/>
-          </a:xfrm>
-          <a:prstGeom prst="rect">
-            <a:avLst/>
-          </a:prstGeom>
-        </p:spPr>
-        <p:txBody>
-          <a:bodyPr anchor="ctr"/>
-          <a:p>
-            <a:pPr>
-              <a:lnSpc>
-                <a:spcPct val="100000"/>
-              </a:lnSpc>
-            </a:pPr>
-            <a:fld id="{48FF3A5D-CD97-4A09-B1EB-9406D0E4F0DD}" type="datetime">
-              <a:rPr b="0" lang="ru-RU" sz="1200" spc="-1" strike="noStrike">
-                <a:solidFill>
-                  <a:srgbClr val="432a30"/>
-                </a:solidFill>
-                <a:latin typeface="Franklin Gothic Book"/>
-              </a:rPr>
-              <a:t>11.1.21</a:t>
-            </a:fld>
-            <a:endParaRPr b="0" lang="ru-RU" sz="1200" spc="-1" strike="noStrike">
-              <a:latin typeface="Times New Roman"/>
-            </a:endParaRPr>
-          </a:p>
-        </p:txBody>
-      </p:sp>
-      <p:sp>
-        <p:nvSpPr>
-          <p:cNvPr id="51" name="PlaceHolder 7"/>
-          <p:cNvSpPr>
-            <a:spLocks noGrp="1"/>
-          </p:cNvSpPr>
-          <p:nvPr>
-            <p:ph type="ftr"/>
-          </p:nvPr>
-        </p:nvSpPr>
-        <p:spPr>
-          <a:xfrm>
-            <a:off x="2206080" y="6453360"/>
-            <a:ext cx="2373480" cy="404280"/>
-          </a:xfrm>
-          <a:prstGeom prst="rect">
-            <a:avLst/>
-          </a:prstGeom>
-        </p:spPr>
-        <p:txBody>
-          <a:bodyPr anchor="ctr"/>
-          <a:p>
-            <a:endParaRPr b="0" lang="ru-RU" sz="2400" spc="-1" strike="noStrike">
-              <a:latin typeface="Times New Roman"/>
-            </a:endParaRPr>
-          </a:p>
-        </p:txBody>
-      </p:sp>
-      <p:sp>
-        <p:nvSpPr>
-          <p:cNvPr id="52" name="PlaceHolder 8"/>
-          <p:cNvSpPr>
-            <a:spLocks noGrp="1"/>
-          </p:cNvSpPr>
-          <p:nvPr>
-            <p:ph type="sldNum"/>
-          </p:nvPr>
-        </p:nvSpPr>
-        <p:spPr>
-          <a:xfrm>
-            <a:off x="9883080" y="6453360"/>
-            <a:ext cx="1595880" cy="404280"/>
-          </a:xfrm>
-          <a:prstGeom prst="rect">
-            <a:avLst/>
-          </a:prstGeom>
-        </p:spPr>
-        <p:txBody>
-          <a:bodyPr anchor="ctr"/>
-          <a:p>
-            <a:pPr algn="r">
-              <a:lnSpc>
-                <a:spcPct val="100000"/>
-              </a:lnSpc>
-            </a:pPr>
-            <a:fld id="{85A689B3-520E-4A92-8CC0-B741403B965C}" type="slidenum">
-              <a:rPr b="0" lang="ru-RU" sz="1200" spc="-1" strike="noStrike">
-                <a:solidFill>
-                  <a:srgbClr val="432a30"/>
-                </a:solidFill>
-                <a:latin typeface="Franklin Gothic Book"/>
-              </a:rPr>
-              <a:t>&lt;номер&gt;</a:t>
-            </a:fld>
-            <a:endParaRPr b="0" lang="ru-RU" sz="1200" spc="-1" strike="noStrike">
-              <a:latin typeface="Times New Roman"/>
-            </a:endParaRPr>
-          </a:p>
-        </p:txBody>
-      </p:sp>
-      <p:sp>
-        <p:nvSpPr>
-          <p:cNvPr id="53" name="CustomShape 9"/>
+          <p:cNvPr id="44" name="CustomShape 3"/>
           <p:cNvSpPr/>
           <p:nvPr/>
         </p:nvSpPr>
         <p:spPr>
           <a:xfrm>
             <a:off x="5303520" y="360"/>
-            <a:ext cx="228240" cy="6857640"/>
+            <a:ext cx="227880" cy="6857280"/>
           </a:xfrm>
           <a:prstGeom prst="rect">
             <a:avLst/>
@@ -5420,6 +4651,222 @@
           </a:effectRef>
           <a:fontRef idx="minor"/>
         </p:style>
+      </p:sp>
+      <p:sp>
+        <p:nvSpPr>
+          <p:cNvPr id="45" name="PlaceHolder 4"/>
+          <p:cNvSpPr>
+            <a:spLocks noGrp="1"/>
+          </p:cNvSpPr>
+          <p:nvPr>
+            <p:ph type="title"/>
+          </p:nvPr>
+        </p:nvSpPr>
+        <p:spPr>
+          <a:xfrm>
+            <a:off x="609480" y="273600"/>
+            <a:ext cx="10972440" cy="1144800"/>
+          </a:xfrm>
+          <a:prstGeom prst="rect">
+            <a:avLst/>
+          </a:prstGeom>
+        </p:spPr>
+        <p:txBody>
+          <a:bodyPr lIns="0" rIns="0" tIns="0" bIns="0" anchor="ctr">
+            <a:noAutofit/>
+          </a:bodyPr>
+          <a:p>
+            <a:pPr algn="ctr"/>
+            <a:r>
+              <a:rPr b="0" lang="ru-RU" sz="4400" spc="-1" strike="noStrike">
+                <a:latin typeface="Arial"/>
+              </a:rPr>
+              <a:t>Для правки текста заглавия щёлкните мышью</a:t>
+            </a:r>
+            <a:endParaRPr b="0" lang="ru-RU" sz="4400" spc="-1" strike="noStrike">
+              <a:latin typeface="Arial"/>
+            </a:endParaRPr>
+          </a:p>
+        </p:txBody>
+      </p:sp>
+      <p:sp>
+        <p:nvSpPr>
+          <p:cNvPr id="46" name="PlaceHolder 5"/>
+          <p:cNvSpPr>
+            <a:spLocks noGrp="1"/>
+          </p:cNvSpPr>
+          <p:nvPr>
+            <p:ph type="body"/>
+          </p:nvPr>
+        </p:nvSpPr>
+        <p:spPr>
+          <a:xfrm>
+            <a:off x="609480" y="1604520"/>
+            <a:ext cx="10972440" cy="3977280"/>
+          </a:xfrm>
+          <a:prstGeom prst="rect">
+            <a:avLst/>
+          </a:prstGeom>
+        </p:spPr>
+        <p:txBody>
+          <a:bodyPr lIns="0" rIns="0" tIns="0" bIns="0">
+            <a:normAutofit/>
+          </a:bodyPr>
+          <a:p>
+            <a:pPr marL="432000" indent="-324000">
+              <a:spcBef>
+                <a:spcPts val="1417"/>
+              </a:spcBef>
+              <a:buClr>
+                <a:srgbClr val="000000"/>
+              </a:buClr>
+              <a:buSzPct val="45000"/>
+              <a:buFont typeface="Wingdings" charset="2"/>
+              <a:buChar char=""/>
+            </a:pPr>
+            <a:r>
+              <a:rPr b="0" lang="ru-RU" sz="3200" spc="-1" strike="noStrike">
+                <a:latin typeface="Arial"/>
+              </a:rPr>
+              <a:t>Для правки структуры щёлкните мышью</a:t>
+            </a:r>
+            <a:endParaRPr b="0" lang="ru-RU" sz="3200" spc="-1" strike="noStrike">
+              <a:latin typeface="Arial"/>
+            </a:endParaRPr>
+          </a:p>
+          <a:p>
+            <a:pPr lvl="1" marL="864000" indent="-324000">
+              <a:spcBef>
+                <a:spcPts val="1134"/>
+              </a:spcBef>
+              <a:buClr>
+                <a:srgbClr val="000000"/>
+              </a:buClr>
+              <a:buSzPct val="75000"/>
+              <a:buFont typeface="Symbol" charset="2"/>
+              <a:buChar char=""/>
+            </a:pPr>
+            <a:r>
+              <a:rPr b="0" lang="ru-RU" sz="2800" spc="-1" strike="noStrike">
+                <a:latin typeface="Arial"/>
+              </a:rPr>
+              <a:t>Второй уровень структуры</a:t>
+            </a:r>
+            <a:endParaRPr b="0" lang="ru-RU" sz="2800" spc="-1" strike="noStrike">
+              <a:latin typeface="Arial"/>
+            </a:endParaRPr>
+          </a:p>
+          <a:p>
+            <a:pPr lvl="2" marL="1296000" indent="-288000">
+              <a:spcBef>
+                <a:spcPts val="850"/>
+              </a:spcBef>
+              <a:buClr>
+                <a:srgbClr val="000000"/>
+              </a:buClr>
+              <a:buSzPct val="45000"/>
+              <a:buFont typeface="Wingdings" charset="2"/>
+              <a:buChar char=""/>
+            </a:pPr>
+            <a:r>
+              <a:rPr b="0" lang="ru-RU" sz="2400" spc="-1" strike="noStrike">
+                <a:latin typeface="Arial"/>
+              </a:rPr>
+              <a:t>Третий уровень структуры</a:t>
+            </a:r>
+            <a:endParaRPr b="0" lang="ru-RU" sz="2400" spc="-1" strike="noStrike">
+              <a:latin typeface="Arial"/>
+            </a:endParaRPr>
+          </a:p>
+          <a:p>
+            <a:pPr lvl="3" marL="1728000" indent="-216000">
+              <a:spcBef>
+                <a:spcPts val="567"/>
+              </a:spcBef>
+              <a:buClr>
+                <a:srgbClr val="000000"/>
+              </a:buClr>
+              <a:buSzPct val="75000"/>
+              <a:buFont typeface="Symbol" charset="2"/>
+              <a:buChar char=""/>
+            </a:pPr>
+            <a:r>
+              <a:rPr b="0" lang="ru-RU" sz="2000" spc="-1" strike="noStrike">
+                <a:latin typeface="Arial"/>
+              </a:rPr>
+              <a:t>Четвёртый уровень структуры</a:t>
+            </a:r>
+            <a:endParaRPr b="0" lang="ru-RU" sz="2000" spc="-1" strike="noStrike">
+              <a:latin typeface="Arial"/>
+            </a:endParaRPr>
+          </a:p>
+          <a:p>
+            <a:pPr lvl="4" marL="2160000" indent="-216000">
+              <a:spcBef>
+                <a:spcPts val="283"/>
+              </a:spcBef>
+              <a:buClr>
+                <a:srgbClr val="000000"/>
+              </a:buClr>
+              <a:buSzPct val="45000"/>
+              <a:buFont typeface="Wingdings" charset="2"/>
+              <a:buChar char=""/>
+            </a:pPr>
+            <a:r>
+              <a:rPr b="0" lang="ru-RU" sz="2000" spc="-1" strike="noStrike">
+                <a:latin typeface="Arial"/>
+              </a:rPr>
+              <a:t>Пятый уровень структуры</a:t>
+            </a:r>
+            <a:endParaRPr b="0" lang="ru-RU" sz="2000" spc="-1" strike="noStrike">
+              <a:latin typeface="Arial"/>
+            </a:endParaRPr>
+          </a:p>
+          <a:p>
+            <a:pPr lvl="5" marL="2592000" indent="-216000">
+              <a:spcBef>
+                <a:spcPts val="283"/>
+              </a:spcBef>
+              <a:buClr>
+                <a:srgbClr val="000000"/>
+              </a:buClr>
+              <a:buSzPct val="45000"/>
+              <a:buFont typeface="Wingdings" charset="2"/>
+              <a:buChar char=""/>
+            </a:pPr>
+            <a:r>
+              <a:rPr b="0" lang="ru-RU" sz="2000" spc="-1" strike="noStrike">
+                <a:latin typeface="Arial"/>
+              </a:rPr>
+              <a:t>Шестой уровень структуры</a:t>
+            </a:r>
+            <a:endParaRPr b="0" lang="ru-RU" sz="2000" spc="-1" strike="noStrike">
+              <a:latin typeface="Arial"/>
+            </a:endParaRPr>
+          </a:p>
+          <a:p>
+            <a:pPr lvl="6" marL="3024000" indent="-216000">
+              <a:spcBef>
+                <a:spcPts val="283"/>
+              </a:spcBef>
+              <a:buClr>
+                <a:srgbClr val="000000"/>
+              </a:buClr>
+              <a:buSzPct val="45000"/>
+              <a:buFont typeface="Wingdings" charset="2"/>
+              <a:buChar char=""/>
+            </a:pPr>
+            <a:r>
+              <a:rPr b="0" lang="ru-RU" sz="2000" spc="-1" strike="noStrike">
+                <a:latin typeface="Arial"/>
+              </a:rPr>
+              <a:t>Седьмой уровень структуры</a:t>
+            </a:r>
+            <a:endParaRPr b="0" lang="ru-RU" sz="2000" spc="-1" strike="noStrike">
+              <a:latin typeface="Arial"/>
+            </a:endParaRPr>
+          </a:p>
+        </p:txBody>
       </p:sp>
     </p:spTree>
   </p:cSld>
@@ -5467,14 +4914,14 @@
       </p:grpSpPr>
       <p:sp>
         <p:nvSpPr>
-          <p:cNvPr id="90" name="CustomShape 1"/>
+          <p:cNvPr id="83" name="CustomShape 1"/>
           <p:cNvSpPr/>
           <p:nvPr/>
         </p:nvSpPr>
         <p:spPr>
           <a:xfrm>
             <a:off x="478080" y="360"/>
-            <a:ext cx="228240" cy="6857640"/>
+            <a:ext cx="227880" cy="6857280"/>
           </a:xfrm>
           <a:prstGeom prst="rect">
             <a:avLst/>
@@ -5503,7 +4950,7 @@
       </p:sp>
       <p:sp>
         <p:nvSpPr>
-          <p:cNvPr id="91" name="PlaceHolder 2"/>
+          <p:cNvPr id="84" name="PlaceHolder 2"/>
           <p:cNvSpPr>
             <a:spLocks noGrp="1"/>
           </p:cNvSpPr>
@@ -5513,335 +4960,206 @@
         </p:nvSpPr>
         <p:spPr>
           <a:xfrm>
-            <a:off x="1371600" y="685800"/>
-            <a:ext cx="9600840" cy="1485720"/>
-          </a:xfrm>
-          <a:prstGeom prst="rect">
-            <a:avLst/>
-          </a:prstGeom>
-        </p:spPr>
-        <p:txBody>
-          <a:bodyPr/>
-          <a:p>
-            <a:pPr>
-              <a:lnSpc>
-                <a:spcPct val="89000"/>
-              </a:lnSpc>
+            <a:off x="609480" y="273600"/>
+            <a:ext cx="10972440" cy="1144800"/>
+          </a:xfrm>
+          <a:prstGeom prst="rect">
+            <a:avLst/>
+          </a:prstGeom>
+        </p:spPr>
+        <p:txBody>
+          <a:bodyPr lIns="0" rIns="0" tIns="0" bIns="0" anchor="ctr">
+            <a:noAutofit/>
+          </a:bodyPr>
+          <a:p>
+            <a:pPr algn="ctr"/>
+            <a:r>
+              <a:rPr b="0" lang="ru-RU" sz="4400" spc="-1" strike="noStrike">
+                <a:latin typeface="Arial"/>
+              </a:rPr>
+              <a:t>Для правки текста заглавия щёлкните мышью</a:t>
+            </a:r>
+            <a:endParaRPr b="0" lang="ru-RU" sz="4400" spc="-1" strike="noStrike">
+              <a:latin typeface="Arial"/>
+            </a:endParaRPr>
+          </a:p>
+        </p:txBody>
+      </p:sp>
+      <p:sp>
+        <p:nvSpPr>
+          <p:cNvPr id="85" name="PlaceHolder 3"/>
+          <p:cNvSpPr>
+            <a:spLocks noGrp="1"/>
+          </p:cNvSpPr>
+          <p:nvPr>
+            <p:ph type="body"/>
+          </p:nvPr>
+        </p:nvSpPr>
+        <p:spPr>
+          <a:xfrm>
+            <a:off x="609480" y="1604520"/>
+            <a:ext cx="10972440" cy="3977280"/>
+          </a:xfrm>
+          <a:prstGeom prst="rect">
+            <a:avLst/>
+          </a:prstGeom>
+        </p:spPr>
+        <p:txBody>
+          <a:bodyPr lIns="0" rIns="0" tIns="0" bIns="0">
+            <a:normAutofit/>
+          </a:bodyPr>
+          <a:p>
+            <a:pPr marL="432000" indent="-324000">
+              <a:spcBef>
+                <a:spcPts val="1417"/>
+              </a:spcBef>
+              <a:buClr>
+                <a:srgbClr val="000000"/>
+              </a:buClr>
+              <a:buSzPct val="45000"/>
+              <a:buFont typeface="Wingdings" charset="2"/>
+              <a:buChar char=""/>
             </a:pPr>
             <a:r>
-              <a:rPr b="0" lang="en-US" sz="4400" spc="-1" strike="noStrike">
-                <a:solidFill>
-                  <a:srgbClr val="432a30"/>
-                </a:solidFill>
-                <a:latin typeface="Franklin Gothic Book"/>
+              <a:rPr b="0" lang="ru-RU" sz="3200" spc="-1" strike="noStrike">
+                <a:latin typeface="Arial"/>
               </a:rPr>
-              <a:t>Образец заголовка</a:t>
+              <a:t>Для правки структуры щёлкните мышью</a:t>
             </a:r>
-            <a:endParaRPr b="0" lang="en-US" sz="4400" spc="-1" strike="noStrike">
-              <a:solidFill>
+            <a:endParaRPr b="0" lang="ru-RU" sz="3200" spc="-1" strike="noStrike">
+              <a:latin typeface="Arial"/>
+            </a:endParaRPr>
+          </a:p>
+          <a:p>
+            <a:pPr lvl="1" marL="864000" indent="-324000">
+              <a:spcBef>
+                <a:spcPts val="1134"/>
+              </a:spcBef>
+              <a:buClr>
                 <a:srgbClr val="000000"/>
-              </a:solidFill>
-              <a:latin typeface="Franklin Gothic Book"/>
-            </a:endParaRPr>
-          </a:p>
-        </p:txBody>
-      </p:sp>
-      <p:sp>
-        <p:nvSpPr>
-          <p:cNvPr id="92" name="PlaceHolder 3"/>
-          <p:cNvSpPr>
-            <a:spLocks noGrp="1"/>
-          </p:cNvSpPr>
-          <p:nvPr>
-            <p:ph type="body"/>
-          </p:nvPr>
-        </p:nvSpPr>
-        <p:spPr>
-          <a:xfrm>
-            <a:off x="1371600" y="2286000"/>
-            <a:ext cx="9600840" cy="3580920"/>
-          </a:xfrm>
-          <a:prstGeom prst="rect">
-            <a:avLst/>
-          </a:prstGeom>
-        </p:spPr>
-        <p:txBody>
-          <a:bodyPr/>
-          <a:p>
-            <a:pPr marL="384120" indent="-383760">
-              <a:lnSpc>
-                <a:spcPct val="94000"/>
-              </a:lnSpc>
-              <a:spcBef>
-                <a:spcPts val="1001"/>
-              </a:spcBef>
-              <a:spcAft>
-                <a:spcPts val="201"/>
-              </a:spcAft>
-              <a:buClr>
-                <a:srgbClr val="432a30"/>
               </a:buClr>
-              <a:buFont typeface="Franklin Gothic Book"/>
-              <a:buChar char="■"/>
+              <a:buSzPct val="75000"/>
+              <a:buFont typeface="Symbol" charset="2"/>
+              <a:buChar char=""/>
             </a:pPr>
             <a:r>
-              <a:rPr b="0" lang="en-US" sz="2000" spc="-1" strike="noStrike">
-                <a:solidFill>
-                  <a:srgbClr val="432a30"/>
-                </a:solidFill>
-                <a:latin typeface="Franklin Gothic Book"/>
+              <a:rPr b="0" lang="ru-RU" sz="2800" spc="-1" strike="noStrike">
+                <a:latin typeface="Arial"/>
               </a:rPr>
-              <a:t>Образец текста</a:t>
+              <a:t>Второй уровень структуры</a:t>
             </a:r>
-            <a:endParaRPr b="0" lang="en-US" sz="2000" spc="-1" strike="noStrike">
-              <a:solidFill>
-                <a:srgbClr val="432a30"/>
-              </a:solidFill>
-              <a:latin typeface="Franklin Gothic Book"/>
-            </a:endParaRPr>
-          </a:p>
-          <a:p>
-            <a:pPr lvl="1" marL="914400" indent="-383760">
-              <a:lnSpc>
-                <a:spcPct val="94000"/>
-              </a:lnSpc>
+            <a:endParaRPr b="0" lang="ru-RU" sz="2800" spc="-1" strike="noStrike">
+              <a:latin typeface="Arial"/>
+            </a:endParaRPr>
+          </a:p>
+          <a:p>
+            <a:pPr lvl="2" marL="1296000" indent="-288000">
               <a:spcBef>
-                <a:spcPts val="499"/>
+                <a:spcPts val="850"/>
               </a:spcBef>
-              <a:spcAft>
-                <a:spcPts val="201"/>
-              </a:spcAft>
               <a:buClr>
-                <a:srgbClr val="432a30"/>
+                <a:srgbClr val="000000"/>
               </a:buClr>
-              <a:buFont typeface="Franklin Gothic Book"/>
-              <a:buChar char="–"/>
+              <a:buSzPct val="45000"/>
+              <a:buFont typeface="Wingdings" charset="2"/>
+              <a:buChar char=""/>
             </a:pPr>
             <a:r>
-              <a:rPr b="0" i="1" lang="en-US" sz="2000" spc="-1" strike="noStrike">
-                <a:solidFill>
-                  <a:srgbClr val="432a30"/>
-                </a:solidFill>
-                <a:latin typeface="Franklin Gothic Book"/>
+              <a:rPr b="0" lang="ru-RU" sz="2400" spc="-1" strike="noStrike">
+                <a:latin typeface="Arial"/>
               </a:rPr>
-              <a:t>Второй уровень</a:t>
+              <a:t>Третий уровень структуры</a:t>
             </a:r>
-            <a:endParaRPr b="0" lang="en-US" sz="2000" spc="-1" strike="noStrike">
-              <a:solidFill>
-                <a:srgbClr val="432a30"/>
-              </a:solidFill>
-              <a:latin typeface="Franklin Gothic Book"/>
-            </a:endParaRPr>
-          </a:p>
-          <a:p>
-            <a:pPr lvl="2" marL="1371600" indent="-383760">
-              <a:lnSpc>
-                <a:spcPct val="94000"/>
-              </a:lnSpc>
+            <a:endParaRPr b="0" lang="ru-RU" sz="2400" spc="-1" strike="noStrike">
+              <a:latin typeface="Arial"/>
+            </a:endParaRPr>
+          </a:p>
+          <a:p>
+            <a:pPr lvl="3" marL="1728000" indent="-216000">
               <a:spcBef>
-                <a:spcPts val="499"/>
+                <a:spcPts val="567"/>
               </a:spcBef>
-              <a:spcAft>
-                <a:spcPts val="201"/>
-              </a:spcAft>
               <a:buClr>
-                <a:srgbClr val="432a30"/>
+                <a:srgbClr val="000000"/>
               </a:buClr>
-              <a:buFont typeface="Franklin Gothic Book"/>
-              <a:buChar char="■"/>
+              <a:buSzPct val="75000"/>
+              <a:buFont typeface="Symbol" charset="2"/>
+              <a:buChar char=""/>
             </a:pPr>
             <a:r>
-              <a:rPr b="0" lang="en-US" sz="1800" spc="-1" strike="noStrike">
-                <a:solidFill>
-                  <a:srgbClr val="432a30"/>
-                </a:solidFill>
-                <a:latin typeface="Franklin Gothic Book"/>
+              <a:rPr b="0" lang="ru-RU" sz="2000" spc="-1" strike="noStrike">
+                <a:latin typeface="Arial"/>
               </a:rPr>
-              <a:t>Третий уровень</a:t>
+              <a:t>Четвёртый уровень структуры</a:t>
             </a:r>
-            <a:endParaRPr b="0" i="1" lang="en-US" sz="1800" spc="-1" strike="noStrike">
-              <a:solidFill>
-                <a:srgbClr val="432a30"/>
-              </a:solidFill>
-              <a:latin typeface="Franklin Gothic Book"/>
-            </a:endParaRPr>
-          </a:p>
-          <a:p>
-            <a:pPr lvl="3" marL="1828800" indent="-383760">
-              <a:lnSpc>
-                <a:spcPct val="94000"/>
-              </a:lnSpc>
+            <a:endParaRPr b="0" lang="ru-RU" sz="2000" spc="-1" strike="noStrike">
+              <a:latin typeface="Arial"/>
+            </a:endParaRPr>
+          </a:p>
+          <a:p>
+            <a:pPr lvl="4" marL="2160000" indent="-216000">
               <a:spcBef>
-                <a:spcPts val="499"/>
+                <a:spcPts val="283"/>
               </a:spcBef>
-              <a:spcAft>
-                <a:spcPts val="201"/>
-              </a:spcAft>
               <a:buClr>
-                <a:srgbClr val="432a30"/>
+                <a:srgbClr val="000000"/>
               </a:buClr>
-              <a:buFont typeface="Franklin Gothic Book"/>
-              <a:buChar char="–"/>
+              <a:buSzPct val="45000"/>
+              <a:buFont typeface="Wingdings" charset="2"/>
+              <a:buChar char=""/>
             </a:pPr>
             <a:r>
-              <a:rPr b="0" i="1" lang="en-US" sz="1800" spc="-1" strike="noStrike">
-                <a:solidFill>
-                  <a:srgbClr val="432a30"/>
-                </a:solidFill>
-                <a:latin typeface="Franklin Gothic Book"/>
+              <a:rPr b="0" lang="ru-RU" sz="2000" spc="-1" strike="noStrike">
+                <a:latin typeface="Arial"/>
               </a:rPr>
-              <a:t>Четвертый уровень</a:t>
+              <a:t>Пятый уровень структуры</a:t>
             </a:r>
-            <a:endParaRPr b="0" lang="en-US" sz="1800" spc="-1" strike="noStrike">
-              <a:solidFill>
-                <a:srgbClr val="432a30"/>
-              </a:solidFill>
-              <a:latin typeface="Franklin Gothic Book"/>
-            </a:endParaRPr>
-          </a:p>
-          <a:p>
-            <a:pPr lvl="4" marL="2286000" indent="-383760">
-              <a:lnSpc>
-                <a:spcPct val="94000"/>
-              </a:lnSpc>
+            <a:endParaRPr b="0" lang="ru-RU" sz="2000" spc="-1" strike="noStrike">
+              <a:latin typeface="Arial"/>
+            </a:endParaRPr>
+          </a:p>
+          <a:p>
+            <a:pPr lvl="5" marL="2592000" indent="-216000">
               <a:spcBef>
-                <a:spcPts val="499"/>
+                <a:spcPts val="283"/>
               </a:spcBef>
-              <a:spcAft>
-                <a:spcPts val="201"/>
-              </a:spcAft>
               <a:buClr>
-                <a:srgbClr val="432a30"/>
+                <a:srgbClr val="000000"/>
               </a:buClr>
-              <a:buFont typeface="Franklin Gothic Book"/>
-              <a:buChar char="■"/>
+              <a:buSzPct val="45000"/>
+              <a:buFont typeface="Wingdings" charset="2"/>
+              <a:buChar char=""/>
             </a:pPr>
             <a:r>
-              <a:rPr b="0" lang="en-US" sz="1600" spc="-1" strike="noStrike">
-                <a:solidFill>
-                  <a:srgbClr val="432a30"/>
-                </a:solidFill>
-                <a:latin typeface="Franklin Gothic Book"/>
+              <a:rPr b="0" lang="ru-RU" sz="2000" spc="-1" strike="noStrike">
+                <a:latin typeface="Arial"/>
               </a:rPr>
-              <a:t>Пятый уровень</a:t>
+              <a:t>Шестой уровень структуры</a:t>
             </a:r>
-            <a:endParaRPr b="0" lang="en-US" sz="1600" spc="-1" strike="noStrike">
-              <a:solidFill>
-                <a:srgbClr val="432a30"/>
-              </a:solidFill>
-              <a:latin typeface="Franklin Gothic Book"/>
-            </a:endParaRPr>
-          </a:p>
-        </p:txBody>
-      </p:sp>
-      <p:sp>
-        <p:nvSpPr>
-          <p:cNvPr id="93" name="PlaceHolder 4"/>
-          <p:cNvSpPr>
-            <a:spLocks noGrp="1"/>
-          </p:cNvSpPr>
-          <p:nvPr>
-            <p:ph type="dt"/>
-          </p:nvPr>
-        </p:nvSpPr>
-        <p:spPr>
-          <a:xfrm>
-            <a:off x="1390680" y="6453360"/>
-            <a:ext cx="1204200" cy="404280"/>
-          </a:xfrm>
-          <a:prstGeom prst="rect">
-            <a:avLst/>
-          </a:prstGeom>
-        </p:spPr>
-        <p:txBody>
-          <a:bodyPr anchor="ctr"/>
-          <a:p>
-            <a:pPr>
-              <a:lnSpc>
-                <a:spcPct val="100000"/>
-              </a:lnSpc>
+            <a:endParaRPr b="0" lang="ru-RU" sz="2000" spc="-1" strike="noStrike">
+              <a:latin typeface="Arial"/>
+            </a:endParaRPr>
+          </a:p>
+          <a:p>
+            <a:pPr lvl="6" marL="3024000" indent="-216000">
+              <a:spcBef>
+                <a:spcPts val="283"/>
+              </a:spcBef>
+              <a:buClr>
+                <a:srgbClr val="000000"/>
+              </a:buClr>
+              <a:buSzPct val="45000"/>
+              <a:buFont typeface="Wingdings" charset="2"/>
+              <a:buChar char=""/>
             </a:pPr>
-            <a:fld id="{02FF489D-B50D-47B2-9586-95D9BD9DC0D9}" type="datetime">
-              <a:rPr b="0" lang="ru-RU" sz="1200" spc="-1" strike="noStrike">
-                <a:solidFill>
-                  <a:srgbClr val="432a30"/>
-                </a:solidFill>
-                <a:latin typeface="Franklin Gothic Book"/>
+            <a:r>
+              <a:rPr b="0" lang="ru-RU" sz="2000" spc="-1" strike="noStrike">
+                <a:latin typeface="Arial"/>
               </a:rPr>
-              <a:t>11.1.21</a:t>
-            </a:fld>
-            <a:endParaRPr b="0" lang="ru-RU" sz="1200" spc="-1" strike="noStrike">
-              <a:latin typeface="Times New Roman"/>
-            </a:endParaRPr>
-          </a:p>
-        </p:txBody>
-      </p:sp>
-      <p:sp>
-        <p:nvSpPr>
-          <p:cNvPr id="94" name="PlaceHolder 5"/>
-          <p:cNvSpPr>
-            <a:spLocks noGrp="1"/>
-          </p:cNvSpPr>
-          <p:nvPr>
-            <p:ph type="ftr"/>
-          </p:nvPr>
-        </p:nvSpPr>
-        <p:spPr>
-          <a:xfrm>
-            <a:off x="2893680" y="6453360"/>
-            <a:ext cx="6280560" cy="404280"/>
-          </a:xfrm>
-          <a:prstGeom prst="rect">
-            <a:avLst/>
-          </a:prstGeom>
-        </p:spPr>
-        <p:txBody>
-          <a:bodyPr anchor="ctr"/>
-          <a:p>
-            <a:endParaRPr b="0" lang="ru-RU" sz="2400" spc="-1" strike="noStrike">
-              <a:latin typeface="Times New Roman"/>
-            </a:endParaRPr>
-          </a:p>
-        </p:txBody>
-      </p:sp>
-      <p:sp>
-        <p:nvSpPr>
-          <p:cNvPr id="95" name="PlaceHolder 6"/>
-          <p:cNvSpPr>
-            <a:spLocks noGrp="1"/>
-          </p:cNvSpPr>
-          <p:nvPr>
-            <p:ph type="sldNum"/>
-          </p:nvPr>
-        </p:nvSpPr>
-        <p:spPr>
-          <a:xfrm>
-            <a:off x="9472680" y="6453360"/>
-            <a:ext cx="1595880" cy="404280"/>
-          </a:xfrm>
-          <a:prstGeom prst="rect">
-            <a:avLst/>
-          </a:prstGeom>
-        </p:spPr>
-        <p:txBody>
-          <a:bodyPr anchor="ctr"/>
-          <a:p>
-            <a:pPr algn="r">
-              <a:lnSpc>
-                <a:spcPct val="100000"/>
-              </a:lnSpc>
-            </a:pPr>
-            <a:fld id="{13CBD209-2902-469D-8EA5-17D5A1966837}" type="slidenum">
-              <a:rPr b="0" lang="ru-RU" sz="1200" spc="-1" strike="noStrike">
-                <a:solidFill>
-                  <a:srgbClr val="432a30"/>
-                </a:solidFill>
-                <a:latin typeface="Franklin Gothic Book"/>
-              </a:rPr>
-              <a:t>&lt;номер&gt;</a:t>
-            </a:fld>
-            <a:endParaRPr b="0" lang="ru-RU" sz="1200" spc="-1" strike="noStrike">
-              <a:latin typeface="Times New Roman"/>
+              <a:t>Седьмой уровень структуры</a:t>
+            </a:r>
+            <a:endParaRPr b="0" lang="ru-RU" sz="2000" spc="-1" strike="noStrike">
+              <a:latin typeface="Arial"/>
             </a:endParaRPr>
           </a:p>
         </p:txBody>
@@ -5885,25 +5203,33 @@
       </p:grpSpPr>
       <p:sp>
         <p:nvSpPr>
-          <p:cNvPr id="132" name="TextShape 1"/>
-          <p:cNvSpPr txBox="1"/>
+          <p:cNvPr id="122" name="CustomShape 1"/>
+          <p:cNvSpPr/>
           <p:nvPr/>
         </p:nvSpPr>
         <p:spPr>
           <a:xfrm>
             <a:off x="1915200" y="2093400"/>
-            <a:ext cx="8361000" cy="2097720"/>
+            <a:ext cx="8360640" cy="2097360"/>
           </a:xfrm>
           <a:prstGeom prst="rect">
             <a:avLst/>
           </a:prstGeom>
           <a:noFill/>
-          <a:ln>
+          <a:ln w="0">
             <a:noFill/>
           </a:ln>
         </p:spPr>
-        <p:txBody>
-          <a:bodyPr anchor="b"/>
+        <p:style>
+          <a:lnRef idx="0"/>
+          <a:fillRef idx="0"/>
+          <a:effectRef idx="0"/>
+          <a:fontRef idx="minor"/>
+        </p:style>
+        <p:txBody>
+          <a:bodyPr lIns="90000" rIns="90000" tIns="45000" bIns="45000" anchor="b">
+            <a:noAutofit/>
+          </a:bodyPr>
           <a:p>
             <a:pPr algn="ctr">
               <a:lnSpc>
@@ -5911,7 +5237,7 @@
               </a:lnSpc>
             </a:pPr>
             <a:r>
-              <a:rPr b="0" lang="en-US" sz="7200" spc="-1" strike="noStrike" cap="all">
+              <a:rPr b="0" lang="en-US" sz="6000" spc="-1" strike="noStrike" cap="all">
                 <a:solidFill>
                   <a:srgbClr val="432a30"/>
                 </a:solidFill>
@@ -5919,36 +5245,39 @@
               </a:rPr>
               <a:t>Командный проект по курсу Data Science</a:t>
             </a:r>
-            <a:endParaRPr b="0" lang="en-US" sz="7200" spc="-1" strike="noStrike">
-              <a:solidFill>
-                <a:srgbClr val="000000"/>
-              </a:solidFill>
-              <a:latin typeface="Franklin Gothic Book"/>
-            </a:endParaRPr>
-          </a:p>
-        </p:txBody>
-      </p:sp>
-      <p:sp>
-        <p:nvSpPr>
-          <p:cNvPr id="133" name="TextShape 2"/>
-          <p:cNvSpPr txBox="1"/>
+            <a:endParaRPr b="0" lang="ru-RU" sz="6000" spc="-1" strike="noStrike">
+              <a:latin typeface="Arial"/>
+            </a:endParaRPr>
+          </a:p>
+        </p:txBody>
+      </p:sp>
+      <p:sp>
+        <p:nvSpPr>
+          <p:cNvPr id="123" name="CustomShape 2"/>
+          <p:cNvSpPr/>
           <p:nvPr/>
         </p:nvSpPr>
         <p:spPr>
           <a:xfrm>
-            <a:off x="2679840" y="4421520"/>
-            <a:ext cx="6831360" cy="1085760"/>
+            <a:off x="1800000" y="4421520"/>
+            <a:ext cx="8820000" cy="1085400"/>
           </a:xfrm>
           <a:prstGeom prst="rect">
             <a:avLst/>
           </a:prstGeom>
           <a:noFill/>
-          <a:ln>
+          <a:ln w="0">
             <a:noFill/>
           </a:ln>
         </p:spPr>
-        <p:txBody>
-          <a:bodyPr>
+        <p:style>
+          <a:lnRef idx="0"/>
+          <a:fillRef idx="0"/>
+          <a:effectRef idx="0"/>
+          <a:fontRef idx="minor"/>
+        </p:style>
+        <p:txBody>
+          <a:bodyPr lIns="90000" rIns="90000" tIns="45000" bIns="45000">
             <a:normAutofit/>
           </a:bodyPr>
           <a:p>
@@ -5958,15 +5287,34 @@
               </a:lnSpc>
             </a:pPr>
             <a:r>
-              <a:rPr b="0" lang="ru-RU" sz="2300" spc="-1" strike="noStrike">
+              <a:rPr b="0" lang="ru-RU" sz="2000" spc="-1" strike="noStrike">
                 <a:solidFill>
                   <a:srgbClr val="f2f2f0"/>
                 </a:solidFill>
                 <a:latin typeface="Franklin Gothic Book"/>
               </a:rPr>
-              <a:t>Выполняли студенты группы Б17-503: Размахнин Иван, Сюняев Арсений, Маслов Андрей, Зверев Антон</a:t>
+              <a:t>Выполняли студенты группы Б17-503: </a:t>
             </a:r>
-            <a:endParaRPr b="0" lang="ru-RU" sz="2300" spc="-1" strike="noStrike">
+            <a:endParaRPr b="0" lang="ru-RU" sz="2000" spc="-1" strike="noStrike">
+              <a:latin typeface="Arial"/>
+            </a:endParaRPr>
+          </a:p>
+          <a:p>
+            <a:pPr>
+              <a:lnSpc>
+                <a:spcPct val="112000"/>
+              </a:lnSpc>
+            </a:pPr>
+            <a:r>
+              <a:rPr b="0" lang="ru-RU" sz="2000" spc="-1" strike="noStrike">
+                <a:solidFill>
+                  <a:srgbClr val="f2f2f0"/>
+                </a:solidFill>
+                <a:latin typeface="Franklin Gothic Book"/>
+              </a:rPr>
+              <a:t>Размахнин Иван, Сюняев Арсений, Маслов Андрей, Зверев Антон</a:t>
+            </a:r>
+            <a:endParaRPr b="0" lang="ru-RU" sz="2000" spc="-1" strike="noStrike">
               <a:latin typeface="Arial"/>
             </a:endParaRPr>
           </a:p>
@@ -5974,33 +5322,14 @@
       </p:sp>
     </p:spTree>
   </p:cSld>
-  <p:timing>
-    <p:tnLst>
-      <p:par>
-        <p:cTn id="1" dur="indefinite" restart="never" nodeType="tmRoot">
-          <p:childTnLst>
-            <p:seq>
-              <p:cTn id="2" dur="indefinite" nodeType="mainSeq"/>
-              <p:prevCondLst>
-                <p:cond delay="0" evt="onPrev">
-                  <p:tgtEl>
-                    <p:sldTgt/>
-                  </p:tgtEl>
-                </p:cond>
-              </p:prevCondLst>
-              <p:nextCondLst>
-                <p:cond delay="0" evt="onNext">
-                  <p:tgtEl>
-                    <p:sldTgt/>
-                  </p:tgtEl>
-                </p:cond>
-              </p:nextCondLst>
-            </p:seq>
-          </p:childTnLst>
-        </p:cTn>
-      </p:par>
-    </p:tnLst>
-  </p:timing>
+  <mc:AlternateContent>
+    <mc:Choice Requires="p14">
+      <p:transition spd="slow" p14:dur="2000"/>
+    </mc:Choice>
+    <mc:Fallback>
+      <p:transition spd="slow"/>
+    </mc:Fallback>
+  </mc:AlternateContent>
 </p:sld>
 </file>
 
@@ -6032,25 +5361,33 @@
       </p:grpSpPr>
       <p:sp>
         <p:nvSpPr>
-          <p:cNvPr id="152" name="TextShape 1"/>
-          <p:cNvSpPr txBox="1"/>
+          <p:cNvPr id="142" name="CustomShape 1"/>
+          <p:cNvSpPr/>
           <p:nvPr/>
         </p:nvSpPr>
         <p:spPr>
           <a:xfrm>
             <a:off x="1371600" y="685800"/>
-            <a:ext cx="9600840" cy="1485720"/>
+            <a:ext cx="9600480" cy="1485360"/>
           </a:xfrm>
           <a:prstGeom prst="rect">
             <a:avLst/>
           </a:prstGeom>
           <a:noFill/>
-          <a:ln>
+          <a:ln w="0">
             <a:noFill/>
           </a:ln>
         </p:spPr>
-        <p:txBody>
-          <a:bodyPr/>
+        <p:style>
+          <a:lnRef idx="0"/>
+          <a:fillRef idx="0"/>
+          <a:effectRef idx="0"/>
+          <a:fontRef idx="minor"/>
+        </p:style>
+        <p:txBody>
+          <a:bodyPr lIns="90000" rIns="90000" tIns="45000" bIns="45000">
+            <a:noAutofit/>
+          </a:bodyPr>
           <a:p>
             <a:pPr>
               <a:lnSpc>
@@ -6066,38 +5403,43 @@
               </a:rPr>
               <a:t>Гиперпараметры</a:t>
             </a:r>
-            <a:endParaRPr b="0" lang="en-US" sz="4400" spc="-1" strike="noStrike">
-              <a:solidFill>
-                <a:srgbClr val="000000"/>
-              </a:solidFill>
-              <a:latin typeface="Franklin Gothic Book"/>
-            </a:endParaRPr>
-          </a:p>
-        </p:txBody>
-      </p:sp>
-      <p:sp>
-        <p:nvSpPr>
-          <p:cNvPr id="153" name="TextShape 2"/>
-          <p:cNvSpPr txBox="1"/>
+            <a:endParaRPr b="0" lang="ru-RU" sz="4400" spc="-1" strike="noStrike">
+              <a:latin typeface="Arial"/>
+            </a:endParaRPr>
+          </a:p>
+        </p:txBody>
+      </p:sp>
+      <p:sp>
+        <p:nvSpPr>
+          <p:cNvPr id="143" name="CustomShape 2"/>
+          <p:cNvSpPr/>
           <p:nvPr/>
         </p:nvSpPr>
         <p:spPr>
           <a:xfrm>
             <a:off x="1371600" y="1638360"/>
-            <a:ext cx="9600840" cy="703800"/>
+            <a:ext cx="9600480" cy="1789920"/>
           </a:xfrm>
           <a:prstGeom prst="rect">
             <a:avLst/>
           </a:prstGeom>
           <a:noFill/>
-          <a:ln>
+          <a:ln w="0">
             <a:noFill/>
           </a:ln>
         </p:spPr>
-        <p:txBody>
-          <a:bodyPr/>
-          <a:p>
-            <a:pPr marL="384120" indent="-383760">
+        <p:style>
+          <a:lnRef idx="0"/>
+          <a:fillRef idx="0"/>
+          <a:effectRef idx="0"/>
+          <a:fontRef idx="minor"/>
+        </p:style>
+        <p:txBody>
+          <a:bodyPr lIns="90000" rIns="90000" tIns="45000" bIns="45000">
+            <a:noAutofit/>
+          </a:bodyPr>
+          <a:p>
+            <a:pPr marL="457200" indent="-456480">
               <a:lnSpc>
                 <a:spcPct val="94000"/>
               </a:lnSpc>
@@ -6111,7 +5453,7 @@
                 <a:srgbClr val="432a30"/>
               </a:buClr>
               <a:buFont typeface="Franklin Gothic Book"/>
-              <a:buChar char="■"/>
+              <a:buAutoNum type="arabicPeriod"/>
             </a:pPr>
             <a:r>
               <a:rPr b="0" lang="en-US" sz="2000" spc="-1" strike="noStrike">
@@ -6120,20 +5462,107 @@
                 </a:solidFill>
                 <a:latin typeface="Franklin Gothic Book"/>
               </a:rPr>
-              <a:t>Подбор гиперпараметров проводился с помощью пакета hyperopt</a:t>
+              <a:t>max_depth</a:t>
             </a:r>
-            <a:endParaRPr b="0" lang="en-US" sz="2000" spc="-1" strike="noStrike">
-              <a:solidFill>
+            <a:endParaRPr b="0" lang="ru-RU" sz="2000" spc="-1" strike="noStrike">
+              <a:latin typeface="Arial"/>
+            </a:endParaRPr>
+          </a:p>
+          <a:p>
+            <a:pPr marL="457200" indent="-456480">
+              <a:lnSpc>
+                <a:spcPct val="94000"/>
+              </a:lnSpc>
+              <a:spcBef>
+                <a:spcPts val="1001"/>
+              </a:spcBef>
+              <a:spcAft>
+                <a:spcPts val="201"/>
+              </a:spcAft>
+              <a:buClr>
                 <a:srgbClr val="432a30"/>
-              </a:solidFill>
-              <a:latin typeface="Franklin Gothic Book"/>
+              </a:buClr>
+              <a:buFont typeface="Franklin Gothic Book"/>
+              <a:buAutoNum type="arabicPeriod"/>
+            </a:pPr>
+            <a:r>
+              <a:rPr b="0" lang="en-US" sz="2000" spc="-1" strike="noStrike">
+                <a:solidFill>
+                  <a:srgbClr val="432a30"/>
+                </a:solidFill>
+                <a:latin typeface="Franklin Gothic Book"/>
+              </a:rPr>
+              <a:t>eta</a:t>
+            </a:r>
+            <a:endParaRPr b="0" lang="ru-RU" sz="2000" spc="-1" strike="noStrike">
+              <a:latin typeface="Arial"/>
+            </a:endParaRPr>
+          </a:p>
+          <a:p>
+            <a:pPr marL="457200" indent="-456480">
+              <a:lnSpc>
+                <a:spcPct val="94000"/>
+              </a:lnSpc>
+              <a:spcBef>
+                <a:spcPts val="1001"/>
+              </a:spcBef>
+              <a:spcAft>
+                <a:spcPts val="201"/>
+              </a:spcAft>
+              <a:buClr>
+                <a:srgbClr val="432a30"/>
+              </a:buClr>
+              <a:buFont typeface="Franklin Gothic Book"/>
+              <a:buAutoNum type="arabicPeriod"/>
+            </a:pPr>
+            <a:r>
+              <a:rPr b="0" lang="en-US" sz="2000" spc="-1" strike="noStrike">
+                <a:solidFill>
+                  <a:srgbClr val="432a30"/>
+                </a:solidFill>
+                <a:latin typeface="Franklin Gothic Book"/>
+              </a:rPr>
+              <a:t>alpha</a:t>
+            </a:r>
+            <a:endParaRPr b="0" lang="ru-RU" sz="2000" spc="-1" strike="noStrike">
+              <a:latin typeface="Arial"/>
+            </a:endParaRPr>
+          </a:p>
+          <a:p>
+            <a:pPr marL="457200" indent="-456480">
+              <a:lnSpc>
+                <a:spcPct val="94000"/>
+              </a:lnSpc>
+              <a:spcBef>
+                <a:spcPts val="1001"/>
+              </a:spcBef>
+              <a:spcAft>
+                <a:spcPts val="201"/>
+              </a:spcAft>
+              <a:buClr>
+                <a:srgbClr val="432a30"/>
+              </a:buClr>
+              <a:buFont typeface="Franklin Gothic Book"/>
+              <a:buAutoNum type="arabicPeriod"/>
+            </a:pPr>
+            <a:r>
+              <a:rPr b="0" lang="en-US" sz="2000" spc="-1" strike="noStrike">
+                <a:solidFill>
+                  <a:srgbClr val="432a30"/>
+                </a:solidFill>
+                <a:latin typeface="Franklin Gothic Book"/>
+              </a:rPr>
+              <a:t>n_estimators</a:t>
+            </a:r>
+            <a:endParaRPr b="0" lang="ru-RU" sz="2000" spc="-1" strike="noStrike">
+              <a:latin typeface="Arial"/>
             </a:endParaRPr>
           </a:p>
         </p:txBody>
       </p:sp>
       <p:pic>
         <p:nvPicPr>
-          <p:cNvPr id="154" name="Рисунок 4" descr=""/>
+          <p:cNvPr id="144" name="Рисунок 10" descr=""/>
           <p:cNvPicPr/>
           <p:nvPr/>
         </p:nvPicPr>
@@ -6143,46 +5572,50 @@
         </p:blipFill>
         <p:spPr>
           <a:xfrm>
-            <a:off x="3214800" y="2293560"/>
-            <a:ext cx="5914800" cy="4435920"/>
-          </a:xfrm>
-          <a:prstGeom prst="rect">
-            <a:avLst/>
-          </a:prstGeom>
-          <a:ln>
+            <a:off x="1219320" y="3779640"/>
+            <a:ext cx="5183280" cy="2879280"/>
+          </a:xfrm>
+          <a:prstGeom prst="rect">
+            <a:avLst/>
+          </a:prstGeom>
+          <a:ln w="0">
+            <a:noFill/>
+          </a:ln>
+        </p:spPr>
+      </p:pic>
+      <p:pic>
+        <p:nvPicPr>
+          <p:cNvPr id="145" name="Рисунок 12" descr=""/>
+          <p:cNvPicPr/>
+          <p:nvPr/>
+        </p:nvPicPr>
+        <p:blipFill>
+          <a:blip r:embed="rId2"/>
+          <a:stretch/>
+        </p:blipFill>
+        <p:spPr>
+          <a:xfrm>
+            <a:off x="7012800" y="3779640"/>
+            <a:ext cx="3959280" cy="2879280"/>
+          </a:xfrm>
+          <a:prstGeom prst="rect">
+            <a:avLst/>
+          </a:prstGeom>
+          <a:ln w="0">
             <a:noFill/>
           </a:ln>
         </p:spPr>
       </p:pic>
     </p:spTree>
   </p:cSld>
-  <p:timing>
-    <p:tnLst>
-      <p:par>
-        <p:cTn id="19" dur="indefinite" restart="never" nodeType="tmRoot">
-          <p:childTnLst>
-            <p:seq>
-              <p:cTn id="20" dur="indefinite" nodeType="mainSeq"/>
-              <p:prevCondLst>
-                <p:cond delay="0" evt="onPrev">
-                  <p:tgtEl>
-                    <p:sldTgt/>
-                  </p:tgtEl>
-                </p:cond>
-              </p:prevCondLst>
-              <p:nextCondLst>
-                <p:cond delay="0" evt="onNext">
-                  <p:tgtEl>
-                    <p:sldTgt/>
-                  </p:tgtEl>
-                </p:cond>
-              </p:nextCondLst>
-            </p:seq>
-          </p:childTnLst>
-        </p:cTn>
-      </p:par>
-    </p:tnLst>
-  </p:timing>
+  <mc:AlternateContent>
+    <mc:Choice Requires="p14">
+      <p:transition spd="slow" p14:dur="2000"/>
+    </mc:Choice>
+    <mc:Fallback>
+      <p:transition spd="slow"/>
+    </mc:Fallback>
+  </mc:AlternateContent>
 </p:sld>
 </file>
 
@@ -6214,25 +5647,33 @@
       </p:grpSpPr>
       <p:sp>
         <p:nvSpPr>
-          <p:cNvPr id="155" name="TextShape 1"/>
-          <p:cNvSpPr txBox="1"/>
+          <p:cNvPr id="146" name="CustomShape 1"/>
+          <p:cNvSpPr/>
           <p:nvPr/>
         </p:nvSpPr>
         <p:spPr>
           <a:xfrm>
-            <a:off x="1371600" y="685800"/>
-            <a:ext cx="9600840" cy="1485720"/>
+            <a:off x="1191600" y="360000"/>
+            <a:ext cx="10508400" cy="720000"/>
           </a:xfrm>
           <a:prstGeom prst="rect">
             <a:avLst/>
           </a:prstGeom>
           <a:noFill/>
-          <a:ln>
+          <a:ln w="0">
             <a:noFill/>
           </a:ln>
         </p:spPr>
-        <p:txBody>
-          <a:bodyPr/>
+        <p:style>
+          <a:lnRef idx="0"/>
+          <a:fillRef idx="0"/>
+          <a:effectRef idx="0"/>
+          <a:fontRef idx="minor"/>
+        </p:style>
+        <p:txBody>
+          <a:bodyPr lIns="90000" rIns="90000" tIns="45000" bIns="45000">
+            <a:noAutofit/>
+          </a:bodyPr>
           <a:p>
             <a:pPr>
               <a:lnSpc>
@@ -6246,175 +5687,17 @@
                 </a:solidFill>
                 <a:latin typeface="Franklin Gothic Book"/>
               </a:rPr>
-              <a:t>Гиперпараметры</a:t>
+              <a:t>Результат, сабмиты и постсабмиты</a:t>
             </a:r>
-            <a:endParaRPr b="0" lang="en-US" sz="4400" spc="-1" strike="noStrike">
-              <a:solidFill>
-                <a:srgbClr val="000000"/>
-              </a:solidFill>
-              <a:latin typeface="Franklin Gothic Book"/>
-            </a:endParaRPr>
-          </a:p>
-        </p:txBody>
-      </p:sp>
-      <p:sp>
-        <p:nvSpPr>
-          <p:cNvPr id="156" name="TextShape 2"/>
-          <p:cNvSpPr txBox="1"/>
-          <p:nvPr/>
-        </p:nvSpPr>
-        <p:spPr>
-          <a:xfrm>
-            <a:off x="1371600" y="1638360"/>
-            <a:ext cx="9600840" cy="1790280"/>
-          </a:xfrm>
-          <a:prstGeom prst="rect">
-            <a:avLst/>
-          </a:prstGeom>
-          <a:noFill/>
-          <a:ln>
-            <a:noFill/>
-          </a:ln>
-        </p:spPr>
-        <p:txBody>
-          <a:bodyPr/>
-          <a:p>
-            <a:pPr marL="457200" indent="-456840">
-              <a:lnSpc>
-                <a:spcPct val="94000"/>
-              </a:lnSpc>
-              <a:spcBef>
-                <a:spcPts val="1001"/>
-              </a:spcBef>
-              <a:spcAft>
-                <a:spcPts val="201"/>
-              </a:spcAft>
-              <a:buClr>
-                <a:srgbClr val="432a30"/>
-              </a:buClr>
-              <a:buFont typeface="Franklin Gothic Book"/>
-              <a:buAutoNum type="arabicPeriod"/>
-            </a:pPr>
-            <a:r>
-              <a:rPr b="0" lang="en-US" sz="2000" spc="-1" strike="noStrike">
-                <a:solidFill>
-                  <a:srgbClr val="432a30"/>
-                </a:solidFill>
-                <a:latin typeface="Franklin Gothic Book"/>
-              </a:rPr>
-              <a:t>max_depth</a:t>
-            </a:r>
-            <a:endParaRPr b="0" lang="en-US" sz="2000" spc="-1" strike="noStrike">
-              <a:solidFill>
-                <a:srgbClr val="432a30"/>
-              </a:solidFill>
-              <a:latin typeface="Franklin Gothic Book"/>
-            </a:endParaRPr>
-          </a:p>
-          <a:p>
-            <a:pPr marL="457200" indent="-456840">
-              <a:lnSpc>
-                <a:spcPct val="94000"/>
-              </a:lnSpc>
-              <a:spcBef>
-                <a:spcPts val="1001"/>
-              </a:spcBef>
-              <a:spcAft>
-                <a:spcPts val="201"/>
-              </a:spcAft>
-              <a:buClr>
-                <a:srgbClr val="432a30"/>
-              </a:buClr>
-              <a:buFont typeface="Franklin Gothic Book"/>
-              <a:buAutoNum type="arabicPeriod"/>
-            </a:pPr>
-            <a:r>
-              <a:rPr b="0" lang="en-US" sz="2000" spc="-1" strike="noStrike">
-                <a:solidFill>
-                  <a:srgbClr val="432a30"/>
-                </a:solidFill>
-                <a:latin typeface="Franklin Gothic Book"/>
-              </a:rPr>
-              <a:t>eta</a:t>
-            </a:r>
-            <a:endParaRPr b="0" lang="en-US" sz="2000" spc="-1" strike="noStrike">
-              <a:solidFill>
-                <a:srgbClr val="432a30"/>
-              </a:solidFill>
-              <a:latin typeface="Franklin Gothic Book"/>
-            </a:endParaRPr>
-          </a:p>
-          <a:p>
-            <a:pPr marL="457200" indent="-456840">
-              <a:lnSpc>
-                <a:spcPct val="94000"/>
-              </a:lnSpc>
-              <a:spcBef>
-                <a:spcPts val="1001"/>
-              </a:spcBef>
-              <a:spcAft>
-                <a:spcPts val="201"/>
-              </a:spcAft>
-              <a:buClr>
-                <a:srgbClr val="432a30"/>
-              </a:buClr>
-              <a:buFont typeface="Franklin Gothic Book"/>
-              <a:buAutoNum type="arabicPeriod"/>
-            </a:pPr>
-            <a:r>
-              <a:rPr b="0" lang="en-US" sz="2000" spc="-1" strike="noStrike">
-                <a:solidFill>
-                  <a:srgbClr val="432a30"/>
-                </a:solidFill>
-                <a:latin typeface="Franklin Gothic Book"/>
-              </a:rPr>
-              <a:t>alpha</a:t>
-            </a:r>
-            <a:endParaRPr b="0" lang="en-US" sz="2000" spc="-1" strike="noStrike">
-              <a:solidFill>
-                <a:srgbClr val="432a30"/>
-              </a:solidFill>
-              <a:latin typeface="Franklin Gothic Book"/>
-            </a:endParaRPr>
-          </a:p>
-          <a:p>
-            <a:pPr marL="457200" indent="-456840">
-              <a:lnSpc>
-                <a:spcPct val="94000"/>
-              </a:lnSpc>
-              <a:spcBef>
-                <a:spcPts val="1001"/>
-              </a:spcBef>
-              <a:spcAft>
-                <a:spcPts val="201"/>
-              </a:spcAft>
-              <a:buClr>
-                <a:srgbClr val="432a30"/>
-              </a:buClr>
-              <a:buFont typeface="Franklin Gothic Book"/>
-              <a:buAutoNum type="arabicPeriod"/>
-            </a:pPr>
-            <a:r>
-              <a:rPr b="0" lang="en-US" sz="2000" spc="-1" strike="noStrike">
-                <a:solidFill>
-                  <a:srgbClr val="432a30"/>
-                </a:solidFill>
-                <a:latin typeface="Franklin Gothic Book"/>
-              </a:rPr>
-              <a:t>n_estimators</a:t>
-            </a:r>
-            <a:endParaRPr b="0" lang="en-US" sz="2000" spc="-1" strike="noStrike">
-              <a:solidFill>
-                <a:srgbClr val="432a30"/>
-              </a:solidFill>
-              <a:latin typeface="Franklin Gothic Book"/>
+            <a:endParaRPr b="0" lang="ru-RU" sz="4400" spc="-1" strike="noStrike">
+              <a:latin typeface="Arial"/>
             </a:endParaRPr>
           </a:p>
         </p:txBody>
       </p:sp>
       <p:pic>
         <p:nvPicPr>
-          <p:cNvPr id="157" name="Рисунок 10" descr=""/>
+          <p:cNvPr id="147" name="" descr=""/>
           <p:cNvPicPr/>
           <p:nvPr/>
         </p:nvPicPr>
@@ -6424,20 +5707,20 @@
         </p:blipFill>
         <p:spPr>
           <a:xfrm>
-            <a:off x="1219320" y="3779640"/>
-            <a:ext cx="5183640" cy="2879640"/>
-          </a:xfrm>
-          <a:prstGeom prst="rect">
-            <a:avLst/>
-          </a:prstGeom>
-          <a:ln>
+            <a:off x="720000" y="5698080"/>
+            <a:ext cx="11303640" cy="630720"/>
+          </a:xfrm>
+          <a:prstGeom prst="rect">
+            <a:avLst/>
+          </a:prstGeom>
+          <a:ln w="0">
             <a:noFill/>
           </a:ln>
         </p:spPr>
       </p:pic>
       <p:pic>
         <p:nvPicPr>
-          <p:cNvPr id="158" name="Рисунок 12" descr=""/>
+          <p:cNvPr id="148" name="" descr=""/>
           <p:cNvPicPr/>
           <p:nvPr/>
         </p:nvPicPr>
@@ -6447,46 +5730,50 @@
         </p:blipFill>
         <p:spPr>
           <a:xfrm>
-            <a:off x="7012800" y="3779640"/>
-            <a:ext cx="3959640" cy="2879640"/>
-          </a:xfrm>
-          <a:prstGeom prst="rect">
-            <a:avLst/>
-          </a:prstGeom>
-          <a:ln>
+            <a:off x="1260000" y="1080000"/>
+            <a:ext cx="4500000" cy="4331160"/>
+          </a:xfrm>
+          <a:prstGeom prst="rect">
+            <a:avLst/>
+          </a:prstGeom>
+          <a:ln w="0">
+            <a:noFill/>
+          </a:ln>
+        </p:spPr>
+      </p:pic>
+      <p:pic>
+        <p:nvPicPr>
+          <p:cNvPr id="149" name="" descr=""/>
+          <p:cNvPicPr/>
+          <p:nvPr/>
+        </p:nvPicPr>
+        <p:blipFill>
+          <a:blip r:embed="rId3"/>
+          <a:stretch/>
+        </p:blipFill>
+        <p:spPr>
+          <a:xfrm>
+            <a:off x="6896520" y="1080000"/>
+            <a:ext cx="4443480" cy="4355640"/>
+          </a:xfrm>
+          <a:prstGeom prst="rect">
+            <a:avLst/>
+          </a:prstGeom>
+          <a:ln w="0">
             <a:noFill/>
           </a:ln>
         </p:spPr>
       </p:pic>
     </p:spTree>
   </p:cSld>
-  <p:timing>
-    <p:tnLst>
-      <p:par>
-        <p:cTn id="21" dur="indefinite" restart="never" nodeType="tmRoot">
-          <p:childTnLst>
-            <p:seq>
-              <p:cTn id="22" dur="indefinite" nodeType="mainSeq"/>
-              <p:prevCondLst>
-                <p:cond delay="0" evt="onPrev">
-                  <p:tgtEl>
-                    <p:sldTgt/>
-                  </p:tgtEl>
-                </p:cond>
-              </p:prevCondLst>
-              <p:nextCondLst>
-                <p:cond delay="0" evt="onNext">
-                  <p:tgtEl>
-                    <p:sldTgt/>
-                  </p:tgtEl>
-                </p:cond>
-              </p:nextCondLst>
-            </p:seq>
-          </p:childTnLst>
-        </p:cTn>
-      </p:par>
-    </p:tnLst>
-  </p:timing>
+  <mc:AlternateContent>
+    <mc:Choice Requires="p14">
+      <p:transition spd="slow" p14:dur="2000"/>
+    </mc:Choice>
+    <mc:Fallback>
+      <p:transition spd="slow"/>
+    </mc:Fallback>
+  </mc:AlternateContent>
 </p:sld>
 </file>
 
@@ -6518,25 +5805,33 @@
       </p:grpSpPr>
       <p:sp>
         <p:nvSpPr>
-          <p:cNvPr id="159" name="TextShape 1"/>
-          <p:cNvSpPr txBox="1"/>
+          <p:cNvPr id="150" name="CustomShape 1"/>
+          <p:cNvSpPr/>
           <p:nvPr/>
         </p:nvSpPr>
         <p:spPr>
           <a:xfrm>
-            <a:off x="1371600" y="685800"/>
-            <a:ext cx="9600840" cy="1485720"/>
+            <a:off x="1191600" y="360000"/>
+            <a:ext cx="10148400" cy="720000"/>
           </a:xfrm>
           <a:prstGeom prst="rect">
             <a:avLst/>
           </a:prstGeom>
           <a:noFill/>
-          <a:ln>
+          <a:ln w="0">
             <a:noFill/>
           </a:ln>
         </p:spPr>
-        <p:txBody>
-          <a:bodyPr/>
+        <p:style>
+          <a:lnRef idx="0"/>
+          <a:fillRef idx="0"/>
+          <a:effectRef idx="0"/>
+          <a:fontRef idx="minor"/>
+        </p:style>
+        <p:txBody>
+          <a:bodyPr lIns="90000" rIns="90000" tIns="45000" bIns="45000">
+            <a:noAutofit/>
+          </a:bodyPr>
           <a:p>
             <a:pPr>
               <a:lnSpc>
@@ -6550,44 +5845,40 @@
                 </a:solidFill>
                 <a:latin typeface="Franklin Gothic Book"/>
               </a:rPr>
-              <a:t>результат</a:t>
+              <a:t>Особая версия решения</a:t>
             </a:r>
-            <a:endParaRPr b="0" lang="en-US" sz="4400" spc="-1" strike="noStrike">
-              <a:solidFill>
-                <a:srgbClr val="000000"/>
-              </a:solidFill>
-              <a:latin typeface="Franklin Gothic Book"/>
+            <a:endParaRPr b="0" lang="ru-RU" sz="4400" spc="-1" strike="noStrike">
+              <a:latin typeface="Arial"/>
             </a:endParaRPr>
           </a:p>
         </p:txBody>
       </p:sp>
       <p:pic>
         <p:nvPicPr>
-          <p:cNvPr id="160" name="Рисунок 4" descr=""/>
+          <p:cNvPr id="151" name="" descr=""/>
           <p:cNvPicPr/>
           <p:nvPr/>
         </p:nvPicPr>
         <p:blipFill>
           <a:blip r:embed="rId1"/>
-          <a:srcRect l="15870" t="11185" r="40542" b="0"/>
           <a:stretch/>
         </p:blipFill>
         <p:spPr>
           <a:xfrm>
-            <a:off x="6048000" y="288000"/>
-            <a:ext cx="5400000" cy="4962960"/>
-          </a:xfrm>
-          <a:prstGeom prst="rect">
-            <a:avLst/>
-          </a:prstGeom>
-          <a:ln>
+            <a:off x="1282320" y="2254680"/>
+            <a:ext cx="3577680" cy="4225320"/>
+          </a:xfrm>
+          <a:prstGeom prst="rect">
+            <a:avLst/>
+          </a:prstGeom>
+          <a:ln w="0">
             <a:noFill/>
           </a:ln>
         </p:spPr>
       </p:pic>
       <p:pic>
         <p:nvPicPr>
-          <p:cNvPr id="161" name="" descr=""/>
+          <p:cNvPr id="152" name="" descr=""/>
           <p:cNvPicPr/>
           <p:nvPr/>
         </p:nvPicPr>
@@ -6597,46 +5888,118 @@
         </p:blipFill>
         <p:spPr>
           <a:xfrm>
-            <a:off x="594360" y="5698080"/>
-            <a:ext cx="11429640" cy="637920"/>
-          </a:xfrm>
-          <a:prstGeom prst="rect">
-            <a:avLst/>
-          </a:prstGeom>
-          <a:ln>
+            <a:off x="6300000" y="2282760"/>
+            <a:ext cx="5220000" cy="3837240"/>
+          </a:xfrm>
+          <a:prstGeom prst="rect">
+            <a:avLst/>
+          </a:prstGeom>
+          <a:ln w="0">
             <a:noFill/>
           </a:ln>
         </p:spPr>
       </p:pic>
+      <p:sp>
+        <p:nvSpPr>
+          <p:cNvPr id="153" name="CustomShape 2"/>
+          <p:cNvSpPr/>
+          <p:nvPr/>
+        </p:nvSpPr>
+        <p:spPr>
+          <a:xfrm>
+            <a:off x="1282320" y="1099440"/>
+            <a:ext cx="10417680" cy="1060560"/>
+          </a:xfrm>
+          <a:prstGeom prst="rect">
+            <a:avLst/>
+          </a:prstGeom>
+          <a:noFill/>
+          <a:ln w="0">
+            <a:noFill/>
+          </a:ln>
+        </p:spPr>
+        <p:style>
+          <a:lnRef idx="0"/>
+          <a:fillRef idx="0"/>
+          <a:effectRef idx="0"/>
+          <a:fontRef idx="minor"/>
+        </p:style>
+        <p:txBody>
+          <a:bodyPr lIns="90000" rIns="90000" tIns="45000" bIns="45000">
+            <a:noAutofit/>
+          </a:bodyPr>
+          <a:p>
+            <a:pPr marL="384120" indent="-383400">
+              <a:lnSpc>
+                <a:spcPct val="94000"/>
+              </a:lnSpc>
+              <a:spcBef>
+                <a:spcPts val="1001"/>
+              </a:spcBef>
+              <a:spcAft>
+                <a:spcPts val="201"/>
+              </a:spcAft>
+              <a:buClr>
+                <a:srgbClr val="432a30"/>
+              </a:buClr>
+              <a:buFont typeface="Franklin Gothic Book"/>
+              <a:buChar char="■"/>
+            </a:pPr>
+            <a:r>
+              <a:rPr b="0" lang="en-US" sz="2000" spc="-1" strike="noStrike">
+                <a:solidFill>
+                  <a:srgbClr val="432a30"/>
+                </a:solidFill>
+                <a:latin typeface="Franklin Gothic Book"/>
+              </a:rPr>
+              <a:t>Была изменена обучающая выборка путем набора фрагментов из разных частей датасета</a:t>
+            </a:r>
+            <a:endParaRPr b="0" lang="ru-RU" sz="2000" spc="-1" strike="noStrike">
+              <a:latin typeface="Arial"/>
+            </a:endParaRPr>
+          </a:p>
+          <a:p>
+            <a:pPr marL="384120" indent="-383400">
+              <a:lnSpc>
+                <a:spcPct val="94000"/>
+              </a:lnSpc>
+              <a:spcBef>
+                <a:spcPts val="1001"/>
+              </a:spcBef>
+              <a:spcAft>
+                <a:spcPts val="201"/>
+              </a:spcAft>
+              <a:buClr>
+                <a:srgbClr val="432a30"/>
+              </a:buClr>
+              <a:buFont typeface="Franklin Gothic Book"/>
+              <a:buChar char="■"/>
+            </a:pPr>
+            <a:r>
+              <a:rPr b="0" lang="en-US" sz="2000" spc="-1" strike="noStrike">
+                <a:solidFill>
+                  <a:srgbClr val="432a30"/>
+                </a:solidFill>
+                <a:latin typeface="Franklin Gothic Book"/>
+              </a:rPr>
+              <a:t>Добавлена 11 фича – время между ответами на вопросы и на изучение лекций</a:t>
+            </a:r>
+            <a:endParaRPr b="0" lang="ru-RU" sz="2000" spc="-1" strike="noStrike">
+              <a:latin typeface="Arial"/>
+            </a:endParaRPr>
+          </a:p>
+        </p:txBody>
+      </p:sp>
     </p:spTree>
   </p:cSld>
-  <p:timing>
-    <p:tnLst>
-      <p:par>
-        <p:cTn id="23" dur="indefinite" restart="never" nodeType="tmRoot">
-          <p:childTnLst>
-            <p:seq>
-              <p:cTn id="24" dur="indefinite" nodeType="mainSeq"/>
-              <p:prevCondLst>
-                <p:cond delay="0" evt="onPrev">
-                  <p:tgtEl>
-                    <p:sldTgt/>
-                  </p:tgtEl>
-                </p:cond>
-              </p:prevCondLst>
-              <p:nextCondLst>
-                <p:cond delay="0" evt="onNext">
-                  <p:tgtEl>
-                    <p:sldTgt/>
-                  </p:tgtEl>
-                </p:cond>
-              </p:nextCondLst>
-            </p:seq>
-          </p:childTnLst>
-        </p:cTn>
-      </p:par>
-    </p:tnLst>
-  </p:timing>
+  <mc:AlternateContent>
+    <mc:Choice Requires="p14">
+      <p:transition spd="slow" p14:dur="2000"/>
+    </mc:Choice>
+    <mc:Fallback>
+      <p:transition spd="slow"/>
+    </mc:Fallback>
+  </mc:AlternateContent>
 </p:sld>
 </file>
 
@@ -6659,25 +6022,33 @@
       </p:grpSpPr>
       <p:sp>
         <p:nvSpPr>
-          <p:cNvPr id="162" name="TextShape 1"/>
-          <p:cNvSpPr txBox="1"/>
+          <p:cNvPr id="154" name="CustomShape 1"/>
+          <p:cNvSpPr/>
           <p:nvPr/>
         </p:nvSpPr>
         <p:spPr>
           <a:xfrm>
             <a:off x="1915200" y="1788480"/>
-            <a:ext cx="8361000" cy="2097720"/>
+            <a:ext cx="8360640" cy="2097360"/>
           </a:xfrm>
           <a:prstGeom prst="rect">
             <a:avLst/>
           </a:prstGeom>
           <a:noFill/>
-          <a:ln>
+          <a:ln w="0">
             <a:noFill/>
           </a:ln>
         </p:spPr>
-        <p:txBody>
-          <a:bodyPr anchor="b"/>
+        <p:style>
+          <a:lnRef idx="0"/>
+          <a:fillRef idx="0"/>
+          <a:effectRef idx="0"/>
+          <a:fontRef idx="minor"/>
+        </p:style>
+        <p:txBody>
+          <a:bodyPr lIns="90000" rIns="90000" tIns="45000" bIns="45000" anchor="b">
+            <a:noAutofit/>
+          </a:bodyPr>
           <a:p>
             <a:pPr algn="ctr">
               <a:lnSpc>
@@ -6693,44 +6064,22 @@
               </a:rPr>
               <a:t>СПАСИБО ЗА ВНИМАНИЕ</a:t>
             </a:r>
-            <a:endParaRPr b="0" lang="en-US" sz="7200" spc="-1" strike="noStrike">
-              <a:solidFill>
-                <a:srgbClr val="000000"/>
-              </a:solidFill>
-              <a:latin typeface="Franklin Gothic Book"/>
+            <a:endParaRPr b="0" lang="ru-RU" sz="7200" spc="-1" strike="noStrike">
+              <a:latin typeface="Arial"/>
             </a:endParaRPr>
           </a:p>
         </p:txBody>
       </p:sp>
     </p:spTree>
   </p:cSld>
-  <p:timing>
-    <p:tnLst>
-      <p:par>
-        <p:cTn id="25" dur="indefinite" restart="never" nodeType="tmRoot">
-          <p:childTnLst>
-            <p:seq>
-              <p:cTn id="26" dur="indefinite" nodeType="mainSeq"/>
-              <p:prevCondLst>
-                <p:cond delay="0" evt="onPrev">
-                  <p:tgtEl>
-                    <p:sldTgt/>
-                  </p:tgtEl>
-                </p:cond>
-              </p:prevCondLst>
-              <p:nextCondLst>
-                <p:cond delay="0" evt="onNext">
-                  <p:tgtEl>
-                    <p:sldTgt/>
-                  </p:tgtEl>
-                </p:cond>
-              </p:nextCondLst>
-            </p:seq>
-          </p:childTnLst>
-        </p:cTn>
-      </p:par>
-    </p:tnLst>
-  </p:timing>
+  <mc:AlternateContent>
+    <mc:Choice Requires="p14">
+      <p:transition spd="slow" p14:dur="2000"/>
+    </mc:Choice>
+    <mc:Fallback>
+      <p:transition spd="slow"/>
+    </mc:Fallback>
+  </mc:AlternateContent>
 </p:sld>
 </file>
 
@@ -6762,60 +6111,85 @@
       </p:grpSpPr>
       <p:sp>
         <p:nvSpPr>
-          <p:cNvPr id="134" name="TextShape 1"/>
-          <p:cNvSpPr txBox="1"/>
+          <p:cNvPr id="124" name="CustomShape 1"/>
+          <p:cNvSpPr/>
           <p:nvPr/>
         </p:nvSpPr>
         <p:spPr>
           <a:xfrm>
-            <a:off x="723960" y="685800"/>
-            <a:ext cx="3855240" cy="2157480"/>
+            <a:off x="1371600" y="685800"/>
+            <a:ext cx="9600480" cy="754200"/>
           </a:xfrm>
           <a:prstGeom prst="rect">
             <a:avLst/>
           </a:prstGeom>
           <a:noFill/>
-          <a:ln>
+          <a:ln w="0">
             <a:noFill/>
           </a:ln>
         </p:spPr>
-        <p:txBody>
-          <a:bodyPr/>
-          <a:p>
-            <a:endParaRPr b="0" lang="en-US" sz="1800" spc="-1" strike="noStrike">
-              <a:solidFill>
-                <a:srgbClr val="000000"/>
-              </a:solidFill>
-              <a:latin typeface="Franklin Gothic Book"/>
-            </a:endParaRPr>
-          </a:p>
-        </p:txBody>
-      </p:sp>
-      <p:sp>
-        <p:nvSpPr>
-          <p:cNvPr id="135" name="TextShape 2"/>
-          <p:cNvSpPr txBox="1"/>
+        <p:style>
+          <a:lnRef idx="0"/>
+          <a:fillRef idx="0"/>
+          <a:effectRef idx="0"/>
+          <a:fontRef idx="minor"/>
+        </p:style>
+        <p:txBody>
+          <a:bodyPr lIns="90000" rIns="90000" tIns="45000" bIns="45000">
+            <a:noAutofit/>
+          </a:bodyPr>
+          <a:p>
+            <a:pPr>
+              <a:lnSpc>
+                <a:spcPct val="89000"/>
+              </a:lnSpc>
+            </a:pPr>
+            <a:r>
+              <a:rPr b="0" lang="en-US" sz="4400" spc="-1" strike="noStrike">
+                <a:solidFill>
+                  <a:srgbClr val="432a30"/>
+                </a:solidFill>
+                <a:latin typeface="Franklin Gothic Book"/>
+              </a:rPr>
+              <a:t>Задание</a:t>
+            </a:r>
+            <a:endParaRPr b="0" lang="ru-RU" sz="4400" spc="-1" strike="noStrike">
+              <a:latin typeface="Arial"/>
+            </a:endParaRPr>
+          </a:p>
+        </p:txBody>
+      </p:sp>
+      <p:sp>
+        <p:nvSpPr>
+          <p:cNvPr id="125" name="CustomShape 2"/>
+          <p:cNvSpPr/>
           <p:nvPr/>
         </p:nvSpPr>
         <p:spPr>
           <a:xfrm>
-            <a:off x="6256080" y="685800"/>
-            <a:ext cx="5211720" cy="5175000"/>
+            <a:off x="1371600" y="2160000"/>
+            <a:ext cx="9600480" cy="774000"/>
           </a:xfrm>
           <a:prstGeom prst="rect">
             <a:avLst/>
           </a:prstGeom>
           <a:noFill/>
-          <a:ln>
+          <a:ln w="0">
             <a:noFill/>
           </a:ln>
         </p:spPr>
-        <p:txBody>
-          <a:bodyPr>
-            <a:normAutofit/>
-          </a:bodyPr>
-          <a:p>
-            <a:pPr marL="384120" indent="-383760">
+        <p:style>
+          <a:lnRef idx="0"/>
+          <a:fillRef idx="0"/>
+          <a:effectRef idx="0"/>
+          <a:fontRef idx="minor"/>
+        </p:style>
+        <p:txBody>
+          <a:bodyPr lIns="90000" rIns="90000" tIns="45000" bIns="45000">
+            <a:noAutofit/>
+          </a:bodyPr>
+          <a:p>
+            <a:pPr marL="384120" indent="-383400">
               <a:lnSpc>
                 <a:spcPct val="94000"/>
               </a:lnSpc>
@@ -6828,389 +6202,34 @@
               <a:buClr>
                 <a:srgbClr val="432a30"/>
               </a:buClr>
-              <a:buFont typeface="Wingdings" charset="2"/>
-              <a:buChar char=""/>
+              <a:buFont typeface="Franklin Gothic Book"/>
+              <a:buChar char="■"/>
             </a:pPr>
             <a:r>
-              <a:rPr b="0" lang="en-US" sz="2000" spc="-1" strike="noStrike">
+              <a:rPr b="0" lang="en-US" sz="2400" spc="-1" strike="noStrike">
                 <a:solidFill>
                   <a:srgbClr val="432a30"/>
                 </a:solidFill>
                 <a:latin typeface="Franklin Gothic Book"/>
               </a:rPr>
-              <a:t>Задание</a:t>
+              <a:t>Задача заключалась в создании модели для предсказания правильности ответов на вопросы</a:t>
             </a:r>
-            <a:endParaRPr b="0" lang="en-US" sz="2000" spc="-1" strike="noStrike">
-              <a:solidFill>
-                <a:srgbClr val="432a30"/>
-              </a:solidFill>
-              <a:latin typeface="Franklin Gothic Book"/>
-            </a:endParaRPr>
-          </a:p>
-          <a:p>
-            <a:pPr marL="384120" indent="-383760">
-              <a:lnSpc>
-                <a:spcPct val="94000"/>
-              </a:lnSpc>
-              <a:spcBef>
-                <a:spcPts val="1001"/>
-              </a:spcBef>
-              <a:spcAft>
-                <a:spcPts val="201"/>
-              </a:spcAft>
-              <a:buClr>
-                <a:srgbClr val="432a30"/>
-              </a:buClr>
-              <a:buFont typeface="Wingdings" charset="2"/>
-              <a:buChar char=""/>
-            </a:pPr>
-            <a:r>
-              <a:rPr b="0" lang="en-US" sz="2000" spc="-1" strike="noStrike">
-                <a:solidFill>
-                  <a:srgbClr val="432a30"/>
-                </a:solidFill>
-                <a:latin typeface="Franklin Gothic Book"/>
-              </a:rPr>
-              <a:t>Data observation: глянули исходные csv-файлы, разобрались в смысле колонок, прочитали описание колонок</a:t>
-            </a:r>
-            <a:endParaRPr b="0" lang="en-US" sz="2000" spc="-1" strike="noStrike">
-              <a:solidFill>
-                <a:srgbClr val="432a30"/>
-              </a:solidFill>
-              <a:latin typeface="Franklin Gothic Book"/>
-            </a:endParaRPr>
-          </a:p>
-          <a:p>
-            <a:pPr marL="384120" indent="-383760">
-              <a:lnSpc>
-                <a:spcPct val="94000"/>
-              </a:lnSpc>
-              <a:spcBef>
-                <a:spcPts val="1001"/>
-              </a:spcBef>
-              <a:spcAft>
-                <a:spcPts val="201"/>
-              </a:spcAft>
-              <a:buClr>
-                <a:srgbClr val="432a30"/>
-              </a:buClr>
-              <a:buFont typeface="Wingdings" charset="2"/>
-              <a:buChar char=""/>
-            </a:pPr>
-            <a:r>
-              <a:rPr b="0" lang="en-US" sz="2000" spc="-1" strike="noStrike">
-                <a:solidFill>
-                  <a:srgbClr val="432a30"/>
-                </a:solidFill>
-                <a:latin typeface="Franklin Gothic Book"/>
-              </a:rPr>
-              <a:t>Feature engineering</a:t>
-            </a:r>
-            <a:endParaRPr b="0" lang="en-US" sz="2000" spc="-1" strike="noStrike">
-              <a:solidFill>
-                <a:srgbClr val="432a30"/>
-              </a:solidFill>
-              <a:latin typeface="Franklin Gothic Book"/>
-            </a:endParaRPr>
-          </a:p>
-          <a:p>
-            <a:pPr marL="384120" indent="-383760">
-              <a:lnSpc>
-                <a:spcPct val="94000"/>
-              </a:lnSpc>
-              <a:spcBef>
-                <a:spcPts val="1001"/>
-              </a:spcBef>
-              <a:spcAft>
-                <a:spcPts val="201"/>
-              </a:spcAft>
-              <a:buClr>
-                <a:srgbClr val="432a30"/>
-              </a:buClr>
-              <a:buFont typeface="Wingdings" charset="2"/>
-              <a:buChar char=""/>
-            </a:pPr>
-            <a:r>
-              <a:rPr b="0" lang="en-US" sz="2000" spc="-1" strike="noStrike">
-                <a:solidFill>
-                  <a:srgbClr val="432a30"/>
-                </a:solidFill>
-                <a:latin typeface="Franklin Gothic Book"/>
-              </a:rPr>
-              <a:t>Data preparation</a:t>
-            </a:r>
-            <a:endParaRPr b="0" lang="en-US" sz="2000" spc="-1" strike="noStrike">
-              <a:solidFill>
-                <a:srgbClr val="432a30"/>
-              </a:solidFill>
-              <a:latin typeface="Franklin Gothic Book"/>
-            </a:endParaRPr>
-          </a:p>
-          <a:p>
-            <a:pPr marL="384120" indent="-383760">
-              <a:lnSpc>
-                <a:spcPct val="94000"/>
-              </a:lnSpc>
-              <a:spcBef>
-                <a:spcPts val="1001"/>
-              </a:spcBef>
-              <a:spcAft>
-                <a:spcPts val="201"/>
-              </a:spcAft>
-              <a:buClr>
-                <a:srgbClr val="432a30"/>
-              </a:buClr>
-              <a:buFont typeface="Wingdings" charset="2"/>
-              <a:buChar char=""/>
-            </a:pPr>
-            <a:r>
-              <a:rPr b="0" lang="en-US" sz="2000" spc="-1" strike="noStrike">
-                <a:solidFill>
-                  <a:srgbClr val="432a30"/>
-                </a:solidFill>
-                <a:latin typeface="Franklin Gothic Book"/>
-              </a:rPr>
-              <a:t>Реализация фичей (1 стр)</a:t>
-            </a:r>
-            <a:endParaRPr b="0" lang="en-US" sz="2000" spc="-1" strike="noStrike">
-              <a:solidFill>
-                <a:srgbClr val="432a30"/>
-              </a:solidFill>
-              <a:latin typeface="Franklin Gothic Book"/>
-            </a:endParaRPr>
-          </a:p>
-          <a:p>
-            <a:pPr marL="384120" indent="-383760">
-              <a:lnSpc>
-                <a:spcPct val="94000"/>
-              </a:lnSpc>
-              <a:spcBef>
-                <a:spcPts val="1001"/>
-              </a:spcBef>
-              <a:spcAft>
-                <a:spcPts val="201"/>
-              </a:spcAft>
-              <a:buClr>
-                <a:srgbClr val="432a30"/>
-              </a:buClr>
-              <a:buFont typeface="Wingdings" charset="2"/>
-              <a:buChar char=""/>
-            </a:pPr>
-            <a:r>
-              <a:rPr b="0" lang="en-US" sz="2000" spc="-1" strike="noStrike">
-                <a:solidFill>
-                  <a:srgbClr val="432a30"/>
-                </a:solidFill>
-                <a:latin typeface="Franklin Gothic Book"/>
-              </a:rPr>
-              <a:t>К примеру, кластеризация, как делали</a:t>
-            </a:r>
-            <a:endParaRPr b="0" lang="en-US" sz="2000" spc="-1" strike="noStrike">
-              <a:solidFill>
-                <a:srgbClr val="432a30"/>
-              </a:solidFill>
-              <a:latin typeface="Franklin Gothic Book"/>
-            </a:endParaRPr>
-          </a:p>
-          <a:p>
-            <a:pPr marL="384120" indent="-383760">
-              <a:lnSpc>
-                <a:spcPct val="94000"/>
-              </a:lnSpc>
-              <a:spcBef>
-                <a:spcPts val="1001"/>
-              </a:spcBef>
-              <a:spcAft>
-                <a:spcPts val="201"/>
-              </a:spcAft>
-              <a:buClr>
-                <a:srgbClr val="432a30"/>
-              </a:buClr>
-              <a:buFont typeface="Wingdings" charset="2"/>
-              <a:buChar char=""/>
-            </a:pPr>
-            <a:r>
-              <a:rPr b="0" lang="en-US" sz="2000" spc="-1" strike="noStrike">
-                <a:solidFill>
-                  <a:srgbClr val="432a30"/>
-                </a:solidFill>
-                <a:latin typeface="Franklin Gothic Book"/>
-              </a:rPr>
-              <a:t>Обучение модели</a:t>
-            </a:r>
-            <a:endParaRPr b="0" lang="en-US" sz="2000" spc="-1" strike="noStrike">
-              <a:solidFill>
-                <a:srgbClr val="432a30"/>
-              </a:solidFill>
-              <a:latin typeface="Franklin Gothic Book"/>
-            </a:endParaRPr>
-          </a:p>
-          <a:p>
-            <a:pPr marL="384120" indent="-383760">
-              <a:lnSpc>
-                <a:spcPct val="94000"/>
-              </a:lnSpc>
-              <a:spcBef>
-                <a:spcPts val="1001"/>
-              </a:spcBef>
-              <a:spcAft>
-                <a:spcPts val="201"/>
-              </a:spcAft>
-              <a:buClr>
-                <a:srgbClr val="432a30"/>
-              </a:buClr>
-              <a:buFont typeface="Wingdings" charset="2"/>
-              <a:buChar char=""/>
-            </a:pPr>
-            <a:r>
-              <a:rPr b="0" lang="en-US" sz="2000" spc="-1" strike="noStrike">
-                <a:solidFill>
-                  <a:srgbClr val="432a30"/>
-                </a:solidFill>
-                <a:latin typeface="Franklin Gothic Book"/>
-              </a:rPr>
-              <a:t>Гиперпараметры не с неба, а мы пытались их подобрать с помощью такого-то пакета, такие-то результаты; не особо показали себя потому чсто возможно переобучение</a:t>
-            </a:r>
-            <a:endParaRPr b="0" lang="en-US" sz="2000" spc="-1" strike="noStrike">
-              <a:solidFill>
-                <a:srgbClr val="432a30"/>
-              </a:solidFill>
-              <a:latin typeface="Franklin Gothic Book"/>
-            </a:endParaRPr>
-          </a:p>
-          <a:p>
-            <a:pPr marL="384120" indent="-383760">
-              <a:lnSpc>
-                <a:spcPct val="94000"/>
-              </a:lnSpc>
-              <a:spcBef>
-                <a:spcPts val="1001"/>
-              </a:spcBef>
-              <a:spcAft>
-                <a:spcPts val="201"/>
-              </a:spcAft>
-              <a:buClr>
-                <a:srgbClr val="432a30"/>
-              </a:buClr>
-              <a:buFont typeface="Wingdings" charset="2"/>
-              <a:buChar char=""/>
-            </a:pPr>
-            <a:r>
-              <a:rPr b="0" lang="en-US" sz="2000" spc="-1" strike="noStrike">
-                <a:solidFill>
-                  <a:srgbClr val="432a30"/>
-                </a:solidFill>
-                <a:latin typeface="Franklin Gothic Book"/>
-              </a:rPr>
-              <a:t>Картинка результата сабмита</a:t>
-            </a:r>
-            <a:endParaRPr b="0" lang="en-US" sz="2000" spc="-1" strike="noStrike">
-              <a:solidFill>
-                <a:srgbClr val="432a30"/>
-              </a:solidFill>
-              <a:latin typeface="Franklin Gothic Book"/>
-            </a:endParaRPr>
-          </a:p>
-          <a:p>
-            <a:pPr>
-              <a:lnSpc>
-                <a:spcPct val="94000"/>
-              </a:lnSpc>
-              <a:spcBef>
-                <a:spcPts val="1001"/>
-              </a:spcBef>
-              <a:spcAft>
-                <a:spcPts val="201"/>
-              </a:spcAft>
-            </a:pPr>
-            <a:endParaRPr b="0" lang="en-US" sz="2000" spc="-1" strike="noStrike">
-              <a:solidFill>
-                <a:srgbClr val="432a30"/>
-              </a:solidFill>
-              <a:latin typeface="Franklin Gothic Book"/>
-            </a:endParaRPr>
-          </a:p>
-          <a:p>
-            <a:pPr>
-              <a:lnSpc>
-                <a:spcPct val="94000"/>
-              </a:lnSpc>
-              <a:spcBef>
-                <a:spcPts val="1001"/>
-              </a:spcBef>
-              <a:spcAft>
-                <a:spcPts val="201"/>
-              </a:spcAft>
-            </a:pPr>
-            <a:endParaRPr b="0" lang="en-US" sz="2000" spc="-1" strike="noStrike">
-              <a:solidFill>
-                <a:srgbClr val="432a30"/>
-              </a:solidFill>
-              <a:latin typeface="Franklin Gothic Book"/>
-            </a:endParaRPr>
-          </a:p>
-        </p:txBody>
-      </p:sp>
-      <p:sp>
-        <p:nvSpPr>
-          <p:cNvPr id="136" name="TextShape 3"/>
-          <p:cNvSpPr txBox="1"/>
-          <p:nvPr/>
-        </p:nvSpPr>
-        <p:spPr>
-          <a:xfrm>
-            <a:off x="723960" y="2856240"/>
-            <a:ext cx="3855240" cy="3010680"/>
-          </a:xfrm>
-          <a:prstGeom prst="rect">
-            <a:avLst/>
-          </a:prstGeom>
-          <a:noFill/>
-          <a:ln>
-            <a:noFill/>
-          </a:ln>
-        </p:spPr>
-        <p:txBody>
-          <a:bodyPr/>
-          <a:p>
-            <a:endParaRPr b="0" lang="en-US" sz="2000" spc="-1" strike="noStrike">
-              <a:solidFill>
-                <a:srgbClr val="432a30"/>
-              </a:solidFill>
-              <a:latin typeface="Franklin Gothic Book"/>
+            <a:endParaRPr b="0" lang="ru-RU" sz="2400" spc="-1" strike="noStrike">
+              <a:latin typeface="Arial"/>
             </a:endParaRPr>
           </a:p>
         </p:txBody>
       </p:sp>
     </p:spTree>
   </p:cSld>
-  <p:timing>
-    <p:tnLst>
-      <p:par>
-        <p:cTn id="3" dur="indefinite" restart="never" nodeType="tmRoot">
-          <p:childTnLst>
-            <p:seq>
-              <p:cTn id="4" dur="indefinite" nodeType="mainSeq"/>
-              <p:prevCondLst>
-                <p:cond delay="0" evt="onPrev">
-                  <p:tgtEl>
-                    <p:sldTgt/>
-                  </p:tgtEl>
-                </p:cond>
-              </p:prevCondLst>
-              <p:nextCondLst>
-                <p:cond delay="0" evt="onNext">
-                  <p:tgtEl>
-                    <p:sldTgt/>
-                  </p:tgtEl>
-                </p:cond>
-              </p:nextCondLst>
-            </p:seq>
-          </p:childTnLst>
-        </p:cTn>
-      </p:par>
-    </p:tnLst>
-  </p:timing>
+  <mc:AlternateContent>
+    <mc:Choice Requires="p14">
+      <p:transition spd="slow" p14:dur="2000"/>
+    </mc:Choice>
+    <mc:Fallback>
+      <p:transition spd="slow"/>
+    </mc:Fallback>
+  </mc:AlternateContent>
 </p:sld>
 </file>
 
@@ -7242,25 +6261,33 @@
       </p:grpSpPr>
       <p:sp>
         <p:nvSpPr>
-          <p:cNvPr id="137" name="TextShape 1"/>
-          <p:cNvSpPr txBox="1"/>
+          <p:cNvPr id="126" name="CustomShape 1"/>
+          <p:cNvSpPr/>
           <p:nvPr/>
         </p:nvSpPr>
         <p:spPr>
           <a:xfrm>
             <a:off x="1371600" y="685800"/>
-            <a:ext cx="9600840" cy="1485720"/>
+            <a:ext cx="9600480" cy="1485360"/>
           </a:xfrm>
           <a:prstGeom prst="rect">
             <a:avLst/>
           </a:prstGeom>
           <a:noFill/>
-          <a:ln>
+          <a:ln w="0">
             <a:noFill/>
           </a:ln>
         </p:spPr>
-        <p:txBody>
-          <a:bodyPr/>
+        <p:style>
+          <a:lnRef idx="0"/>
+          <a:fillRef idx="0"/>
+          <a:effectRef idx="0"/>
+          <a:fontRef idx="minor"/>
+        </p:style>
+        <p:txBody>
+          <a:bodyPr lIns="90000" rIns="90000" tIns="45000" bIns="45000">
+            <a:noAutofit/>
+          </a:bodyPr>
           <a:p>
             <a:pPr>
               <a:lnSpc>
@@ -7274,40 +6301,45 @@
                 </a:solidFill>
                 <a:latin typeface="Franklin Gothic Book"/>
               </a:rPr>
-              <a:t>Задание</a:t>
+              <a:t>Data observation</a:t>
             </a:r>
-            <a:endParaRPr b="0" lang="en-US" sz="4400" spc="-1" strike="noStrike">
-              <a:solidFill>
-                <a:srgbClr val="000000"/>
-              </a:solidFill>
-              <a:latin typeface="Franklin Gothic Book"/>
-            </a:endParaRPr>
-          </a:p>
-        </p:txBody>
-      </p:sp>
-      <p:sp>
-        <p:nvSpPr>
-          <p:cNvPr id="138" name="TextShape 2"/>
-          <p:cNvSpPr txBox="1"/>
+            <a:endParaRPr b="0" lang="ru-RU" sz="4400" spc="-1" strike="noStrike">
+              <a:latin typeface="Arial"/>
+            </a:endParaRPr>
+          </a:p>
+        </p:txBody>
+      </p:sp>
+      <p:sp>
+        <p:nvSpPr>
+          <p:cNvPr id="127" name="CustomShape 2"/>
+          <p:cNvSpPr/>
           <p:nvPr/>
         </p:nvSpPr>
         <p:spPr>
           <a:xfrm>
             <a:off x="1371600" y="2286000"/>
-            <a:ext cx="9600840" cy="3580920"/>
+            <a:ext cx="9600480" cy="3580560"/>
           </a:xfrm>
           <a:prstGeom prst="rect">
             <a:avLst/>
           </a:prstGeom>
           <a:noFill/>
-          <a:ln>
+          <a:ln w="0">
             <a:noFill/>
           </a:ln>
         </p:spPr>
-        <p:txBody>
-          <a:bodyPr/>
-          <a:p>
-            <a:pPr marL="384120" indent="-383760">
+        <p:style>
+          <a:lnRef idx="0"/>
+          <a:fillRef idx="0"/>
+          <a:effectRef idx="0"/>
+          <a:fontRef idx="minor"/>
+        </p:style>
+        <p:txBody>
+          <a:bodyPr lIns="90000" rIns="90000" tIns="45000" bIns="45000">
+            <a:noAutofit/>
+          </a:bodyPr>
+          <a:p>
+            <a:pPr marL="384120" indent="-383400">
               <a:lnSpc>
                 <a:spcPct val="94000"/>
               </a:lnSpc>
@@ -7330,46 +6362,40 @@
                 </a:solidFill>
                 <a:latin typeface="Franklin Gothic Book"/>
               </a:rPr>
-              <a:t>Наша задача заключалась в создании модели для предсказания правильность ответов на вопросы</a:t>
+              <a:t>Провели deep анализ исходных данных в csv-файлах, разобрались в смысле колонок, прочитав их описание и перерыв кучу дискуссий.</a:t>
             </a:r>
-            <a:endParaRPr b="0" lang="en-US" sz="2000" spc="-1" strike="noStrike">
-              <a:solidFill>
-                <a:srgbClr val="432a30"/>
-              </a:solidFill>
-              <a:latin typeface="Franklin Gothic Book"/>
+            <a:endParaRPr b="0" lang="ru-RU" sz="2000" spc="-1" strike="noStrike">
+              <a:latin typeface="Arial"/>
+            </a:endParaRPr>
+          </a:p>
+          <a:p>
+            <a:pPr>
+              <a:lnSpc>
+                <a:spcPct val="94000"/>
+              </a:lnSpc>
+              <a:spcBef>
+                <a:spcPts val="1001"/>
+              </a:spcBef>
+              <a:spcAft>
+                <a:spcPts val="201"/>
+              </a:spcAft>
+            </a:pPr>
+            <a:endParaRPr b="0" lang="ru-RU" sz="2000" spc="-1" strike="noStrike">
+              <a:latin typeface="Arial"/>
             </a:endParaRPr>
           </a:p>
         </p:txBody>
       </p:sp>
     </p:spTree>
   </p:cSld>
-  <p:timing>
-    <p:tnLst>
-      <p:par>
-        <p:cTn id="5" dur="indefinite" restart="never" nodeType="tmRoot">
-          <p:childTnLst>
-            <p:seq>
-              <p:cTn id="6" dur="indefinite" nodeType="mainSeq"/>
-              <p:prevCondLst>
-                <p:cond delay="0" evt="onPrev">
-                  <p:tgtEl>
-                    <p:sldTgt/>
-                  </p:tgtEl>
-                </p:cond>
-              </p:prevCondLst>
-              <p:nextCondLst>
-                <p:cond delay="0" evt="onNext">
-                  <p:tgtEl>
-                    <p:sldTgt/>
-                  </p:tgtEl>
-                </p:cond>
-              </p:nextCondLst>
-            </p:seq>
-          </p:childTnLst>
-        </p:cTn>
-      </p:par>
-    </p:tnLst>
-  </p:timing>
+  <mc:AlternateContent>
+    <mc:Choice Requires="p14">
+      <p:transition spd="slow" p14:dur="2000"/>
+    </mc:Choice>
+    <mc:Fallback>
+      <p:transition spd="slow"/>
+    </mc:Fallback>
+  </mc:AlternateContent>
 </p:sld>
 </file>
 
@@ -7401,25 +6427,33 @@
       </p:grpSpPr>
       <p:sp>
         <p:nvSpPr>
-          <p:cNvPr id="139" name="TextShape 1"/>
-          <p:cNvSpPr txBox="1"/>
+          <p:cNvPr id="128" name="CustomShape 1"/>
+          <p:cNvSpPr/>
           <p:nvPr/>
         </p:nvSpPr>
         <p:spPr>
           <a:xfrm>
             <a:off x="1371600" y="685800"/>
-            <a:ext cx="9600840" cy="1485720"/>
+            <a:ext cx="9600480" cy="1485360"/>
           </a:xfrm>
           <a:prstGeom prst="rect">
             <a:avLst/>
           </a:prstGeom>
           <a:noFill/>
-          <a:ln>
+          <a:ln w="0">
             <a:noFill/>
           </a:ln>
         </p:spPr>
-        <p:txBody>
-          <a:bodyPr/>
+        <p:style>
+          <a:lnRef idx="0"/>
+          <a:fillRef idx="0"/>
+          <a:effectRef idx="0"/>
+          <a:fontRef idx="minor"/>
+        </p:style>
+        <p:txBody>
+          <a:bodyPr lIns="90000" rIns="90000" tIns="45000" bIns="45000">
+            <a:noAutofit/>
+          </a:bodyPr>
           <a:p>
             <a:pPr>
               <a:lnSpc>
@@ -7433,40 +6467,46 @@
                 </a:solidFill>
                 <a:latin typeface="Franklin Gothic Book"/>
               </a:rPr>
-              <a:t>Data observation</a:t>
+              <a:t>Feature engineering</a:t>
             </a:r>
-            <a:endParaRPr b="0" lang="en-US" sz="4400" spc="-1" strike="noStrike">
-              <a:solidFill>
-                <a:srgbClr val="000000"/>
-              </a:solidFill>
-              <a:latin typeface="Franklin Gothic Book"/>
-            </a:endParaRPr>
-          </a:p>
-        </p:txBody>
-      </p:sp>
-      <p:sp>
-        <p:nvSpPr>
-          <p:cNvPr id="140" name="TextShape 2"/>
-          <p:cNvSpPr txBox="1"/>
+            <a:br/>
+            <a:endParaRPr b="0" lang="ru-RU" sz="4400" spc="-1" strike="noStrike">
+              <a:latin typeface="Arial"/>
+            </a:endParaRPr>
+          </a:p>
+        </p:txBody>
+      </p:sp>
+      <p:sp>
+        <p:nvSpPr>
+          <p:cNvPr id="129" name="CustomShape 2"/>
+          <p:cNvSpPr/>
           <p:nvPr/>
         </p:nvSpPr>
         <p:spPr>
           <a:xfrm>
-            <a:off x="1371600" y="2286000"/>
-            <a:ext cx="9600840" cy="3580920"/>
+            <a:off x="1371600" y="1886040"/>
+            <a:ext cx="9600480" cy="3580560"/>
           </a:xfrm>
           <a:prstGeom prst="rect">
             <a:avLst/>
           </a:prstGeom>
           <a:noFill/>
-          <a:ln>
+          <a:ln w="0">
             <a:noFill/>
           </a:ln>
         </p:spPr>
-        <p:txBody>
-          <a:bodyPr/>
-          <a:p>
-            <a:pPr marL="384120" indent="-383760">
+        <p:style>
+          <a:lnRef idx="0"/>
+          <a:fillRef idx="0"/>
+          <a:effectRef idx="0"/>
+          <a:fontRef idx="minor"/>
+        </p:style>
+        <p:txBody>
+          <a:bodyPr lIns="90000" rIns="90000" tIns="45000" bIns="45000">
+            <a:noAutofit/>
+          </a:bodyPr>
+          <a:p>
+            <a:pPr marL="384120" indent="-383400">
               <a:lnSpc>
                 <a:spcPct val="94000"/>
               </a:lnSpc>
@@ -7489,13 +6529,10 @@
                 </a:solidFill>
                 <a:latin typeface="Franklin Gothic Book"/>
               </a:rPr>
-              <a:t>Провели deep анализ исходных данных в csv-файлах, разобрались в смысле колонок, прочитав их описание, перерыли кучу дискуссий в поисках смысла…</a:t>
+              <a:t>В ходе командного обсуждения были предложены идеи признаков для обучения модели</a:t>
             </a:r>
-            <a:endParaRPr b="0" lang="en-US" sz="2000" spc="-1" strike="noStrike">
-              <a:solidFill>
-                <a:srgbClr val="432a30"/>
-              </a:solidFill>
-              <a:latin typeface="Franklin Gothic Book"/>
+            <a:endParaRPr b="0" lang="ru-RU" sz="2000" spc="-1" strike="noStrike">
+              <a:latin typeface="Arial"/>
             </a:endParaRPr>
           </a:p>
           <a:p>
@@ -7510,44 +6547,45 @@
                 <a:spcPts val="201"/>
               </a:spcAft>
             </a:pPr>
-            <a:endParaRPr b="0" lang="en-US" sz="2000" spc="-1" strike="noStrike">
-              <a:solidFill>
-                <a:srgbClr val="432a30"/>
-              </a:solidFill>
-              <a:latin typeface="Franklin Gothic Book"/>
-            </a:endParaRPr>
-          </a:p>
-        </p:txBody>
-      </p:sp>
+            <a:endParaRPr b="0" lang="ru-RU" sz="2000" spc="-1" strike="noStrike">
+              <a:latin typeface="Arial"/>
+            </a:endParaRPr>
+          </a:p>
+        </p:txBody>
+      </p:sp>
+      <p:pic>
+        <p:nvPicPr>
+          <p:cNvPr id="130" name="Рисунок 6" descr=""/>
+          <p:cNvPicPr/>
+          <p:nvPr/>
+        </p:nvPicPr>
+        <p:blipFill>
+          <a:blip r:embed="rId1"/>
+          <a:stretch/>
+        </p:blipFill>
+        <p:spPr>
+          <a:xfrm>
+            <a:off x="994680" y="2675880"/>
+            <a:ext cx="10354320" cy="3495600"/>
+          </a:xfrm>
+          <a:prstGeom prst="rect">
+            <a:avLst/>
+          </a:prstGeom>
+          <a:ln w="0">
+            <a:noFill/>
+          </a:ln>
+        </p:spPr>
+      </p:pic>
     </p:spTree>
   </p:cSld>
-  <p:timing>
-    <p:tnLst>
-      <p:par>
-        <p:cTn id="7" dur="indefinite" restart="never" nodeType="tmRoot">
-          <p:childTnLst>
-            <p:seq>
-              <p:cTn id="8" dur="indefinite" nodeType="mainSeq"/>
-              <p:prevCondLst>
-                <p:cond delay="0" evt="onPrev">
-                  <p:tgtEl>
-                    <p:sldTgt/>
-                  </p:tgtEl>
-                </p:cond>
-              </p:prevCondLst>
-              <p:nextCondLst>
-                <p:cond delay="0" evt="onNext">
-                  <p:tgtEl>
-                    <p:sldTgt/>
-                  </p:tgtEl>
-                </p:cond>
-              </p:nextCondLst>
-            </p:seq>
-          </p:childTnLst>
-        </p:cTn>
-      </p:par>
-    </p:tnLst>
-  </p:timing>
+  <mc:AlternateContent>
+    <mc:Choice Requires="p14">
+      <p:transition spd="slow" p14:dur="2000"/>
+    </mc:Choice>
+    <mc:Fallback>
+      <p:transition spd="slow"/>
+    </mc:Fallback>
+  </mc:AlternateContent>
 </p:sld>
 </file>
 
@@ -7577,130 +6615,9 @@
           <a:chExt cx="0" cy="0"/>
         </a:xfrm>
       </p:grpSpPr>
-      <p:sp>
-        <p:nvSpPr>
-          <p:cNvPr id="141" name="TextShape 1"/>
-          <p:cNvSpPr txBox="1"/>
-          <p:nvPr/>
-        </p:nvSpPr>
-        <p:spPr>
-          <a:xfrm>
-            <a:off x="1371600" y="685800"/>
-            <a:ext cx="9600840" cy="1485720"/>
-          </a:xfrm>
-          <a:prstGeom prst="rect">
-            <a:avLst/>
-          </a:prstGeom>
-          <a:noFill/>
-          <a:ln>
-            <a:noFill/>
-          </a:ln>
-        </p:spPr>
-        <p:txBody>
-          <a:bodyPr/>
-          <a:p>
-            <a:pPr>
-              <a:lnSpc>
-                <a:spcPct val="89000"/>
-              </a:lnSpc>
-            </a:pPr>
-            <a:r>
-              <a:rPr b="0" lang="en-US" sz="4400" spc="-1" strike="noStrike">
-                <a:solidFill>
-                  <a:srgbClr val="432a30"/>
-                </a:solidFill>
-                <a:latin typeface="Franklin Gothic Book"/>
-              </a:rPr>
-              <a:t>Feature engineering</a:t>
-            </a:r>
-            <a:br/>
-            <a:endParaRPr b="0" lang="en-US" sz="4400" spc="-1" strike="noStrike">
-              <a:solidFill>
-                <a:srgbClr val="000000"/>
-              </a:solidFill>
-              <a:latin typeface="Franklin Gothic Book"/>
-            </a:endParaRPr>
-          </a:p>
-        </p:txBody>
-      </p:sp>
-      <p:sp>
-        <p:nvSpPr>
-          <p:cNvPr id="142" name="TextShape 2"/>
-          <p:cNvSpPr txBox="1"/>
-          <p:nvPr/>
-        </p:nvSpPr>
-        <p:spPr>
-          <a:xfrm>
-            <a:off x="1371600" y="1886040"/>
-            <a:ext cx="9600840" cy="3580920"/>
-          </a:xfrm>
-          <a:prstGeom prst="rect">
-            <a:avLst/>
-          </a:prstGeom>
-          <a:noFill/>
-          <a:ln>
-            <a:noFill/>
-          </a:ln>
-        </p:spPr>
-        <p:txBody>
-          <a:bodyPr/>
-          <a:p>
-            <a:pPr marL="384120" indent="-383760">
-              <a:lnSpc>
-                <a:spcPct val="94000"/>
-              </a:lnSpc>
-              <a:spcBef>
-                <a:spcPts val="1001"/>
-              </a:spcBef>
-              <a:spcAft>
-                <a:spcPts val="201"/>
-              </a:spcAft>
-              <a:buClr>
-                <a:srgbClr val="432a30"/>
-              </a:buClr>
-              <a:buFont typeface="Franklin Gothic Book"/>
-              <a:buChar char="■"/>
-            </a:pPr>
-            <a:r>
-              <a:rPr b="0" lang="en-US" sz="2000" spc="-1" strike="noStrike">
-                <a:solidFill>
-                  <a:srgbClr val="432a30"/>
-                </a:solidFill>
-                <a:latin typeface="Franklin Gothic Book"/>
-              </a:rPr>
-              <a:t>В ходе командного обсуждения были предложены идеи признаков для обучения модели</a:t>
-            </a:r>
-            <a:endParaRPr b="0" lang="en-US" sz="2000" spc="-1" strike="noStrike">
-              <a:solidFill>
-                <a:srgbClr val="432a30"/>
-              </a:solidFill>
-              <a:latin typeface="Franklin Gothic Book"/>
-            </a:endParaRPr>
-          </a:p>
-          <a:p>
-            <a:pPr>
-              <a:lnSpc>
-                <a:spcPct val="94000"/>
-              </a:lnSpc>
-              <a:spcBef>
-                <a:spcPts val="1001"/>
-              </a:spcBef>
-              <a:spcAft>
-                <a:spcPts val="201"/>
-              </a:spcAft>
-            </a:pPr>
-            <a:endParaRPr b="0" lang="en-US" sz="2000" spc="-1" strike="noStrike">
-              <a:solidFill>
-                <a:srgbClr val="432a30"/>
-              </a:solidFill>
-              <a:latin typeface="Franklin Gothic Book"/>
-            </a:endParaRPr>
-          </a:p>
-        </p:txBody>
-      </p:sp>
       <p:pic>
         <p:nvPicPr>
-          <p:cNvPr id="143" name="Рисунок 6" descr=""/>
+          <p:cNvPr id="131" name="Рисунок 5" descr=""/>
           <p:cNvPicPr/>
           <p:nvPr/>
         </p:nvPicPr>
@@ -7710,46 +6627,27 @@
         </p:blipFill>
         <p:spPr>
           <a:xfrm>
-            <a:off x="994680" y="2675880"/>
-            <a:ext cx="10354680" cy="3495960"/>
-          </a:xfrm>
-          <a:prstGeom prst="rect">
-            <a:avLst/>
-          </a:prstGeom>
-          <a:ln>
+            <a:off x="3270240" y="324000"/>
+            <a:ext cx="6209640" cy="6209640"/>
+          </a:xfrm>
+          <a:prstGeom prst="rect">
+            <a:avLst/>
+          </a:prstGeom>
+          <a:ln w="0">
             <a:noFill/>
           </a:ln>
         </p:spPr>
       </p:pic>
     </p:spTree>
   </p:cSld>
-  <p:timing>
-    <p:tnLst>
-      <p:par>
-        <p:cTn id="9" dur="indefinite" restart="never" nodeType="tmRoot">
-          <p:childTnLst>
-            <p:seq>
-              <p:cTn id="10" dur="indefinite" nodeType="mainSeq"/>
-              <p:prevCondLst>
-                <p:cond delay="0" evt="onPrev">
-                  <p:tgtEl>
-                    <p:sldTgt/>
-                  </p:tgtEl>
-                </p:cond>
-              </p:prevCondLst>
-              <p:nextCondLst>
-                <p:cond delay="0" evt="onNext">
-                  <p:tgtEl>
-                    <p:sldTgt/>
-                  </p:tgtEl>
-                </p:cond>
-              </p:nextCondLst>
-            </p:seq>
-          </p:childTnLst>
-        </p:cTn>
-      </p:par>
-    </p:tnLst>
-  </p:timing>
+  <mc:AlternateContent>
+    <mc:Choice Requires="p14">
+      <p:transition spd="slow" p14:dur="2000"/>
+    </mc:Choice>
+    <mc:Fallback>
+      <p:transition spd="slow"/>
+    </mc:Fallback>
+  </mc:AlternateContent>
 </p:sld>
 </file>
 
@@ -7779,9 +6677,35 @@
           <a:chExt cx="0" cy="0"/>
         </a:xfrm>
       </p:grpSpPr>
+      <p:sp>
+        <p:nvSpPr>
+          <p:cNvPr id="132" name="CustomShape 1"/>
+          <p:cNvSpPr/>
+          <p:nvPr/>
+        </p:nvSpPr>
+        <p:spPr>
+          <a:xfrm>
+            <a:off x="1371600" y="685800"/>
+            <a:ext cx="9600480" cy="1485360"/>
+          </a:xfrm>
+          <a:prstGeom prst="rect">
+            <a:avLst/>
+          </a:prstGeom>
+          <a:noFill/>
+          <a:ln w="0">
+            <a:noFill/>
+          </a:ln>
+        </p:spPr>
+        <p:style>
+          <a:lnRef idx="0"/>
+          <a:fillRef idx="0"/>
+          <a:effectRef idx="0"/>
+          <a:fontRef idx="minor"/>
+        </p:style>
+      </p:sp>
       <p:pic>
         <p:nvPicPr>
-          <p:cNvPr id="144" name="Рисунок 5" descr=""/>
+          <p:cNvPr id="133" name="Рисунок 3" descr=""/>
           <p:cNvPicPr/>
           <p:nvPr/>
         </p:nvPicPr>
@@ -7791,46 +6715,27 @@
         </p:blipFill>
         <p:spPr>
           <a:xfrm>
-            <a:off x="3270240" y="324000"/>
-            <a:ext cx="6210000" cy="6210000"/>
-          </a:xfrm>
-          <a:prstGeom prst="rect">
-            <a:avLst/>
-          </a:prstGeom>
-          <a:ln>
+            <a:off x="926640" y="959760"/>
+            <a:ext cx="10972080" cy="4938120"/>
+          </a:xfrm>
+          <a:prstGeom prst="rect">
+            <a:avLst/>
+          </a:prstGeom>
+          <a:ln w="0">
             <a:noFill/>
           </a:ln>
         </p:spPr>
       </p:pic>
     </p:spTree>
   </p:cSld>
-  <p:timing>
-    <p:tnLst>
-      <p:par>
-        <p:cTn id="11" dur="indefinite" restart="never" nodeType="tmRoot">
-          <p:childTnLst>
-            <p:seq>
-              <p:cTn id="12" dur="indefinite" nodeType="mainSeq"/>
-              <p:prevCondLst>
-                <p:cond delay="0" evt="onPrev">
-                  <p:tgtEl>
-                    <p:sldTgt/>
-                  </p:tgtEl>
-                </p:cond>
-              </p:prevCondLst>
-              <p:nextCondLst>
-                <p:cond delay="0" evt="onNext">
-                  <p:tgtEl>
-                    <p:sldTgt/>
-                  </p:tgtEl>
-                </p:cond>
-              </p:nextCondLst>
-            </p:seq>
-          </p:childTnLst>
-        </p:cTn>
-      </p:par>
-    </p:tnLst>
-  </p:timing>
+  <mc:AlternateContent>
+    <mc:Choice Requires="p14">
+      <p:transition spd="slow" p14:dur="2000"/>
+    </mc:Choice>
+    <mc:Fallback>
+      <p:transition spd="slow"/>
+    </mc:Fallback>
+  </mc:AlternateContent>
 </p:sld>
 </file>
 
@@ -7862,87 +6767,126 @@
       </p:grpSpPr>
       <p:sp>
         <p:nvSpPr>
-          <p:cNvPr id="145" name="TextShape 1"/>
-          <p:cNvSpPr txBox="1"/>
+          <p:cNvPr id="134" name="CustomShape 1"/>
+          <p:cNvSpPr/>
           <p:nvPr/>
         </p:nvSpPr>
         <p:spPr>
           <a:xfrm>
             <a:off x="1371600" y="685800"/>
-            <a:ext cx="9600840" cy="1485720"/>
+            <a:ext cx="9600480" cy="1485360"/>
           </a:xfrm>
           <a:prstGeom prst="rect">
             <a:avLst/>
           </a:prstGeom>
           <a:noFill/>
-          <a:ln>
+          <a:ln w="0">
             <a:noFill/>
           </a:ln>
         </p:spPr>
-        <p:txBody>
-          <a:bodyPr/>
-          <a:p>
-            <a:endParaRPr b="0" lang="en-US" sz="1800" spc="-1" strike="noStrike">
-              <a:solidFill>
-                <a:srgbClr val="000000"/>
-              </a:solidFill>
-              <a:latin typeface="Franklin Gothic Book"/>
-            </a:endParaRPr>
-          </a:p>
-        </p:txBody>
-      </p:sp>
-      <p:pic>
-        <p:nvPicPr>
-          <p:cNvPr id="146" name="Рисунок 3" descr=""/>
-          <p:cNvPicPr/>
+        <p:style>
+          <a:lnRef idx="0"/>
+          <a:fillRef idx="0"/>
+          <a:effectRef idx="0"/>
+          <a:fontRef idx="minor"/>
+        </p:style>
+        <p:txBody>
+          <a:bodyPr lIns="90000" rIns="90000" tIns="45000" bIns="45000">
+            <a:noAutofit/>
+          </a:bodyPr>
+          <a:p>
+            <a:pPr>
+              <a:lnSpc>
+                <a:spcPct val="89000"/>
+              </a:lnSpc>
+            </a:pPr>
+            <a:r>
+              <a:rPr b="0" lang="en-US" sz="4400" spc="-1" strike="noStrike">
+                <a:solidFill>
+                  <a:srgbClr val="432a30"/>
+                </a:solidFill>
+                <a:latin typeface="Franklin Gothic Book"/>
+              </a:rPr>
+              <a:t>Data preparation</a:t>
+            </a:r>
+            <a:br/>
+            <a:endParaRPr b="0" lang="ru-RU" sz="4400" spc="-1" strike="noStrike">
+              <a:latin typeface="Arial"/>
+            </a:endParaRPr>
+          </a:p>
+        </p:txBody>
+      </p:sp>
+      <p:sp>
+        <p:nvSpPr>
+          <p:cNvPr id="135" name="CustomShape 2"/>
+          <p:cNvSpPr/>
           <p:nvPr/>
-        </p:nvPicPr>
-        <p:blipFill>
-          <a:blip r:embed="rId1"/>
-          <a:stretch/>
-        </p:blipFill>
-        <p:spPr>
-          <a:xfrm>
-            <a:off x="926640" y="959760"/>
-            <a:ext cx="10972440" cy="4938480"/>
-          </a:xfrm>
-          <a:prstGeom prst="rect">
-            <a:avLst/>
-          </a:prstGeom>
-          <a:ln>
+        </p:nvSpPr>
+        <p:spPr>
+          <a:xfrm>
+            <a:off x="1371600" y="2286000"/>
+            <a:ext cx="9600480" cy="3580560"/>
+          </a:xfrm>
+          <a:prstGeom prst="rect">
+            <a:avLst/>
+          </a:prstGeom>
+          <a:noFill/>
+          <a:ln w="0">
             <a:noFill/>
           </a:ln>
         </p:spPr>
-      </p:pic>
+        <p:style>
+          <a:lnRef idx="0"/>
+          <a:fillRef idx="0"/>
+          <a:effectRef idx="0"/>
+          <a:fontRef idx="minor"/>
+        </p:style>
+        <p:txBody>
+          <a:bodyPr lIns="90000" rIns="90000" tIns="45000" bIns="45000">
+            <a:noAutofit/>
+          </a:bodyPr>
+          <a:p>
+            <a:pPr marL="384120" indent="-383400">
+              <a:lnSpc>
+                <a:spcPct val="94000"/>
+              </a:lnSpc>
+              <a:spcBef>
+                <a:spcPts val="1001"/>
+              </a:spcBef>
+              <a:spcAft>
+                <a:spcPts val="201"/>
+              </a:spcAft>
+              <a:buClr>
+                <a:srgbClr val="432a30"/>
+              </a:buClr>
+              <a:buFont typeface="Franklin Gothic Book"/>
+              <a:buChar char="■"/>
+            </a:pPr>
+            <a:r>
+              <a:rPr b="0" lang="en-US" sz="2000" spc="-1" strike="noStrike">
+                <a:solidFill>
+                  <a:srgbClr val="432a30"/>
+                </a:solidFill>
+                <a:latin typeface="Franklin Gothic Book"/>
+              </a:rPr>
+              <a:t>На данном этапе была проведена чистка данных от пропусков, необходимые преобразования данных и их объединение в один обучающий датасет.</a:t>
+            </a:r>
+            <a:endParaRPr b="0" lang="ru-RU" sz="2000" spc="-1" strike="noStrike">
+              <a:latin typeface="Arial"/>
+            </a:endParaRPr>
+          </a:p>
+        </p:txBody>
+      </p:sp>
     </p:spTree>
   </p:cSld>
-  <p:timing>
-    <p:tnLst>
-      <p:par>
-        <p:cTn id="13" dur="indefinite" restart="never" nodeType="tmRoot">
-          <p:childTnLst>
-            <p:seq>
-              <p:cTn id="14" dur="indefinite" nodeType="mainSeq"/>
-              <p:prevCondLst>
-                <p:cond delay="0" evt="onPrev">
-                  <p:tgtEl>
-                    <p:sldTgt/>
-                  </p:tgtEl>
-                </p:cond>
-              </p:prevCondLst>
-              <p:nextCondLst>
-                <p:cond delay="0" evt="onNext">
-                  <p:tgtEl>
-                    <p:sldTgt/>
-                  </p:tgtEl>
-                </p:cond>
-              </p:nextCondLst>
-            </p:seq>
-          </p:childTnLst>
-        </p:cTn>
-      </p:par>
-    </p:tnLst>
-  </p:timing>
+  <mc:AlternateContent>
+    <mc:Choice Requires="p14">
+      <p:transition spd="slow" p14:dur="2000"/>
+    </mc:Choice>
+    <mc:Fallback>
+      <p:transition spd="slow"/>
+    </mc:Fallback>
+  </mc:AlternateContent>
 </p:sld>
 </file>
 
@@ -7974,25 +6918,33 @@
       </p:grpSpPr>
       <p:sp>
         <p:nvSpPr>
-          <p:cNvPr id="147" name="TextShape 1"/>
-          <p:cNvSpPr txBox="1"/>
+          <p:cNvPr id="136" name="CustomShape 1"/>
+          <p:cNvSpPr/>
           <p:nvPr/>
         </p:nvSpPr>
         <p:spPr>
           <a:xfrm>
             <a:off x="1371600" y="685800"/>
-            <a:ext cx="9600840" cy="1485720"/>
+            <a:ext cx="9600480" cy="1485360"/>
           </a:xfrm>
           <a:prstGeom prst="rect">
             <a:avLst/>
           </a:prstGeom>
           <a:noFill/>
-          <a:ln>
+          <a:ln w="0">
             <a:noFill/>
           </a:ln>
         </p:spPr>
-        <p:txBody>
-          <a:bodyPr/>
+        <p:style>
+          <a:lnRef idx="0"/>
+          <a:fillRef idx="0"/>
+          <a:effectRef idx="0"/>
+          <a:fontRef idx="minor"/>
+        </p:style>
+        <p:txBody>
+          <a:bodyPr lIns="90000" rIns="90000" tIns="45000" bIns="45000">
+            <a:noAutofit/>
+          </a:bodyPr>
           <a:p>
             <a:pPr>
               <a:lnSpc>
@@ -8006,41 +6958,46 @@
                 </a:solidFill>
                 <a:latin typeface="Franklin Gothic Book"/>
               </a:rPr>
-              <a:t>Data preparation</a:t>
+              <a:t>Обучение модели</a:t>
             </a:r>
             <a:br/>
-            <a:endParaRPr b="0" lang="en-US" sz="4400" spc="-1" strike="noStrike">
-              <a:solidFill>
-                <a:srgbClr val="000000"/>
-              </a:solidFill>
-              <a:latin typeface="Franklin Gothic Book"/>
-            </a:endParaRPr>
-          </a:p>
-        </p:txBody>
-      </p:sp>
-      <p:sp>
-        <p:nvSpPr>
-          <p:cNvPr id="148" name="TextShape 2"/>
-          <p:cNvSpPr txBox="1"/>
+            <a:endParaRPr b="0" lang="ru-RU" sz="4400" spc="-1" strike="noStrike">
+              <a:latin typeface="Arial"/>
+            </a:endParaRPr>
+          </a:p>
+        </p:txBody>
+      </p:sp>
+      <p:sp>
+        <p:nvSpPr>
+          <p:cNvPr id="137" name="CustomShape 2"/>
+          <p:cNvSpPr/>
           <p:nvPr/>
         </p:nvSpPr>
         <p:spPr>
           <a:xfrm>
             <a:off x="1371600" y="2286000"/>
-            <a:ext cx="9600840" cy="3580920"/>
+            <a:ext cx="9600480" cy="3580560"/>
           </a:xfrm>
           <a:prstGeom prst="rect">
             <a:avLst/>
           </a:prstGeom>
           <a:noFill/>
-          <a:ln>
+          <a:ln w="0">
             <a:noFill/>
           </a:ln>
         </p:spPr>
-        <p:txBody>
-          <a:bodyPr/>
-          <a:p>
-            <a:pPr marL="384120" indent="-383760">
+        <p:style>
+          <a:lnRef idx="0"/>
+          <a:fillRef idx="0"/>
+          <a:effectRef idx="0"/>
+          <a:fontRef idx="minor"/>
+        </p:style>
+        <p:txBody>
+          <a:bodyPr lIns="90000" rIns="90000" tIns="45000" bIns="45000">
+            <a:noAutofit/>
+          </a:bodyPr>
+          <a:p>
+            <a:pPr marL="384120" indent="-383400">
               <a:lnSpc>
                 <a:spcPct val="94000"/>
               </a:lnSpc>
@@ -8063,46 +7020,93 @@
                 </a:solidFill>
                 <a:latin typeface="Franklin Gothic Book"/>
               </a:rPr>
-              <a:t>На данном этапе была проведена чистка данных от пропусков, необходимые преобразования данных и их объединение в один обучающий датасет.</a:t>
+              <a:t>Для обучения модели были выбраны Random Forest и XGBoost</a:t>
             </a:r>
-            <a:endParaRPr b="0" lang="en-US" sz="2000" spc="-1" strike="noStrike">
-              <a:solidFill>
+            <a:endParaRPr b="0" lang="ru-RU" sz="2000" spc="-1" strike="noStrike">
+              <a:latin typeface="Arial"/>
+            </a:endParaRPr>
+          </a:p>
+          <a:p>
+            <a:pPr marL="384120" indent="-383400">
+              <a:lnSpc>
+                <a:spcPct val="94000"/>
+              </a:lnSpc>
+              <a:spcBef>
+                <a:spcPts val="1001"/>
+              </a:spcBef>
+              <a:spcAft>
+                <a:spcPts val="201"/>
+              </a:spcAft>
+              <a:buClr>
                 <a:srgbClr val="432a30"/>
-              </a:solidFill>
-              <a:latin typeface="Franklin Gothic Book"/>
-            </a:endParaRPr>
-          </a:p>
-        </p:txBody>
-      </p:sp>
+              </a:buClr>
+              <a:buFont typeface="Franklin Gothic Book"/>
+              <a:buChar char="■"/>
+            </a:pPr>
+            <a:r>
+              <a:rPr b="0" lang="en-US" sz="2000" spc="-1" strike="noStrike">
+                <a:solidFill>
+                  <a:srgbClr val="432a30"/>
+                </a:solidFill>
+                <a:latin typeface="Franklin Gothic Book"/>
+              </a:rPr>
+              <a:t>Была проведена валидация модели: 80% на обучение и 20% на валидацию.</a:t>
+            </a:r>
+            <a:endParaRPr b="0" lang="ru-RU" sz="2000" spc="-1" strike="noStrike">
+              <a:latin typeface="Arial"/>
+            </a:endParaRPr>
+          </a:p>
+          <a:p>
+            <a:pPr>
+              <a:lnSpc>
+                <a:spcPct val="94000"/>
+              </a:lnSpc>
+              <a:spcBef>
+                <a:spcPts val="1001"/>
+              </a:spcBef>
+              <a:spcAft>
+                <a:spcPts val="201"/>
+              </a:spcAft>
+            </a:pPr>
+            <a:endParaRPr b="0" lang="ru-RU" sz="2000" spc="-1" strike="noStrike">
+              <a:latin typeface="Arial"/>
+            </a:endParaRPr>
+          </a:p>
+        </p:txBody>
+      </p:sp>
+      <p:pic>
+        <p:nvPicPr>
+          <p:cNvPr id="138" name="Рисунок 4" descr=""/>
+          <p:cNvPicPr/>
+          <p:nvPr/>
+        </p:nvPicPr>
+        <p:blipFill>
+          <a:blip r:embed="rId1"/>
+          <a:stretch/>
+        </p:blipFill>
+        <p:spPr>
+          <a:xfrm>
+            <a:off x="3419280" y="3429000"/>
+            <a:ext cx="5352480" cy="478080"/>
+          </a:xfrm>
+          <a:prstGeom prst="rect">
+            <a:avLst/>
+          </a:prstGeom>
+          <a:ln w="0">
+            <a:noFill/>
+          </a:ln>
+        </p:spPr>
+      </p:pic>
     </p:spTree>
   </p:cSld>
-  <p:timing>
-    <p:tnLst>
-      <p:par>
-        <p:cTn id="15" dur="indefinite" restart="never" nodeType="tmRoot">
-          <p:childTnLst>
-            <p:seq>
-              <p:cTn id="16" dur="indefinite" nodeType="mainSeq"/>
-              <p:prevCondLst>
-                <p:cond delay="0" evt="onPrev">
-                  <p:tgtEl>
-                    <p:sldTgt/>
-                  </p:tgtEl>
-                </p:cond>
-              </p:prevCondLst>
-              <p:nextCondLst>
-                <p:cond delay="0" evt="onNext">
-                  <p:tgtEl>
-                    <p:sldTgt/>
-                  </p:tgtEl>
-                </p:cond>
-              </p:nextCondLst>
-            </p:seq>
-          </p:childTnLst>
-        </p:cTn>
-      </p:par>
-    </p:tnLst>
-  </p:timing>
+  <mc:AlternateContent>
+    <mc:Choice Requires="p14">
+      <p:transition spd="slow" p14:dur="2000"/>
+    </mc:Choice>
+    <mc:Fallback>
+      <p:transition spd="slow"/>
+    </mc:Fallback>
+  </mc:AlternateContent>
 </p:sld>
 </file>
 
@@ -8134,25 +7138,33 @@
       </p:grpSpPr>
       <p:sp>
         <p:nvSpPr>
-          <p:cNvPr id="149" name="TextShape 1"/>
-          <p:cNvSpPr txBox="1"/>
+          <p:cNvPr id="139" name="CustomShape 1"/>
+          <p:cNvSpPr/>
           <p:nvPr/>
         </p:nvSpPr>
         <p:spPr>
           <a:xfrm>
             <a:off x="1371600" y="685800"/>
-            <a:ext cx="9600840" cy="1485720"/>
+            <a:ext cx="9600480" cy="1485360"/>
           </a:xfrm>
           <a:prstGeom prst="rect">
             <a:avLst/>
           </a:prstGeom>
           <a:noFill/>
-          <a:ln>
+          <a:ln w="0">
             <a:noFill/>
           </a:ln>
         </p:spPr>
-        <p:txBody>
-          <a:bodyPr/>
+        <p:style>
+          <a:lnRef idx="0"/>
+          <a:fillRef idx="0"/>
+          <a:effectRef idx="0"/>
+          <a:fontRef idx="minor"/>
+        </p:style>
+        <p:txBody>
+          <a:bodyPr lIns="90000" rIns="90000" tIns="45000" bIns="45000">
+            <a:noAutofit/>
+          </a:bodyPr>
           <a:p>
             <a:pPr>
               <a:lnSpc>
@@ -8166,41 +7178,45 @@
                 </a:solidFill>
                 <a:latin typeface="Franklin Gothic Book"/>
               </a:rPr>
-              <a:t>Обучение модели</a:t>
+              <a:t>Гиперпараметры</a:t>
             </a:r>
-            <a:br/>
-            <a:endParaRPr b="0" lang="en-US" sz="4400" spc="-1" strike="noStrike">
-              <a:solidFill>
-                <a:srgbClr val="000000"/>
-              </a:solidFill>
-              <a:latin typeface="Franklin Gothic Book"/>
-            </a:endParaRPr>
-          </a:p>
-        </p:txBody>
-      </p:sp>
-      <p:sp>
-        <p:nvSpPr>
-          <p:cNvPr id="150" name="TextShape 2"/>
-          <p:cNvSpPr txBox="1"/>
+            <a:endParaRPr b="0" lang="ru-RU" sz="4400" spc="-1" strike="noStrike">
+              <a:latin typeface="Arial"/>
+            </a:endParaRPr>
+          </a:p>
+        </p:txBody>
+      </p:sp>
+      <p:sp>
+        <p:nvSpPr>
+          <p:cNvPr id="140" name="CustomShape 2"/>
+          <p:cNvSpPr/>
           <p:nvPr/>
         </p:nvSpPr>
         <p:spPr>
           <a:xfrm>
-            <a:off x="1371600" y="2286000"/>
-            <a:ext cx="9600840" cy="3580920"/>
+            <a:off x="1371600" y="1638360"/>
+            <a:ext cx="9600480" cy="703440"/>
           </a:xfrm>
           <a:prstGeom prst="rect">
             <a:avLst/>
           </a:prstGeom>
           <a:noFill/>
-          <a:ln>
+          <a:ln w="0">
             <a:noFill/>
           </a:ln>
         </p:spPr>
-        <p:txBody>
-          <a:bodyPr/>
-          <a:p>
-            <a:pPr marL="384120" indent="-383760">
+        <p:style>
+          <a:lnRef idx="0"/>
+          <a:fillRef idx="0"/>
+          <a:effectRef idx="0"/>
+          <a:fontRef idx="minor"/>
+        </p:style>
+        <p:txBody>
+          <a:bodyPr lIns="90000" rIns="90000" tIns="45000" bIns="45000">
+            <a:noAutofit/>
+          </a:bodyPr>
+          <a:p>
+            <a:pPr marL="384120" indent="-383400">
               <a:lnSpc>
                 <a:spcPct val="94000"/>
               </a:lnSpc>
@@ -8223,72 +7239,17 @@
                 </a:solidFill>
                 <a:latin typeface="Franklin Gothic Book"/>
               </a:rPr>
-              <a:t>Для обучения модели были выбраны Random Forest и XGBoost</a:t>
+              <a:t>Подбор гиперпараметров проводился с помощью пакета hyperopt</a:t>
             </a:r>
-            <a:endParaRPr b="0" lang="en-US" sz="2000" spc="-1" strike="noStrike">
-              <a:solidFill>
-                <a:srgbClr val="432a30"/>
-              </a:solidFill>
-              <a:latin typeface="Franklin Gothic Book"/>
-            </a:endParaRPr>
-          </a:p>
-          <a:p>
-            <a:pPr marL="384120" indent="-383760">
-              <a:lnSpc>
-                <a:spcPct val="94000"/>
-              </a:lnSpc>
-              <a:spcBef>
-                <a:spcPts val="1001"/>
-              </a:spcBef>
-              <a:spcAft>
-                <a:spcPts val="201"/>
-              </a:spcAft>
-              <a:buClr>
-                <a:srgbClr val="432a30"/>
-              </a:buClr>
-              <a:buFont typeface="Franklin Gothic Book"/>
-              <a:buChar char="■"/>
-            </a:pPr>
-            <a:r>
-              <a:rPr b="0" lang="en-US" sz="2000" spc="-1" strike="noStrike">
-                <a:solidFill>
-                  <a:srgbClr val="432a30"/>
-                </a:solidFill>
-                <a:latin typeface="Franklin Gothic Book"/>
-              </a:rPr>
-              <a:t>Была проведена валидация модели: 80% на обучение и 20% на валидацию.</a:t>
-            </a:r>
-            <a:endParaRPr b="0" lang="en-US" sz="2000" spc="-1" strike="noStrike">
-              <a:solidFill>
-                <a:srgbClr val="432a30"/>
-              </a:solidFill>
-              <a:latin typeface="Franklin Gothic Book"/>
-            </a:endParaRPr>
-          </a:p>
-          <a:p>
-            <a:pPr>
-              <a:lnSpc>
-                <a:spcPct val="94000"/>
-              </a:lnSpc>
-              <a:spcBef>
-                <a:spcPts val="1001"/>
-              </a:spcBef>
-              <a:spcAft>
-                <a:spcPts val="201"/>
-              </a:spcAft>
-            </a:pPr>
-            <a:endParaRPr b="0" lang="en-US" sz="2000" spc="-1" strike="noStrike">
-              <a:solidFill>
-                <a:srgbClr val="432a30"/>
-              </a:solidFill>
-              <a:latin typeface="Franklin Gothic Book"/>
+            <a:endParaRPr b="0" lang="ru-RU" sz="2000" spc="-1" strike="noStrike">
+              <a:latin typeface="Arial"/>
             </a:endParaRPr>
           </a:p>
         </p:txBody>
       </p:sp>
       <p:pic>
         <p:nvPicPr>
-          <p:cNvPr id="151" name="Рисунок 4" descr=""/>
+          <p:cNvPr id="141" name="Рисунок 4" descr=""/>
           <p:cNvPicPr/>
           <p:nvPr/>
         </p:nvPicPr>
@@ -8298,46 +7259,27 @@
         </p:blipFill>
         <p:spPr>
           <a:xfrm>
-            <a:off x="3419280" y="3429000"/>
-            <a:ext cx="5352840" cy="478440"/>
-          </a:xfrm>
-          <a:prstGeom prst="rect">
-            <a:avLst/>
-          </a:prstGeom>
-          <a:ln>
+            <a:off x="3214800" y="2293560"/>
+            <a:ext cx="5914440" cy="4435560"/>
+          </a:xfrm>
+          <a:prstGeom prst="rect">
+            <a:avLst/>
+          </a:prstGeom>
+          <a:ln w="0">
             <a:noFill/>
           </a:ln>
         </p:spPr>
       </p:pic>
     </p:spTree>
   </p:cSld>
-  <p:timing>
-    <p:tnLst>
-      <p:par>
-        <p:cTn id="17" dur="indefinite" restart="never" nodeType="tmRoot">
-          <p:childTnLst>
-            <p:seq>
-              <p:cTn id="18" dur="indefinite" nodeType="mainSeq"/>
-              <p:prevCondLst>
-                <p:cond delay="0" evt="onPrev">
-                  <p:tgtEl>
-                    <p:sldTgt/>
-                  </p:tgtEl>
-                </p:cond>
-              </p:prevCondLst>
-              <p:nextCondLst>
-                <p:cond delay="0" evt="onNext">
-                  <p:tgtEl>
-                    <p:sldTgt/>
-                  </p:tgtEl>
-                </p:cond>
-              </p:nextCondLst>
-            </p:seq>
-          </p:childTnLst>
-        </p:cTn>
-      </p:par>
-    </p:tnLst>
-  </p:timing>
+  <mc:AlternateContent>
+    <mc:Choice Requires="p14">
+      <p:transition spd="slow" p14:dur="2000"/>
+    </mc:Choice>
+    <mc:Fallback>
+      <p:transition spd="slow"/>
+    </mc:Fallback>
+  </mc:AlternateContent>
 </p:sld>
 </file>
 
@@ -8455,18 +7397,21 @@
             </a:schemeClr>
           </a:solidFill>
           <a:prstDash val="solid"/>
+          <a:miter/>
         </a:ln>
         <a:ln w="25400" cap="flat" cmpd="sng" algn="ctr">
           <a:solidFill>
             <a:schemeClr val="phClr"/>
           </a:solidFill>
           <a:prstDash val="solid"/>
+          <a:miter/>
         </a:ln>
         <a:ln w="38100" cap="flat" cmpd="sng" algn="ctr">
           <a:solidFill>
             <a:schemeClr val="phClr"/>
           </a:solidFill>
           <a:prstDash val="solid"/>
+          <a:miter/>
         </a:ln>
       </a:lnStyleLst>
       <a:effectStyleLst>
@@ -8678,18 +7623,21 @@
             </a:schemeClr>
           </a:solidFill>
           <a:prstDash val="solid"/>
+          <a:miter/>
         </a:ln>
         <a:ln w="25400" cap="flat" cmpd="sng" algn="ctr">
           <a:solidFill>
             <a:schemeClr val="phClr"/>
           </a:solidFill>
           <a:prstDash val="solid"/>
+          <a:miter/>
         </a:ln>
         <a:ln w="38100" cap="flat" cmpd="sng" algn="ctr">
           <a:solidFill>
             <a:schemeClr val="phClr"/>
           </a:solidFill>
           <a:prstDash val="solid"/>
+          <a:miter/>
         </a:ln>
       </a:lnStyleLst>
       <a:effectStyleLst>
@@ -8901,18 +7849,21 @@
             </a:schemeClr>
           </a:solidFill>
           <a:prstDash val="solid"/>
+          <a:miter/>
         </a:ln>
         <a:ln w="25400" cap="flat" cmpd="sng" algn="ctr">
           <a:solidFill>
             <a:schemeClr val="phClr"/>
           </a:solidFill>
           <a:prstDash val="solid"/>
+          <a:miter/>
         </a:ln>
         <a:ln w="38100" cap="flat" cmpd="sng" algn="ctr">
           <a:solidFill>
             <a:schemeClr val="phClr"/>
           </a:solidFill>
           <a:prstDash val="solid"/>
+          <a:miter/>
         </a:ln>
       </a:lnStyleLst>
       <a:effectStyleLst>
